--- a/assets/data/files/20160125028/beecon_activiti.pptx
+++ b/assets/data/files/20160125028/beecon_activiti.pptx
@@ -5,7 +5,7 @@
     <p:sldMasterId id="2147483660" r:id="rId1"/>
   </p:sldMasterIdLst>
   <p:notesMasterIdLst>
-    <p:notesMasterId r:id="rId39"/>
+    <p:notesMasterId r:id="rId36"/>
   </p:notesMasterIdLst>
   <p:sldIdLst>
     <p:sldId id="256" r:id="rId2"/>
@@ -18,33 +18,30 @@
     <p:sldId id="270" r:id="rId9"/>
     <p:sldId id="271" r:id="rId10"/>
     <p:sldId id="272" r:id="rId11"/>
-    <p:sldId id="274" r:id="rId12"/>
-    <p:sldId id="273" r:id="rId13"/>
-    <p:sldId id="276" r:id="rId14"/>
-    <p:sldId id="277" r:id="rId15"/>
-    <p:sldId id="278" r:id="rId16"/>
-    <p:sldId id="279" r:id="rId17"/>
-    <p:sldId id="280" r:id="rId18"/>
-    <p:sldId id="281" r:id="rId19"/>
-    <p:sldId id="282" r:id="rId20"/>
-    <p:sldId id="283" r:id="rId21"/>
-    <p:sldId id="284" r:id="rId22"/>
-    <p:sldId id="285" r:id="rId23"/>
-    <p:sldId id="286" r:id="rId24"/>
-    <p:sldId id="287" r:id="rId25"/>
-    <p:sldId id="288" r:id="rId26"/>
-    <p:sldId id="289" r:id="rId27"/>
-    <p:sldId id="290" r:id="rId28"/>
-    <p:sldId id="291" r:id="rId29"/>
-    <p:sldId id="292" r:id="rId30"/>
-    <p:sldId id="293" r:id="rId31"/>
-    <p:sldId id="294" r:id="rId32"/>
-    <p:sldId id="295" r:id="rId33"/>
-    <p:sldId id="296" r:id="rId34"/>
-    <p:sldId id="297" r:id="rId35"/>
-    <p:sldId id="298" r:id="rId36"/>
-    <p:sldId id="299" r:id="rId37"/>
-    <p:sldId id="300" r:id="rId38"/>
+    <p:sldId id="273" r:id="rId12"/>
+    <p:sldId id="276" r:id="rId13"/>
+    <p:sldId id="277" r:id="rId14"/>
+    <p:sldId id="278" r:id="rId15"/>
+    <p:sldId id="279" r:id="rId16"/>
+    <p:sldId id="281" r:id="rId17"/>
+    <p:sldId id="282" r:id="rId18"/>
+    <p:sldId id="283" r:id="rId19"/>
+    <p:sldId id="284" r:id="rId20"/>
+    <p:sldId id="285" r:id="rId21"/>
+    <p:sldId id="286" r:id="rId22"/>
+    <p:sldId id="287" r:id="rId23"/>
+    <p:sldId id="288" r:id="rId24"/>
+    <p:sldId id="289" r:id="rId25"/>
+    <p:sldId id="290" r:id="rId26"/>
+    <p:sldId id="291" r:id="rId27"/>
+    <p:sldId id="292" r:id="rId28"/>
+    <p:sldId id="293" r:id="rId29"/>
+    <p:sldId id="294" r:id="rId30"/>
+    <p:sldId id="295" r:id="rId31"/>
+    <p:sldId id="296" r:id="rId32"/>
+    <p:sldId id="297" r:id="rId33"/>
+    <p:sldId id="298" r:id="rId34"/>
+    <p:sldId id="300" r:id="rId35"/>
   </p:sldIdLst>
   <p:sldSz cx="9144000" cy="6858000" type="screen4x3"/>
   <p:notesSz cx="6858000" cy="9144000"/>
@@ -145,7 +142,7 @@
   </p:defaultTextStyle>
   <p:extLst>
     <p:ext uri="{EFAFB233-063F-42B5-8137-9DF3F51BA10A}">
-      <p15:sldGuideLst xmlns:p15="http://schemas.microsoft.com/office/powerpoint/2012/main" xmlns="">
+      <p15:sldGuideLst xmlns="" xmlns:p15="http://schemas.microsoft.com/office/powerpoint/2012/main">
         <p15:guide id="1" orient="horz" pos="2160">
           <p15:clr>
             <a:srgbClr val="A4A3A4"/>
@@ -1074,14 +1071,35 @@
         </dgm:presLayoutVars>
       </dgm:prSet>
       <dgm:spPr/>
+      <dgm:t>
+        <a:bodyPr/>
+        <a:lstStyle/>
+        <a:p>
+          <a:endParaRPr lang="en-US"/>
+        </a:p>
+      </dgm:t>
     </dgm:pt>
     <dgm:pt modelId="{036C13F8-654F-754B-B8A2-0DEE45F8B956}" type="pres">
       <dgm:prSet presAssocID="{63D12E2A-3B34-6A4D-B724-0A3BDEA5F8C9}" presName="sibTrans" presStyleLbl="sibTrans2D1" presStyleIdx="0" presStyleCnt="2"/>
       <dgm:spPr/>
+      <dgm:t>
+        <a:bodyPr/>
+        <a:lstStyle/>
+        <a:p>
+          <a:endParaRPr lang="en-US"/>
+        </a:p>
+      </dgm:t>
     </dgm:pt>
     <dgm:pt modelId="{14C3881D-110A-D94E-96C3-C4046E6AE178}" type="pres">
       <dgm:prSet presAssocID="{63D12E2A-3B34-6A4D-B724-0A3BDEA5F8C9}" presName="connectorText" presStyleLbl="sibTrans2D1" presStyleIdx="0" presStyleCnt="2"/>
       <dgm:spPr/>
+      <dgm:t>
+        <a:bodyPr/>
+        <a:lstStyle/>
+        <a:p>
+          <a:endParaRPr lang="en-US"/>
+        </a:p>
+      </dgm:t>
     </dgm:pt>
     <dgm:pt modelId="{709FC655-96F0-504A-AC22-2BA4E620EB5A}" type="pres">
       <dgm:prSet presAssocID="{6AEB14A7-E7C2-5B42-A5D3-4EF8E31D56AD}" presName="node" presStyleLbl="node1" presStyleIdx="1" presStyleCnt="3">
@@ -1090,14 +1108,35 @@
         </dgm:presLayoutVars>
       </dgm:prSet>
       <dgm:spPr/>
+      <dgm:t>
+        <a:bodyPr/>
+        <a:lstStyle/>
+        <a:p>
+          <a:endParaRPr lang="en-US"/>
+        </a:p>
+      </dgm:t>
     </dgm:pt>
     <dgm:pt modelId="{58AE4FFD-B3D9-DB47-88CC-C96119E0698F}" type="pres">
       <dgm:prSet presAssocID="{7F5CB6ED-D987-374C-8F03-9A542E05B790}" presName="sibTrans" presStyleLbl="sibTrans2D1" presStyleIdx="1" presStyleCnt="2"/>
       <dgm:spPr/>
+      <dgm:t>
+        <a:bodyPr/>
+        <a:lstStyle/>
+        <a:p>
+          <a:endParaRPr lang="en-US"/>
+        </a:p>
+      </dgm:t>
     </dgm:pt>
     <dgm:pt modelId="{B9F45CF6-46CB-D54D-9079-0C313DB2C076}" type="pres">
       <dgm:prSet presAssocID="{7F5CB6ED-D987-374C-8F03-9A542E05B790}" presName="connectorText" presStyleLbl="sibTrans2D1" presStyleIdx="1" presStyleCnt="2"/>
       <dgm:spPr/>
+      <dgm:t>
+        <a:bodyPr/>
+        <a:lstStyle/>
+        <a:p>
+          <a:endParaRPr lang="en-US"/>
+        </a:p>
+      </dgm:t>
     </dgm:pt>
     <dgm:pt modelId="{C6F70F13-17DF-B04F-8E0F-C66B5B847D1F}" type="pres">
       <dgm:prSet presAssocID="{390B36CE-8F99-4A4E-AFB8-FCB4E46EF22D}" presName="node" presStyleLbl="node1" presStyleIdx="2" presStyleCnt="3">
@@ -1106,20 +1145,27 @@
         </dgm:presLayoutVars>
       </dgm:prSet>
       <dgm:spPr/>
+      <dgm:t>
+        <a:bodyPr/>
+        <a:lstStyle/>
+        <a:p>
+          <a:endParaRPr lang="en-US"/>
+        </a:p>
+      </dgm:t>
     </dgm:pt>
   </dgm:ptLst>
   <dgm:cxnLst>
+    <dgm:cxn modelId="{387AA9FE-555A-654D-9E69-883116EE0313}" type="presOf" srcId="{7F5CB6ED-D987-374C-8F03-9A542E05B790}" destId="{B9F45CF6-46CB-D54D-9079-0C313DB2C076}" srcOrd="1" destOrd="0" presId="urn:microsoft.com/office/officeart/2005/8/layout/process2"/>
+    <dgm:cxn modelId="{898ABC9C-249F-6D43-AE56-E71E8D5AA364}" type="presOf" srcId="{97FBA137-CF77-8047-8EB2-FC3538AF6B1D}" destId="{66C82C73-0890-4F4C-B7CA-E00D2300486B}" srcOrd="0" destOrd="0" presId="urn:microsoft.com/office/officeart/2005/8/layout/process2"/>
     <dgm:cxn modelId="{9B424CE1-CFB9-844D-896C-D5A11FA467BD}" type="presOf" srcId="{63D12E2A-3B34-6A4D-B724-0A3BDEA5F8C9}" destId="{036C13F8-654F-754B-B8A2-0DEE45F8B956}" srcOrd="0" destOrd="0" presId="urn:microsoft.com/office/officeart/2005/8/layout/process2"/>
-    <dgm:cxn modelId="{EE1D7C91-8EF6-8B4F-8A18-CB7EC0A09B9F}" srcId="{97FBA137-CF77-8047-8EB2-FC3538AF6B1D}" destId="{390B36CE-8F99-4A4E-AFB8-FCB4E46EF22D}" srcOrd="2" destOrd="0" parTransId="{A1A51E91-CE64-2E4F-97DD-7C3C6AD4281C}" sibTransId="{F3BD09B9-BD58-6249-A4AC-F2442691AFC3}"/>
+    <dgm:cxn modelId="{1635547A-10E7-3E47-8C5F-C646E0DD5336}" srcId="{97FBA137-CF77-8047-8EB2-FC3538AF6B1D}" destId="{64BD8A62-4CD9-C147-91F1-16961E294864}" srcOrd="0" destOrd="0" parTransId="{02DE662D-4276-B94E-A831-6FBD0CCAACAB}" sibTransId="{63D12E2A-3B34-6A4D-B724-0A3BDEA5F8C9}"/>
+    <dgm:cxn modelId="{C678D115-F7C0-5949-A11D-28E592482776}" type="presOf" srcId="{64BD8A62-4CD9-C147-91F1-16961E294864}" destId="{DB0145E9-723E-CF48-9F26-6BB3DCF97C15}" srcOrd="0" destOrd="0" presId="urn:microsoft.com/office/officeart/2005/8/layout/process2"/>
     <dgm:cxn modelId="{57D345A5-2871-4541-AFD6-A05819F0604A}" srcId="{97FBA137-CF77-8047-8EB2-FC3538AF6B1D}" destId="{6AEB14A7-E7C2-5B42-A5D3-4EF8E31D56AD}" srcOrd="1" destOrd="0" parTransId="{F3EBD68A-B49F-0B46-B88C-08FED6F22BC7}" sibTransId="{7F5CB6ED-D987-374C-8F03-9A542E05B790}"/>
-    <dgm:cxn modelId="{C678D115-F7C0-5949-A11D-28E592482776}" type="presOf" srcId="{64BD8A62-4CD9-C147-91F1-16961E294864}" destId="{DB0145E9-723E-CF48-9F26-6BB3DCF97C15}" srcOrd="0" destOrd="0" presId="urn:microsoft.com/office/officeart/2005/8/layout/process2"/>
-    <dgm:cxn modelId="{2D64A34D-9C25-D544-8263-1D21039C9EAE}" type="presOf" srcId="{7F5CB6ED-D987-374C-8F03-9A542E05B790}" destId="{58AE4FFD-B3D9-DB47-88CC-C96119E0698F}" srcOrd="0" destOrd="0" presId="urn:microsoft.com/office/officeart/2005/8/layout/process2"/>
-    <dgm:cxn modelId="{898ABC9C-249F-6D43-AE56-E71E8D5AA364}" type="presOf" srcId="{97FBA137-CF77-8047-8EB2-FC3538AF6B1D}" destId="{66C82C73-0890-4F4C-B7CA-E00D2300486B}" srcOrd="0" destOrd="0" presId="urn:microsoft.com/office/officeart/2005/8/layout/process2"/>
     <dgm:cxn modelId="{FDC6A4C5-7EEF-2945-972E-60E98F8F305A}" type="presOf" srcId="{63D12E2A-3B34-6A4D-B724-0A3BDEA5F8C9}" destId="{14C3881D-110A-D94E-96C3-C4046E6AE178}" srcOrd="1" destOrd="0" presId="urn:microsoft.com/office/officeart/2005/8/layout/process2"/>
     <dgm:cxn modelId="{30859F62-831B-C14E-9171-67834BAD928C}" type="presOf" srcId="{6AEB14A7-E7C2-5B42-A5D3-4EF8E31D56AD}" destId="{709FC655-96F0-504A-AC22-2BA4E620EB5A}" srcOrd="0" destOrd="0" presId="urn:microsoft.com/office/officeart/2005/8/layout/process2"/>
+    <dgm:cxn modelId="{EE1D7C91-8EF6-8B4F-8A18-CB7EC0A09B9F}" srcId="{97FBA137-CF77-8047-8EB2-FC3538AF6B1D}" destId="{390B36CE-8F99-4A4E-AFB8-FCB4E46EF22D}" srcOrd="2" destOrd="0" parTransId="{A1A51E91-CE64-2E4F-97DD-7C3C6AD4281C}" sibTransId="{F3BD09B9-BD58-6249-A4AC-F2442691AFC3}"/>
+    <dgm:cxn modelId="{2D64A34D-9C25-D544-8263-1D21039C9EAE}" type="presOf" srcId="{7F5CB6ED-D987-374C-8F03-9A542E05B790}" destId="{58AE4FFD-B3D9-DB47-88CC-C96119E0698F}" srcOrd="0" destOrd="0" presId="urn:microsoft.com/office/officeart/2005/8/layout/process2"/>
     <dgm:cxn modelId="{807E4829-DB06-8141-BD44-DF0F2CD23852}" type="presOf" srcId="{390B36CE-8F99-4A4E-AFB8-FCB4E46EF22D}" destId="{C6F70F13-17DF-B04F-8E0F-C66B5B847D1F}" srcOrd="0" destOrd="0" presId="urn:microsoft.com/office/officeart/2005/8/layout/process2"/>
-    <dgm:cxn modelId="{1635547A-10E7-3E47-8C5F-C646E0DD5336}" srcId="{97FBA137-CF77-8047-8EB2-FC3538AF6B1D}" destId="{64BD8A62-4CD9-C147-91F1-16961E294864}" srcOrd="0" destOrd="0" parTransId="{02DE662D-4276-B94E-A831-6FBD0CCAACAB}" sibTransId="{63D12E2A-3B34-6A4D-B724-0A3BDEA5F8C9}"/>
-    <dgm:cxn modelId="{387AA9FE-555A-654D-9E69-883116EE0313}" type="presOf" srcId="{7F5CB6ED-D987-374C-8F03-9A542E05B790}" destId="{B9F45CF6-46CB-D54D-9079-0C313DB2C076}" srcOrd="1" destOrd="0" presId="urn:microsoft.com/office/officeart/2005/8/layout/process2"/>
     <dgm:cxn modelId="{AE771832-A773-FC47-BAD6-1F38FFA3B298}" type="presParOf" srcId="{66C82C73-0890-4F4C-B7CA-E00D2300486B}" destId="{DB0145E9-723E-CF48-9F26-6BB3DCF97C15}" srcOrd="0" destOrd="0" presId="urn:microsoft.com/office/officeart/2005/8/layout/process2"/>
     <dgm:cxn modelId="{7DCE401F-D58F-3748-9B20-A90C239194E6}" type="presParOf" srcId="{66C82C73-0890-4F4C-B7CA-E00D2300486B}" destId="{036C13F8-654F-754B-B8A2-0DEE45F8B956}" srcOrd="1" destOrd="0" presId="urn:microsoft.com/office/officeart/2005/8/layout/process2"/>
     <dgm:cxn modelId="{8EDE66ED-40DF-A143-8706-D4005FFF3725}" type="presParOf" srcId="{036C13F8-654F-754B-B8A2-0DEE45F8B956}" destId="{14C3881D-110A-D94E-96C3-C4046E6AE178}" srcOrd="0" destOrd="0" presId="urn:microsoft.com/office/officeart/2005/8/layout/process2"/>
@@ -2925,7 +2971,7 @@
           </a:lstStyle>
           <a:p>
             <a:fld id="{7F30778D-9BA6-9843-AFFE-448524D01102}" type="datetimeFigureOut">
-              <a:t>05/04/16</a:t>
+              <a:t>28/04/16</a:t>
             </a:fld>
             <a:endParaRPr lang="en-US"/>
           </a:p>
@@ -3256,7 +3302,7 @@
           <a:p>
             <a:fld id="{EA8DA646-6879-024D-B385-55756E94D02B}" type="slidenum">
               <a:rPr lang="en-US"/>
-              <a:t>19</a:t>
+              <a:t>17</a:t>
             </a:fld>
             <a:endParaRPr lang="en-US"/>
           </a:p>
@@ -3340,7 +3386,7 @@
           <a:p>
             <a:fld id="{EA8DA646-6879-024D-B385-55756E94D02B}" type="slidenum">
               <a:rPr lang="en-US"/>
-              <a:t>20</a:t>
+              <a:t>18</a:t>
             </a:fld>
             <a:endParaRPr lang="en-US"/>
           </a:p>
@@ -3424,7 +3470,7 @@
           <a:p>
             <a:fld id="{EA8DA646-6879-024D-B385-55756E94D02B}" type="slidenum">
               <a:rPr lang="en-US"/>
-              <a:t>21</a:t>
+              <a:t>19</a:t>
             </a:fld>
             <a:endParaRPr lang="en-US"/>
           </a:p>
@@ -3508,7 +3554,7 @@
           <a:p>
             <a:fld id="{EA8DA646-6879-024D-B385-55756E94D02B}" type="slidenum">
               <a:rPr lang="en-US"/>
-              <a:t>22</a:t>
+              <a:t>20</a:t>
             </a:fld>
             <a:endParaRPr lang="en-US"/>
           </a:p>
@@ -5690,7 +5736,7 @@
           <a:p>
             <a:fld id="{212036EE-9F9B-4645-9A05-CCFE7BAB8F24}" type="datetimeFigureOut">
               <a:rPr lang="ru-RU" noProof="0" smtClean="0"/>
-              <a:t>05/04/16</a:t>
+              <a:t>28/04/16</a:t>
             </a:fld>
             <a:endParaRPr lang="ru-RU" noProof="0" dirty="0"/>
           </a:p>
@@ -6132,6 +6178,13 @@
   <p:clrMapOvr>
     <a:masterClrMapping/>
   </p:clrMapOvr>
+  <p:timing>
+    <p:tnLst>
+      <p:par>
+        <p:cTn xmlns:p14="http://schemas.microsoft.com/office/powerpoint/2010/main" id="1" dur="indefinite" restart="never" nodeType="tmRoot"/>
+      </p:par>
+    </p:tnLst>
+  </p:timing>
 </p:sld>
 </file>
 
@@ -6171,7 +6224,6 @@
               <a:rPr lang="en-US"/>
               <a:t>So why Activiti 6?</a:t>
             </a:r>
-            <a:endParaRPr lang="en-US"/>
           </a:p>
         </p:txBody>
       </p:sp>
@@ -6324,482 +6376,139 @@
           <a:p>
             <a:r>
               <a:rPr lang="en-US"/>
-              <a:t>History</a:t>
-            </a:r>
-            <a:endParaRPr lang="en-US"/>
-          </a:p>
-        </p:txBody>
-      </p:sp>
-      <p:pic>
-        <p:nvPicPr>
-          <p:cNvPr id="5" name="Picture 4" descr="Screenshot 2015-06-07 00.02.38.png"/>
-          <p:cNvPicPr>
-            <a:picLocks noChangeAspect="1"/>
-          </p:cNvPicPr>
-          <p:nvPr/>
-        </p:nvPicPr>
-        <p:blipFill>
-          <a:blip r:embed="rId2" cstate="screen">
-            <a:extLst>
-              <a:ext uri="{28A0092B-C50C-407E-A947-70E740481C1C}">
-                <a14:useLocalDpi xmlns:a14="http://schemas.microsoft.com/office/drawing/2010/main"/>
-              </a:ext>
-            </a:extLst>
-          </a:blip>
-          <a:stretch>
-            <a:fillRect/>
-          </a:stretch>
-        </p:blipFill>
+              <a:t>Design Goals</a:t>
+            </a:r>
+          </a:p>
+        </p:txBody>
+      </p:sp>
+      <p:sp>
+        <p:nvSpPr>
+          <p:cNvPr id="3" name="Content Placeholder 2"/>
+          <p:cNvSpPr>
+            <a:spLocks noGrp="1"/>
+          </p:cNvSpPr>
+          <p:nvPr>
+            <p:ph idx="1"/>
+          </p:nvPr>
+        </p:nvSpPr>
         <p:spPr>
           <a:xfrm>
-            <a:off x="2080621" y="2437136"/>
-            <a:ext cx="1249137" cy="849309"/>
-          </a:xfrm>
-          <a:prstGeom prst="rect">
-            <a:avLst/>
-          </a:prstGeom>
-          <a:ln>
-            <a:solidFill>
-              <a:srgbClr val="000000">
-                <a:alpha val="34000"/>
-              </a:srgbClr>
-            </a:solidFill>
-          </a:ln>
-        </p:spPr>
-      </p:pic>
-      <p:sp>
-        <p:nvSpPr>
-          <p:cNvPr id="6" name="Striped Right Arrow 5"/>
-          <p:cNvSpPr/>
-          <p:nvPr/>
-        </p:nvSpPr>
-        <p:spPr>
-          <a:xfrm>
-            <a:off x="1259632" y="3573016"/>
-            <a:ext cx="7113184" cy="1357923"/>
-          </a:xfrm>
-          <a:prstGeom prst="stripedRightArrow">
-            <a:avLst/>
-          </a:prstGeom>
-        </p:spPr>
-        <p:style>
-          <a:lnRef idx="2">
-            <a:schemeClr val="accent2">
-              <a:shade val="50000"/>
-            </a:schemeClr>
-          </a:lnRef>
-          <a:fillRef idx="1">
-            <a:schemeClr val="accent2"/>
-          </a:fillRef>
-          <a:effectRef idx="0">
-            <a:schemeClr val="accent2"/>
-          </a:effectRef>
-          <a:fontRef idx="minor">
-            <a:schemeClr val="lt1"/>
-          </a:fontRef>
-        </p:style>
-        <p:txBody>
-          <a:bodyPr rtlCol="0" anchor="ctr"/>
-          <a:lstStyle/>
-          <a:p>
-            <a:pPr algn="ctr"/>
-            <a:endParaRPr lang="en-US"/>
-          </a:p>
-        </p:txBody>
-      </p:sp>
-      <p:sp>
-        <p:nvSpPr>
-          <p:cNvPr id="7" name="TextBox 6"/>
-          <p:cNvSpPr txBox="1"/>
-          <p:nvPr/>
-        </p:nvSpPr>
-        <p:spPr>
-          <a:xfrm>
-            <a:off x="1835247" y="2293064"/>
-            <a:ext cx="728666" cy="253916"/>
-          </a:xfrm>
-          <a:prstGeom prst="rect">
-            <a:avLst/>
-          </a:prstGeom>
-          <a:noFill/>
-        </p:spPr>
-        <p:txBody>
-          <a:bodyPr wrap="none" rtlCol="0">
-            <a:spAutoFit/>
+            <a:off x="539552" y="1844824"/>
+            <a:ext cx="7992888" cy="4248472"/>
+          </a:xfrm>
+        </p:spPr>
+        <p:txBody>
+          <a:bodyPr>
+            <a:noAutofit/>
           </a:bodyPr>
           <a:lstStyle/>
           <a:p>
-            <a:r>
-              <a:rPr lang="en-US" sz="1050"/>
-              <a:t>May 2015</a:t>
-            </a:r>
-          </a:p>
-        </p:txBody>
-      </p:sp>
-      <p:sp>
-        <p:nvSpPr>
-          <p:cNvPr id="8" name="Rectangle 7"/>
-          <p:cNvSpPr/>
-          <p:nvPr/>
-        </p:nvSpPr>
-        <p:spPr>
-          <a:xfrm>
-            <a:off x="4547453" y="3211487"/>
-            <a:ext cx="184666" cy="923330"/>
-          </a:xfrm>
-          <a:prstGeom prst="rect">
-            <a:avLst/>
-          </a:prstGeom>
-          <a:noFill/>
-        </p:spPr>
-        <p:txBody>
-          <a:bodyPr wrap="none" lIns="91440" tIns="45720" rIns="91440" bIns="45720">
-            <a:spAutoFit/>
-          </a:bodyPr>
-          <a:lstStyle/>
-          <a:p>
-            <a:pPr algn="ctr"/>
-            <a:endParaRPr lang="en-US" sz="5400" b="1" cap="none" spc="0">
-              <a:ln w="12700">
-                <a:solidFill>
-                  <a:schemeClr val="tx2">
-                    <a:satMod val="155000"/>
-                  </a:schemeClr>
-                </a:solidFill>
-                <a:prstDash val="solid"/>
-              </a:ln>
-              <a:solidFill>
-                <a:schemeClr val="bg2">
-                  <a:tint val="85000"/>
-                  <a:satMod val="155000"/>
-                </a:schemeClr>
-              </a:solidFill>
-              <a:effectLst>
-                <a:outerShdw blurRad="41275" dist="20320" dir="1800000" algn="tl" rotWithShape="0">
-                  <a:srgbClr val="000000">
-                    <a:alpha val="40000"/>
-                  </a:srgbClr>
-                </a:outerShdw>
-              </a:effectLst>
-            </a:endParaRPr>
-          </a:p>
-        </p:txBody>
-      </p:sp>
-      <p:sp>
-        <p:nvSpPr>
-          <p:cNvPr id="9" name="TextBox 8"/>
-          <p:cNvSpPr txBox="1"/>
-          <p:nvPr/>
-        </p:nvSpPr>
-        <p:spPr>
-          <a:xfrm>
-            <a:off x="620784" y="3286445"/>
-            <a:ext cx="1838965" cy="577081"/>
-          </a:xfrm>
-          <a:prstGeom prst="rect">
-            <a:avLst/>
-          </a:prstGeom>
-          <a:noFill/>
-        </p:spPr>
-        <p:txBody>
-          <a:bodyPr wrap="none" rtlCol="0">
-            <a:spAutoFit/>
-          </a:bodyPr>
-          <a:lstStyle/>
-          <a:p>
-            <a:r>
-              <a:rPr lang="en-US" sz="1050"/>
-              <a:t>2014-2015</a:t>
-            </a:r>
-          </a:p>
-          <a:p>
-            <a:pPr marL="171450" indent="-171450">
-              <a:buFontTx/>
-              <a:buChar char="-"/>
+            <a:pPr marL="457200" indent="-457200">
+              <a:buAutoNum type="arabicPeriod"/>
             </a:pPr>
             <a:r>
-              <a:rPr lang="en-US" sz="1050"/>
-              <a:t>Prototyping/Idea gathering</a:t>
-            </a:r>
-          </a:p>
-          <a:p>
-            <a:pPr marL="171450" indent="-171450">
-              <a:buFontTx/>
-              <a:buChar char="-"/>
+              <a:rPr lang="en-US" sz="2400"/>
+              <a:t>Backwards compatibility</a:t>
+            </a:r>
+          </a:p>
+          <a:p>
+            <a:pPr marL="400050" lvl="1" indent="0">
+              <a:buNone/>
             </a:pPr>
             <a:r>
-              <a:rPr lang="en-US" sz="1050"/>
-              <a:t>V5 releases</a:t>
-            </a:r>
-          </a:p>
-        </p:txBody>
-      </p:sp>
-      <p:sp>
-        <p:nvSpPr>
-          <p:cNvPr id="10" name="TextBox 9"/>
-          <p:cNvSpPr txBox="1"/>
-          <p:nvPr/>
-        </p:nvSpPr>
-        <p:spPr>
-          <a:xfrm>
-            <a:off x="2323461" y="4671897"/>
-            <a:ext cx="1391145" cy="415498"/>
-          </a:xfrm>
-          <a:prstGeom prst="rect">
-            <a:avLst/>
-          </a:prstGeom>
-          <a:noFill/>
-        </p:spPr>
-        <p:txBody>
-          <a:bodyPr wrap="none" rtlCol="0">
-            <a:spAutoFit/>
-          </a:bodyPr>
-          <a:lstStyle/>
-          <a:p>
-            <a:pPr algn="ctr"/>
-            <a:r>
-              <a:rPr lang="en-US" sz="1050"/>
-              <a:t>June 2015</a:t>
-            </a:r>
-          </a:p>
-          <a:p>
-            <a:pPr algn="ctr"/>
-            <a:r>
-              <a:rPr lang="en-US" sz="1050"/>
-              <a:t>Public Announcement</a:t>
-            </a:r>
-          </a:p>
-        </p:txBody>
-      </p:sp>
-      <p:pic>
-        <p:nvPicPr>
-          <p:cNvPr id="11" name="Picture 10"/>
-          <p:cNvPicPr>
-            <a:picLocks noChangeAspect="1"/>
-          </p:cNvPicPr>
-          <p:nvPr/>
-        </p:nvPicPr>
-        <p:blipFill>
-          <a:blip r:embed="rId3"/>
-          <a:stretch>
-            <a:fillRect/>
-          </a:stretch>
-        </p:blipFill>
-        <p:spPr>
-          <a:xfrm>
-            <a:off x="2677058" y="5087395"/>
-            <a:ext cx="769132" cy="1025105"/>
-          </a:xfrm>
-          <a:prstGeom prst="rect">
-            <a:avLst/>
-          </a:prstGeom>
-        </p:spPr>
-      </p:pic>
-      <p:sp>
-        <p:nvSpPr>
-          <p:cNvPr id="12" name="TextBox 11"/>
-          <p:cNvSpPr txBox="1"/>
-          <p:nvPr/>
-        </p:nvSpPr>
-        <p:spPr>
-          <a:xfrm>
-            <a:off x="3672854" y="2836322"/>
-            <a:ext cx="1749197" cy="900246"/>
-          </a:xfrm>
-          <a:prstGeom prst="rect">
-            <a:avLst/>
-          </a:prstGeom>
-          <a:noFill/>
-        </p:spPr>
-        <p:txBody>
-          <a:bodyPr wrap="none" rtlCol="0">
-            <a:spAutoFit/>
-          </a:bodyPr>
-          <a:lstStyle/>
-          <a:p>
-            <a:pPr algn="ctr"/>
-            <a:r>
-              <a:rPr lang="en-US" sz="1050"/>
-              <a:t>September 2015</a:t>
-            </a:r>
-          </a:p>
-          <a:p>
-            <a:pPr algn="ctr"/>
-            <a:r>
-              <a:rPr lang="en-US" sz="1050" b="1"/>
-              <a:t>Beta 1</a:t>
-            </a:r>
-          </a:p>
-          <a:p>
-            <a:pPr algn="ctr"/>
-            <a:r>
-              <a:rPr lang="en-US" sz="1050"/>
-              <a:t>New internal execution logic</a:t>
-            </a:r>
-          </a:p>
-          <a:p>
-            <a:pPr algn="ctr"/>
-            <a:r>
-              <a:rPr lang="en-US" sz="1050"/>
-              <a:t>Compatibility logic</a:t>
-            </a:r>
-          </a:p>
-          <a:p>
-            <a:pPr algn="ctr"/>
-            <a:r>
-              <a:rPr lang="en-US" sz="1050"/>
-              <a:t>Test coverage 100% </a:t>
-            </a:r>
-          </a:p>
-        </p:txBody>
-      </p:sp>
-      <p:sp>
-        <p:nvSpPr>
-          <p:cNvPr id="13" name="TextBox 12"/>
-          <p:cNvSpPr txBox="1"/>
-          <p:nvPr/>
-        </p:nvSpPr>
-        <p:spPr>
-          <a:xfrm>
-            <a:off x="5199995" y="4911991"/>
-            <a:ext cx="1463468" cy="738664"/>
-          </a:xfrm>
-          <a:prstGeom prst="rect">
-            <a:avLst/>
-          </a:prstGeom>
-          <a:noFill/>
-        </p:spPr>
-        <p:txBody>
-          <a:bodyPr wrap="none" rtlCol="0">
-            <a:spAutoFit/>
-          </a:bodyPr>
-          <a:lstStyle/>
-          <a:p>
-            <a:pPr algn="ctr"/>
-            <a:r>
-              <a:rPr lang="en-US" sz="1050"/>
-              <a:t>December 2015</a:t>
-            </a:r>
-          </a:p>
-          <a:p>
-            <a:pPr algn="ctr"/>
-            <a:r>
-              <a:rPr lang="en-US" sz="1050" b="1"/>
-              <a:t>Beta 2</a:t>
-            </a:r>
-          </a:p>
-          <a:p>
-            <a:pPr algn="ctr"/>
-            <a:r>
-              <a:rPr lang="en-US" sz="1050"/>
-              <a:t>Pluggable persistence</a:t>
-            </a:r>
-          </a:p>
-          <a:p>
-            <a:pPr algn="ctr"/>
-            <a:r>
-              <a:rPr lang="en-US" sz="1050"/>
-              <a:t>Stabilize execution tree</a:t>
-            </a:r>
-          </a:p>
-        </p:txBody>
-      </p:sp>
-      <p:sp>
-        <p:nvSpPr>
-          <p:cNvPr id="14" name="TextBox 13"/>
-          <p:cNvSpPr txBox="1"/>
-          <p:nvPr/>
-        </p:nvSpPr>
-        <p:spPr>
-          <a:xfrm>
-            <a:off x="6407028" y="2656425"/>
-            <a:ext cx="1848029" cy="900246"/>
-          </a:xfrm>
-          <a:prstGeom prst="rect">
-            <a:avLst/>
-          </a:prstGeom>
-          <a:noFill/>
-        </p:spPr>
-        <p:txBody>
-          <a:bodyPr wrap="none" rtlCol="0">
-            <a:spAutoFit/>
-          </a:bodyPr>
-          <a:lstStyle/>
-          <a:p>
-            <a:pPr algn="ctr"/>
-            <a:r>
-              <a:rPr lang="en-US" sz="1050"/>
-              <a:t>? 2016</a:t>
-            </a:r>
-          </a:p>
-          <a:p>
-            <a:pPr algn="ctr"/>
-            <a:r>
-              <a:rPr lang="en-US" sz="1050" b="1"/>
-              <a:t>Beta 3/final</a:t>
-            </a:r>
-          </a:p>
-          <a:p>
-            <a:pPr algn="ctr"/>
-            <a:r>
-              <a:rPr lang="en-US" sz="1050"/>
-              <a:t>Performance</a:t>
-            </a:r>
-          </a:p>
-          <a:p>
-            <a:pPr algn="ctr"/>
-            <a:r>
-              <a:rPr lang="en-US" sz="1050"/>
-              <a:t>First dynamic features</a:t>
-            </a:r>
-          </a:p>
-          <a:p>
-            <a:pPr algn="ctr"/>
-            <a:r>
-              <a:rPr lang="en-US" sz="1050"/>
-              <a:t>Final Execution Tree algorithm</a:t>
-            </a:r>
-          </a:p>
-        </p:txBody>
-      </p:sp>
-      <p:sp>
-        <p:nvSpPr>
-          <p:cNvPr id="15" name="TextBox 14"/>
-          <p:cNvSpPr txBox="1"/>
-          <p:nvPr/>
-        </p:nvSpPr>
-        <p:spPr>
-          <a:xfrm>
-            <a:off x="5966146" y="4120641"/>
-            <a:ext cx="1394633" cy="253916"/>
-          </a:xfrm>
-          <a:prstGeom prst="rect">
-            <a:avLst/>
-          </a:prstGeom>
-          <a:noFill/>
-        </p:spPr>
-        <p:txBody>
-          <a:bodyPr wrap="none" rtlCol="0">
-            <a:spAutoFit/>
-          </a:bodyPr>
-          <a:lstStyle/>
-          <a:p>
-            <a:pPr algn="ctr"/>
-            <a:r>
-              <a:rPr lang="en-US" sz="1050">
-                <a:solidFill>
-                  <a:schemeClr val="bg1"/>
-                </a:solidFill>
-              </a:rPr>
-              <a:t>V5 bugfixes / features</a:t>
-            </a:r>
+              <a:rPr lang="en-US" sz="1600"/>
+              <a:t>- </a:t>
+            </a:r>
+            <a:r>
+              <a:rPr lang="en-US" sz="1600"/>
+              <a:t>API, DB Schema, concepts, integrations, …</a:t>
+            </a:r>
+          </a:p>
+          <a:p>
+            <a:pPr marL="0" indent="0">
+              <a:buNone/>
+            </a:pPr>
+            <a:r>
+              <a:rPr lang="en-US" sz="2400"/>
+              <a:t>2. Simple runtime structure and execution</a:t>
+            </a:r>
+          </a:p>
+          <a:p>
+            <a:pPr marL="0" indent="0">
+              <a:buNone/>
+            </a:pPr>
+            <a:r>
+              <a:rPr lang="en-US" sz="2400"/>
+              <a:t>3. Evolution of core execution of process logic</a:t>
+            </a:r>
+          </a:p>
+          <a:p>
+            <a:pPr lvl="1"/>
+            <a:r>
+              <a:rPr lang="en-US" sz="2000"/>
+              <a:t>No more model transformation</a:t>
+            </a:r>
+          </a:p>
+          <a:p>
+            <a:pPr lvl="1"/>
+            <a:r>
+              <a:rPr lang="en-US" sz="2000"/>
+              <a:t>Direct execution/interpretation of Bpmn Model</a:t>
+            </a:r>
+          </a:p>
+          <a:p>
+            <a:pPr lvl="1"/>
+            <a:r>
+              <a:rPr lang="en-US" sz="2000"/>
+              <a:t>One algorithm for defining runtime structure</a:t>
+            </a:r>
+          </a:p>
+          <a:p>
+            <a:pPr marL="0" indent="0">
+              <a:buNone/>
+            </a:pPr>
+            <a:r>
+              <a:rPr lang="en-US" sz="2400"/>
+              <a:t>4. Dynamic process instance/definition modification support</a:t>
+            </a:r>
+          </a:p>
+          <a:p>
+            <a:pPr marL="0" indent="0">
+              <a:buNone/>
+            </a:pPr>
+            <a:r>
+              <a:rPr lang="en-US" sz="2400"/>
+              <a:t>5. Performance</a:t>
+            </a:r>
+            <a:endParaRPr lang="en-US" sz="2000"/>
+          </a:p>
+          <a:p>
+            <a:endParaRPr lang="en-US" sz="2400"/>
+          </a:p>
+          <a:p>
+            <a:endParaRPr lang="en-US" sz="2400"/>
+          </a:p>
+          <a:p>
+            <a:pPr lvl="1"/>
+            <a:endParaRPr lang="en-US" sz="2000"/>
+          </a:p>
+          <a:p>
+            <a:pPr lvl="1"/>
+            <a:endParaRPr lang="en-US" sz="2000"/>
+          </a:p>
+          <a:p>
+            <a:pPr lvl="1"/>
+            <a:endParaRPr lang="en-US" sz="2000"/>
+          </a:p>
+          <a:p>
+            <a:endParaRPr lang="en-US" sz="2400"/>
           </a:p>
         </p:txBody>
       </p:sp>
     </p:spTree>
     <p:extLst>
       <p:ext uri="{BB962C8B-B14F-4D97-AF65-F5344CB8AC3E}">
-        <p14:creationId xmlns:p14="http://schemas.microsoft.com/office/powerpoint/2010/main" val="2405366711"/>
+        <p14:creationId xmlns:p14="http://schemas.microsoft.com/office/powerpoint/2010/main" val="2675746479"/>
       </p:ext>
     </p:extLst>
   </p:cSld>
@@ -6850,9 +6559,8 @@
           <a:p>
             <a:r>
               <a:rPr lang="en-US"/>
-              <a:t>Design Goals</a:t>
-            </a:r>
-            <a:endParaRPr lang="en-US"/>
+              <a:t>A deployed process</a:t>
+            </a:r>
           </a:p>
         </p:txBody>
       </p:sp>
@@ -6868,171 +6576,6 @@
         </p:nvSpPr>
         <p:spPr>
           <a:xfrm>
-            <a:off x="539552" y="1844824"/>
-            <a:ext cx="7992888" cy="4248472"/>
-          </a:xfrm>
-        </p:spPr>
-        <p:txBody>
-          <a:bodyPr>
-            <a:noAutofit/>
-          </a:bodyPr>
-          <a:lstStyle/>
-          <a:p>
-            <a:r>
-              <a:rPr lang="en-US" sz="2400"/>
-              <a:t>Backwards compatibility with Activiti v5 (crucial)</a:t>
-            </a:r>
-          </a:p>
-          <a:p>
-            <a:pPr lvl="1"/>
-            <a:r>
-              <a:rPr lang="en-US" sz="2000"/>
-              <a:t>API, DB Schema, concepts, integrations, …</a:t>
-            </a:r>
-          </a:p>
-          <a:p>
-            <a:r>
-              <a:rPr lang="en-US" sz="2400"/>
-              <a:t>Simple runtime structure and execution</a:t>
-            </a:r>
-          </a:p>
-          <a:p>
-            <a:r>
-              <a:rPr lang="en-US" sz="2400"/>
-              <a:t>Evolution of core execution of process logic</a:t>
-            </a:r>
-          </a:p>
-          <a:p>
-            <a:pPr lvl="1"/>
-            <a:r>
-              <a:rPr lang="en-US" sz="2000"/>
-              <a:t>No more model transformation</a:t>
-            </a:r>
-          </a:p>
-          <a:p>
-            <a:pPr lvl="1"/>
-            <a:r>
-              <a:rPr lang="en-US" sz="2000"/>
-              <a:t>Direct execution/interpretation of Bpmn Model</a:t>
-            </a:r>
-          </a:p>
-          <a:p>
-            <a:pPr lvl="1"/>
-            <a:r>
-              <a:rPr lang="en-US" sz="2000"/>
-              <a:t>One algorithm for defining runtime structure</a:t>
-            </a:r>
-          </a:p>
-          <a:p>
-            <a:r>
-              <a:rPr lang="en-US" sz="2400"/>
-              <a:t>Dynamic process instance/definition modification support</a:t>
-            </a:r>
-          </a:p>
-          <a:p>
-            <a:r>
-              <a:rPr lang="en-US" sz="2400"/>
-              <a:t>Performance, performance, performance</a:t>
-            </a:r>
-          </a:p>
-          <a:p>
-            <a:pPr lvl="1"/>
-            <a:endParaRPr lang="en-US" sz="2000"/>
-          </a:p>
-          <a:p>
-            <a:endParaRPr lang="en-US" sz="2400"/>
-          </a:p>
-          <a:p>
-            <a:endParaRPr lang="en-US" sz="2400"/>
-          </a:p>
-          <a:p>
-            <a:pPr lvl="1"/>
-            <a:endParaRPr lang="en-US" sz="2000"/>
-          </a:p>
-          <a:p>
-            <a:pPr lvl="1"/>
-            <a:endParaRPr lang="en-US" sz="2000"/>
-          </a:p>
-          <a:p>
-            <a:pPr lvl="1"/>
-            <a:endParaRPr lang="en-US" sz="2000"/>
-          </a:p>
-          <a:p>
-            <a:endParaRPr lang="en-US" sz="2400"/>
-          </a:p>
-        </p:txBody>
-      </p:sp>
-    </p:spTree>
-    <p:extLst>
-      <p:ext uri="{BB962C8B-B14F-4D97-AF65-F5344CB8AC3E}">
-        <p14:creationId xmlns:p14="http://schemas.microsoft.com/office/powerpoint/2010/main" val="2675746479"/>
-      </p:ext>
-    </p:extLst>
-  </p:cSld>
-  <p:clrMapOvr>
-    <a:masterClrMapping/>
-  </p:clrMapOvr>
-  <p:timing>
-    <p:tnLst>
-      <p:par>
-        <p:cTn xmlns:p14="http://schemas.microsoft.com/office/powerpoint/2010/main" id="1" dur="indefinite" restart="never" nodeType="tmRoot"/>
-      </p:par>
-    </p:tnLst>
-  </p:timing>
-</p:sld>
-</file>
-
-<file path=ppt/slides/slide13.xml><?xml version="1.0" encoding="utf-8"?>
-<p:sld xmlns:a="http://schemas.openxmlformats.org/drawingml/2006/main" xmlns:r="http://schemas.openxmlformats.org/officeDocument/2006/relationships" xmlns:p="http://schemas.openxmlformats.org/presentationml/2006/main">
-  <p:cSld>
-    <p:spTree>
-      <p:nvGrpSpPr>
-        <p:cNvPr id="1" name=""/>
-        <p:cNvGrpSpPr/>
-        <p:nvPr/>
-      </p:nvGrpSpPr>
-      <p:grpSpPr>
-        <a:xfrm>
-          <a:off x="0" y="0"/>
-          <a:ext cx="0" cy="0"/>
-          <a:chOff x="0" y="0"/>
-          <a:chExt cx="0" cy="0"/>
-        </a:xfrm>
-      </p:grpSpPr>
-      <p:sp>
-        <p:nvSpPr>
-          <p:cNvPr id="2" name="Title 1"/>
-          <p:cNvSpPr>
-            <a:spLocks noGrp="1"/>
-          </p:cNvSpPr>
-          <p:nvPr>
-            <p:ph type="title"/>
-          </p:nvPr>
-        </p:nvSpPr>
-        <p:spPr/>
-        <p:txBody>
-          <a:bodyPr/>
-          <a:lstStyle/>
-          <a:p>
-            <a:r>
-              <a:rPr lang="en-US"/>
-              <a:t>A deployed process</a:t>
-            </a:r>
-          </a:p>
-        </p:txBody>
-      </p:sp>
-      <p:sp>
-        <p:nvSpPr>
-          <p:cNvPr id="3" name="Content Placeholder 2"/>
-          <p:cNvSpPr>
-            <a:spLocks noGrp="1"/>
-          </p:cNvSpPr>
-          <p:nvPr>
-            <p:ph idx="1"/>
-          </p:nvPr>
-        </p:nvSpPr>
-        <p:spPr>
-          <a:xfrm>
             <a:off x="457200" y="1857364"/>
             <a:ext cx="5554960" cy="4379947"/>
           </a:xfrm>
@@ -7135,7 +6678,7 @@
             <a:fld id="{AF88E988-FB04-AB4E-BE5A-59F242AF7F7A}" type="slidenum">
               <a:rPr lang="en-US" smtClean="0"/>
               <a:pPr/>
-              <a:t>13</a:t>
+              <a:t>12</a:t>
             </a:fld>
             <a:endParaRPr lang="en-US" dirty="0"/>
           </a:p>
@@ -7209,7 +6752,7 @@
 </p:sld>
 </file>
 
-<file path=ppt/slides/slide14.xml><?xml version="1.0" encoding="utf-8"?>
+<file path=ppt/slides/slide13.xml><?xml version="1.0" encoding="utf-8"?>
 <p:sld xmlns:a="http://schemas.openxmlformats.org/drawingml/2006/main" xmlns:r="http://schemas.openxmlformats.org/officeDocument/2006/relationships" xmlns:p="http://schemas.openxmlformats.org/presentationml/2006/main">
   <p:cSld>
     <p:spTree>
@@ -7379,7 +6922,7 @@
             <a:fld id="{AF88E988-FB04-AB4E-BE5A-59F242AF7F7A}" type="slidenum">
               <a:rPr lang="en-US" smtClean="0"/>
               <a:pPr/>
-              <a:t>14</a:t>
+              <a:t>13</a:t>
             </a:fld>
             <a:endParaRPr lang="en-US" dirty="0"/>
           </a:p>
@@ -7821,7 +7364,7 @@
 </p:sld>
 </file>
 
-<file path=ppt/slides/slide15.xml><?xml version="1.0" encoding="utf-8"?>
+<file path=ppt/slides/slide14.xml><?xml version="1.0" encoding="utf-8"?>
 <p:sld xmlns:a="http://schemas.openxmlformats.org/drawingml/2006/main" xmlns:r="http://schemas.openxmlformats.org/officeDocument/2006/relationships" xmlns:p="http://schemas.openxmlformats.org/presentationml/2006/main">
   <p:cSld>
     <p:spTree>
@@ -7902,7 +7445,7 @@
             <a:fld id="{AF88E988-FB04-AB4E-BE5A-59F242AF7F7A}" type="slidenum">
               <a:rPr lang="en-US" smtClean="0"/>
               <a:pPr/>
-              <a:t>15</a:t>
+              <a:t>14</a:t>
             </a:fld>
             <a:endParaRPr lang="en-US" dirty="0"/>
           </a:p>
@@ -8968,6 +8511,51 @@
                       </p:childTnLst>
                     </p:cTn>
                   </p:par>
+                  <p:par>
+                    <p:cTn id="39" fill="hold">
+                      <p:stCondLst>
+                        <p:cond delay="indefinite"/>
+                      </p:stCondLst>
+                      <p:childTnLst>
+                        <p:par>
+                          <p:cTn id="40" fill="hold">
+                            <p:stCondLst>
+                              <p:cond delay="0"/>
+                            </p:stCondLst>
+                            <p:childTnLst>
+                              <p:par>
+                                <p:cTn id="41" presetID="1" presetClass="entr" presetSubtype="0" fill="hold" grpId="0" nodeType="clickEffect">
+                                  <p:stCondLst>
+                                    <p:cond delay="0"/>
+                                  </p:stCondLst>
+                                  <p:childTnLst>
+                                    <p:set>
+                                      <p:cBhvr>
+                                        <p:cTn id="42" dur="1" fill="hold">
+                                          <p:stCondLst>
+                                            <p:cond delay="0"/>
+                                          </p:stCondLst>
+                                        </p:cTn>
+                                        <p:tgtEl>
+                                          <p:spTgt spid="17"/>
+                                        </p:tgtEl>
+                                        <p:attrNameLst>
+                                          <p:attrName>style.visibility</p:attrName>
+                                        </p:attrNameLst>
+                                      </p:cBhvr>
+                                      <p:to>
+                                        <p:strVal val="visible"/>
+                                      </p:to>
+                                    </p:set>
+                                  </p:childTnLst>
+                                </p:cTn>
+                              </p:par>
+                            </p:childTnLst>
+                          </p:cTn>
+                        </p:par>
+                      </p:childTnLst>
+                    </p:cTn>
+                  </p:par>
                 </p:childTnLst>
               </p:cTn>
               <p:prevCondLst>
@@ -8990,6 +8578,7 @@
       </p:par>
     </p:tnLst>
     <p:bldLst>
+      <p:bldP spid="17" grpId="0" animBg="1"/>
       <p:bldP spid="12" grpId="0" animBg="1"/>
       <p:bldP spid="13" grpId="0" animBg="1"/>
       <p:bldP spid="14" grpId="0" animBg="1"/>
@@ -9002,6 +8591,745 @@
       <p:bldP spid="41" grpId="0" animBg="1"/>
       <p:bldP spid="42" grpId="0" animBg="1"/>
     </p:bldLst>
+  </p:timing>
+</p:sld>
+</file>
+
+<file path=ppt/slides/slide15.xml><?xml version="1.0" encoding="utf-8"?>
+<p:sld xmlns:a="http://schemas.openxmlformats.org/drawingml/2006/main" xmlns:r="http://schemas.openxmlformats.org/officeDocument/2006/relationships" xmlns:p="http://schemas.openxmlformats.org/presentationml/2006/main">
+  <p:cSld>
+    <p:spTree>
+      <p:nvGrpSpPr>
+        <p:cNvPr id="1" name=""/>
+        <p:cNvGrpSpPr/>
+        <p:nvPr/>
+      </p:nvGrpSpPr>
+      <p:grpSpPr>
+        <a:xfrm>
+          <a:off x="0" y="0"/>
+          <a:ext cx="0" cy="0"/>
+          <a:chOff x="0" y="0"/>
+          <a:chExt cx="0" cy="0"/>
+        </a:xfrm>
+      </p:grpSpPr>
+      <p:sp>
+        <p:nvSpPr>
+          <p:cNvPr id="5" name="Slide Number Placeholder 4"/>
+          <p:cNvSpPr>
+            <a:spLocks noGrp="1"/>
+          </p:cNvSpPr>
+          <p:nvPr>
+            <p:ph type="sldNum" sz="quarter" idx="4294967295"/>
+          </p:nvPr>
+        </p:nvSpPr>
+        <p:spPr>
+          <a:xfrm>
+            <a:off x="8715375" y="6383338"/>
+            <a:ext cx="428625" cy="365125"/>
+          </a:xfrm>
+        </p:spPr>
+        <p:txBody>
+          <a:bodyPr/>
+          <a:lstStyle/>
+          <a:p>
+            <a:fld id="{AF88E988-FB04-AB4E-BE5A-59F242AF7F7A}" type="slidenum">
+              <a:rPr lang="en-US" smtClean="0"/>
+              <a:pPr/>
+              <a:t>15</a:t>
+            </a:fld>
+            <a:endParaRPr lang="en-US" dirty="0"/>
+          </a:p>
+        </p:txBody>
+      </p:sp>
+      <p:sp>
+        <p:nvSpPr>
+          <p:cNvPr id="38" name="Rounded Rectangle 37"/>
+          <p:cNvSpPr/>
+          <p:nvPr/>
+        </p:nvSpPr>
+        <p:spPr>
+          <a:xfrm>
+            <a:off x="194421" y="3328591"/>
+            <a:ext cx="1366580" cy="444540"/>
+          </a:xfrm>
+          <a:prstGeom prst="roundRect">
+            <a:avLst/>
+          </a:prstGeom>
+        </p:spPr>
+        <p:style>
+          <a:lnRef idx="2">
+            <a:schemeClr val="accent3">
+              <a:shade val="50000"/>
+            </a:schemeClr>
+          </a:lnRef>
+          <a:fillRef idx="1">
+            <a:schemeClr val="accent3"/>
+          </a:fillRef>
+          <a:effectRef idx="0">
+            <a:schemeClr val="accent3"/>
+          </a:effectRef>
+          <a:fontRef idx="minor">
+            <a:schemeClr val="lt1"/>
+          </a:fontRef>
+        </p:style>
+        <p:txBody>
+          <a:bodyPr rtlCol="0" anchor="ctr"/>
+          <a:lstStyle/>
+          <a:p>
+            <a:pPr algn="ctr"/>
+            <a:r>
+              <a:rPr lang="en-US"/>
+              <a:t>Command</a:t>
+            </a:r>
+          </a:p>
+        </p:txBody>
+      </p:sp>
+      <p:sp>
+        <p:nvSpPr>
+          <p:cNvPr id="22" name="Rounded Rectangle 21"/>
+          <p:cNvSpPr/>
+          <p:nvPr/>
+        </p:nvSpPr>
+        <p:spPr>
+          <a:xfrm>
+            <a:off x="1717355" y="2401151"/>
+            <a:ext cx="1677290" cy="511543"/>
+          </a:xfrm>
+          <a:prstGeom prst="roundRect">
+            <a:avLst/>
+          </a:prstGeom>
+        </p:spPr>
+        <p:style>
+          <a:lnRef idx="2">
+            <a:schemeClr val="accent6">
+              <a:shade val="50000"/>
+            </a:schemeClr>
+          </a:lnRef>
+          <a:fillRef idx="1">
+            <a:schemeClr val="accent6"/>
+          </a:fillRef>
+          <a:effectRef idx="0">
+            <a:schemeClr val="accent6"/>
+          </a:effectRef>
+          <a:fontRef idx="minor">
+            <a:schemeClr val="lt1"/>
+          </a:fontRef>
+        </p:style>
+        <p:txBody>
+          <a:bodyPr rtlCol="0" anchor="ctr"/>
+          <a:lstStyle/>
+          <a:p>
+            <a:pPr algn="ctr"/>
+            <a:r>
+              <a:rPr lang="en-US" sz="1400"/>
+              <a:t>CommandContext</a:t>
+            </a:r>
+          </a:p>
+        </p:txBody>
+      </p:sp>
+      <p:sp>
+        <p:nvSpPr>
+          <p:cNvPr id="23" name="Rounded Rectangle 22"/>
+          <p:cNvSpPr/>
+          <p:nvPr/>
+        </p:nvSpPr>
+        <p:spPr>
+          <a:xfrm>
+            <a:off x="1717355" y="5002827"/>
+            <a:ext cx="1677290" cy="511543"/>
+          </a:xfrm>
+          <a:prstGeom prst="roundRect">
+            <a:avLst/>
+          </a:prstGeom>
+        </p:spPr>
+        <p:style>
+          <a:lnRef idx="2">
+            <a:schemeClr val="accent6">
+              <a:shade val="50000"/>
+            </a:schemeClr>
+          </a:lnRef>
+          <a:fillRef idx="1">
+            <a:schemeClr val="accent6"/>
+          </a:fillRef>
+          <a:effectRef idx="0">
+            <a:schemeClr val="accent6"/>
+          </a:effectRef>
+          <a:fontRef idx="minor">
+            <a:schemeClr val="lt1"/>
+          </a:fontRef>
+        </p:style>
+        <p:txBody>
+          <a:bodyPr rtlCol="0" anchor="ctr"/>
+          <a:lstStyle/>
+          <a:p>
+            <a:pPr algn="ctr"/>
+            <a:r>
+              <a:rPr lang="en-US" sz="1400"/>
+              <a:t>Agenda</a:t>
+            </a:r>
+          </a:p>
+        </p:txBody>
+      </p:sp>
+      <p:sp>
+        <p:nvSpPr>
+          <p:cNvPr id="24" name="Rounded Rectangle 23"/>
+          <p:cNvSpPr/>
+          <p:nvPr/>
+        </p:nvSpPr>
+        <p:spPr>
+          <a:xfrm>
+            <a:off x="3935155" y="1243639"/>
+            <a:ext cx="1994404" cy="511543"/>
+          </a:xfrm>
+          <a:prstGeom prst="roundRect">
+            <a:avLst/>
+          </a:prstGeom>
+        </p:spPr>
+        <p:style>
+          <a:lnRef idx="2">
+            <a:schemeClr val="accent2">
+              <a:shade val="50000"/>
+            </a:schemeClr>
+          </a:lnRef>
+          <a:fillRef idx="1">
+            <a:schemeClr val="accent2"/>
+          </a:fillRef>
+          <a:effectRef idx="0">
+            <a:schemeClr val="accent2"/>
+          </a:effectRef>
+          <a:fontRef idx="minor">
+            <a:schemeClr val="lt1"/>
+          </a:fontRef>
+        </p:style>
+        <p:txBody>
+          <a:bodyPr rtlCol="0" anchor="ctr"/>
+          <a:lstStyle/>
+          <a:p>
+            <a:pPr algn="ctr"/>
+            <a:r>
+              <a:rPr lang="en-US" sz="1400"/>
+              <a:t>TaskEntityManager</a:t>
+            </a:r>
+          </a:p>
+        </p:txBody>
+      </p:sp>
+      <p:sp>
+        <p:nvSpPr>
+          <p:cNvPr id="25" name="Rounded Rectangle 24"/>
+          <p:cNvSpPr/>
+          <p:nvPr/>
+        </p:nvSpPr>
+        <p:spPr>
+          <a:xfrm>
+            <a:off x="3935155" y="1945331"/>
+            <a:ext cx="1994405" cy="511543"/>
+          </a:xfrm>
+          <a:prstGeom prst="roundRect">
+            <a:avLst/>
+          </a:prstGeom>
+        </p:spPr>
+        <p:style>
+          <a:lnRef idx="2">
+            <a:schemeClr val="accent2">
+              <a:shade val="50000"/>
+            </a:schemeClr>
+          </a:lnRef>
+          <a:fillRef idx="1">
+            <a:schemeClr val="accent2"/>
+          </a:fillRef>
+          <a:effectRef idx="0">
+            <a:schemeClr val="accent2"/>
+          </a:effectRef>
+          <a:fontRef idx="minor">
+            <a:schemeClr val="lt1"/>
+          </a:fontRef>
+        </p:style>
+        <p:txBody>
+          <a:bodyPr rtlCol="0" anchor="ctr"/>
+          <a:lstStyle/>
+          <a:p>
+            <a:pPr algn="ctr"/>
+            <a:r>
+              <a:rPr lang="en-US" sz="1050"/>
+              <a:t>ProcessDefinitionEntityManager</a:t>
+            </a:r>
+          </a:p>
+        </p:txBody>
+      </p:sp>
+      <p:sp>
+        <p:nvSpPr>
+          <p:cNvPr id="26" name="Rounded Rectangle 25"/>
+          <p:cNvSpPr/>
+          <p:nvPr/>
+        </p:nvSpPr>
+        <p:spPr>
+          <a:xfrm>
+            <a:off x="3935155" y="2684399"/>
+            <a:ext cx="1994405" cy="511543"/>
+          </a:xfrm>
+          <a:prstGeom prst="roundRect">
+            <a:avLst/>
+          </a:prstGeom>
+        </p:spPr>
+        <p:style>
+          <a:lnRef idx="2">
+            <a:schemeClr val="accent2">
+              <a:shade val="50000"/>
+            </a:schemeClr>
+          </a:lnRef>
+          <a:fillRef idx="1">
+            <a:schemeClr val="accent2"/>
+          </a:fillRef>
+          <a:effectRef idx="0">
+            <a:schemeClr val="accent2"/>
+          </a:effectRef>
+          <a:fontRef idx="minor">
+            <a:schemeClr val="lt1"/>
+          </a:fontRef>
+        </p:style>
+        <p:txBody>
+          <a:bodyPr rtlCol="0" anchor="ctr"/>
+          <a:lstStyle/>
+          <a:p>
+            <a:pPr algn="ctr"/>
+            <a:r>
+              <a:rPr lang="en-US" sz="1050"/>
+              <a:t>…</a:t>
+            </a:r>
+          </a:p>
+        </p:txBody>
+      </p:sp>
+      <p:sp>
+        <p:nvSpPr>
+          <p:cNvPr id="27" name="Rounded Rectangle 26"/>
+          <p:cNvSpPr/>
+          <p:nvPr/>
+        </p:nvSpPr>
+        <p:spPr>
+          <a:xfrm>
+            <a:off x="3935152" y="3451713"/>
+            <a:ext cx="1994404" cy="511543"/>
+          </a:xfrm>
+          <a:prstGeom prst="roundRect">
+            <a:avLst/>
+          </a:prstGeom>
+        </p:spPr>
+        <p:style>
+          <a:lnRef idx="2">
+            <a:schemeClr val="accent2">
+              <a:shade val="50000"/>
+            </a:schemeClr>
+          </a:lnRef>
+          <a:fillRef idx="1">
+            <a:schemeClr val="accent2"/>
+          </a:fillRef>
+          <a:effectRef idx="0">
+            <a:schemeClr val="accent2"/>
+          </a:effectRef>
+          <a:fontRef idx="minor">
+            <a:schemeClr val="lt1"/>
+          </a:fontRef>
+        </p:style>
+        <p:txBody>
+          <a:bodyPr rtlCol="0" anchor="ctr"/>
+          <a:lstStyle/>
+          <a:p>
+            <a:pPr algn="ctr"/>
+            <a:r>
+              <a:rPr lang="en-US" sz="1400"/>
+              <a:t>HistoryManager</a:t>
+            </a:r>
+          </a:p>
+        </p:txBody>
+      </p:sp>
+      <p:sp>
+        <p:nvSpPr>
+          <p:cNvPr id="7" name="Left Brace 6"/>
+          <p:cNvSpPr/>
+          <p:nvPr/>
+        </p:nvSpPr>
+        <p:spPr>
+          <a:xfrm>
+            <a:off x="3458835" y="1168351"/>
+            <a:ext cx="307879" cy="2883799"/>
+          </a:xfrm>
+          <a:prstGeom prst="leftBrace">
+            <a:avLst/>
+          </a:prstGeom>
+        </p:spPr>
+        <p:style>
+          <a:lnRef idx="1">
+            <a:schemeClr val="accent1"/>
+          </a:lnRef>
+          <a:fillRef idx="0">
+            <a:schemeClr val="accent1"/>
+          </a:fillRef>
+          <a:effectRef idx="0">
+            <a:schemeClr val="accent1"/>
+          </a:effectRef>
+          <a:fontRef idx="minor">
+            <a:schemeClr val="tx1"/>
+          </a:fontRef>
+        </p:style>
+        <p:txBody>
+          <a:bodyPr rtlCol="0" anchor="ctr"/>
+          <a:lstStyle/>
+          <a:p>
+            <a:pPr algn="ctr"/>
+            <a:endParaRPr lang="en-US"/>
+          </a:p>
+        </p:txBody>
+      </p:sp>
+      <p:sp>
+        <p:nvSpPr>
+          <p:cNvPr id="30" name="Rounded Rectangle 29"/>
+          <p:cNvSpPr/>
+          <p:nvPr/>
+        </p:nvSpPr>
+        <p:spPr>
+          <a:xfrm>
+            <a:off x="3896667" y="4451631"/>
+            <a:ext cx="2262914" cy="511543"/>
+          </a:xfrm>
+          <a:prstGeom prst="roundRect">
+            <a:avLst/>
+          </a:prstGeom>
+        </p:spPr>
+        <p:style>
+          <a:lnRef idx="2">
+            <a:schemeClr val="accent4">
+              <a:shade val="50000"/>
+            </a:schemeClr>
+          </a:lnRef>
+          <a:fillRef idx="1">
+            <a:schemeClr val="accent4"/>
+          </a:fillRef>
+          <a:effectRef idx="0">
+            <a:schemeClr val="accent4"/>
+          </a:effectRef>
+          <a:fontRef idx="minor">
+            <a:schemeClr val="lt1"/>
+          </a:fontRef>
+        </p:style>
+        <p:txBody>
+          <a:bodyPr rtlCol="0" anchor="ctr"/>
+          <a:lstStyle/>
+          <a:p>
+            <a:pPr algn="ctr"/>
+            <a:r>
+              <a:rPr lang="en-US" sz="1400"/>
+              <a:t>ContinueProcessOperation</a:t>
+            </a:r>
+          </a:p>
+        </p:txBody>
+      </p:sp>
+      <p:sp>
+        <p:nvSpPr>
+          <p:cNvPr id="31" name="Rounded Rectangle 30"/>
+          <p:cNvSpPr/>
+          <p:nvPr/>
+        </p:nvSpPr>
+        <p:spPr>
+          <a:xfrm>
+            <a:off x="3896667" y="5258599"/>
+            <a:ext cx="2262914" cy="511543"/>
+          </a:xfrm>
+          <a:prstGeom prst="roundRect">
+            <a:avLst/>
+          </a:prstGeom>
+        </p:spPr>
+        <p:style>
+          <a:lnRef idx="2">
+            <a:schemeClr val="accent4">
+              <a:shade val="50000"/>
+            </a:schemeClr>
+          </a:lnRef>
+          <a:fillRef idx="1">
+            <a:schemeClr val="accent4"/>
+          </a:fillRef>
+          <a:effectRef idx="0">
+            <a:schemeClr val="accent4"/>
+          </a:effectRef>
+          <a:fontRef idx="minor">
+            <a:schemeClr val="lt1"/>
+          </a:fontRef>
+        </p:style>
+        <p:txBody>
+          <a:bodyPr rtlCol="0" anchor="ctr"/>
+          <a:lstStyle/>
+          <a:p>
+            <a:pPr algn="ctr"/>
+            <a:r>
+              <a:rPr lang="en-US" sz="1400"/>
+              <a:t>TakeOutgoingSeqFlowOp.</a:t>
+            </a:r>
+          </a:p>
+        </p:txBody>
+      </p:sp>
+      <p:sp>
+        <p:nvSpPr>
+          <p:cNvPr id="32" name="Rounded Rectangle 31"/>
+          <p:cNvSpPr/>
+          <p:nvPr/>
+        </p:nvSpPr>
+        <p:spPr>
+          <a:xfrm>
+            <a:off x="3896670" y="5987449"/>
+            <a:ext cx="2262914" cy="511543"/>
+          </a:xfrm>
+          <a:prstGeom prst="roundRect">
+            <a:avLst/>
+          </a:prstGeom>
+        </p:spPr>
+        <p:style>
+          <a:lnRef idx="2">
+            <a:schemeClr val="accent4">
+              <a:shade val="50000"/>
+            </a:schemeClr>
+          </a:lnRef>
+          <a:fillRef idx="1">
+            <a:schemeClr val="accent4"/>
+          </a:fillRef>
+          <a:effectRef idx="0">
+            <a:schemeClr val="accent4"/>
+          </a:effectRef>
+          <a:fontRef idx="minor">
+            <a:schemeClr val="lt1"/>
+          </a:fontRef>
+        </p:style>
+        <p:txBody>
+          <a:bodyPr rtlCol="0" anchor="ctr"/>
+          <a:lstStyle/>
+          <a:p>
+            <a:pPr algn="ctr"/>
+            <a:r>
+              <a:rPr lang="en-US" sz="1400"/>
+              <a:t>…</a:t>
+            </a:r>
+          </a:p>
+        </p:txBody>
+      </p:sp>
+      <p:sp>
+        <p:nvSpPr>
+          <p:cNvPr id="33" name="Left Brace 32"/>
+          <p:cNvSpPr/>
+          <p:nvPr/>
+        </p:nvSpPr>
+        <p:spPr>
+          <a:xfrm>
+            <a:off x="3458835" y="4299274"/>
+            <a:ext cx="307879" cy="2199717"/>
+          </a:xfrm>
+          <a:prstGeom prst="leftBrace">
+            <a:avLst/>
+          </a:prstGeom>
+        </p:spPr>
+        <p:style>
+          <a:lnRef idx="1">
+            <a:schemeClr val="accent4"/>
+          </a:lnRef>
+          <a:fillRef idx="0">
+            <a:schemeClr val="accent4"/>
+          </a:fillRef>
+          <a:effectRef idx="0">
+            <a:schemeClr val="accent4"/>
+          </a:effectRef>
+          <a:fontRef idx="minor">
+            <a:schemeClr val="tx1"/>
+          </a:fontRef>
+        </p:style>
+        <p:txBody>
+          <a:bodyPr rtlCol="0" anchor="ctr"/>
+          <a:lstStyle/>
+          <a:p>
+            <a:pPr algn="ctr"/>
+            <a:endParaRPr lang="en-US"/>
+          </a:p>
+        </p:txBody>
+      </p:sp>
+      <p:cxnSp>
+        <p:nvCxnSpPr>
+          <p:cNvPr id="18" name="Straight Arrow Connector 17"/>
+          <p:cNvCxnSpPr/>
+          <p:nvPr/>
+        </p:nvCxnSpPr>
+        <p:spPr>
+          <a:xfrm flipV="1">
+            <a:off x="1647150" y="2940170"/>
+            <a:ext cx="212455" cy="272033"/>
+          </a:xfrm>
+          <a:prstGeom prst="straightConnector1">
+            <a:avLst/>
+          </a:prstGeom>
+          <a:ln>
+            <a:solidFill>
+              <a:schemeClr val="tx1">
+                <a:alpha val="46000"/>
+              </a:schemeClr>
+            </a:solidFill>
+            <a:headEnd type="triangle"/>
+            <a:tailEnd type="triangle"/>
+          </a:ln>
+        </p:spPr>
+        <p:style>
+          <a:lnRef idx="2">
+            <a:schemeClr val="accent1"/>
+          </a:lnRef>
+          <a:fillRef idx="0">
+            <a:schemeClr val="accent1"/>
+          </a:fillRef>
+          <a:effectRef idx="1">
+            <a:schemeClr val="accent1"/>
+          </a:effectRef>
+          <a:fontRef idx="minor">
+            <a:schemeClr val="tx1"/>
+          </a:fontRef>
+        </p:style>
+      </p:cxnSp>
+      <p:cxnSp>
+        <p:nvCxnSpPr>
+          <p:cNvPr id="36" name="Straight Arrow Connector 35"/>
+          <p:cNvCxnSpPr/>
+          <p:nvPr/>
+        </p:nvCxnSpPr>
+        <p:spPr>
+          <a:xfrm>
+            <a:off x="1561001" y="3930585"/>
+            <a:ext cx="238128" cy="877448"/>
+          </a:xfrm>
+          <a:prstGeom prst="straightConnector1">
+            <a:avLst/>
+          </a:prstGeom>
+          <a:ln>
+            <a:solidFill>
+              <a:schemeClr val="tx1">
+                <a:alpha val="46000"/>
+              </a:schemeClr>
+            </a:solidFill>
+            <a:headEnd type="triangle"/>
+            <a:tailEnd type="triangle"/>
+          </a:ln>
+        </p:spPr>
+        <p:style>
+          <a:lnRef idx="2">
+            <a:schemeClr val="accent1"/>
+          </a:lnRef>
+          <a:fillRef idx="0">
+            <a:schemeClr val="accent1"/>
+          </a:fillRef>
+          <a:effectRef idx="1">
+            <a:schemeClr val="accent1"/>
+          </a:effectRef>
+          <a:fontRef idx="minor">
+            <a:schemeClr val="tx1"/>
+          </a:fontRef>
+        </p:style>
+      </p:cxnSp>
+      <p:sp>
+        <p:nvSpPr>
+          <p:cNvPr id="29" name="TextBox 28"/>
+          <p:cNvSpPr txBox="1"/>
+          <p:nvPr/>
+        </p:nvSpPr>
+        <p:spPr>
+          <a:xfrm>
+            <a:off x="6274275" y="2118003"/>
+            <a:ext cx="2464992" cy="1815882"/>
+          </a:xfrm>
+          <a:prstGeom prst="rect">
+            <a:avLst/>
+          </a:prstGeom>
+          <a:noFill/>
+        </p:spPr>
+        <p:txBody>
+          <a:bodyPr wrap="square" rtlCol="0">
+            <a:spAutoFit/>
+          </a:bodyPr>
+          <a:lstStyle/>
+          <a:p>
+            <a:r>
+              <a:rPr lang="en-US" sz="1400"/>
+              <a:t>A typical command:</a:t>
+            </a:r>
+          </a:p>
+          <a:p>
+            <a:pPr marL="285750" indent="-285750">
+              <a:buFontTx/>
+              <a:buChar char="-"/>
+            </a:pPr>
+            <a:r>
+              <a:rPr lang="en-US" sz="1400"/>
+              <a:t>Fetch state from db</a:t>
+            </a:r>
+          </a:p>
+          <a:p>
+            <a:pPr marL="285750" indent="-285750">
+              <a:buFontTx/>
+              <a:buChar char="-"/>
+            </a:pPr>
+            <a:r>
+              <a:rPr lang="en-US" sz="1400"/>
+              <a:t>Plan operation on agenda</a:t>
+            </a:r>
+          </a:p>
+          <a:p>
+            <a:pPr marL="285750" indent="-285750">
+              <a:buFontTx/>
+              <a:buChar char="-"/>
+            </a:pPr>
+            <a:r>
+              <a:rPr lang="en-US" sz="1400"/>
+              <a:t>Execute behaviours</a:t>
+            </a:r>
+          </a:p>
+          <a:p>
+            <a:pPr marL="742950" lvl="1" indent="-285750">
+              <a:buFontTx/>
+              <a:buChar char="-"/>
+            </a:pPr>
+            <a:r>
+              <a:rPr lang="en-US" sz="1400"/>
+              <a:t>Plan new operations</a:t>
+            </a:r>
+          </a:p>
+          <a:p>
+            <a:pPr marL="285750" indent="-285750">
+              <a:buFontTx/>
+              <a:buChar char="-"/>
+            </a:pPr>
+            <a:r>
+              <a:rPr lang="en-US" sz="1400"/>
+              <a:t>Operations manipulate execution tree </a:t>
+            </a:r>
+          </a:p>
+          <a:p>
+            <a:pPr marL="285750" indent="-285750">
+              <a:buFontTx/>
+              <a:buChar char="-"/>
+            </a:pPr>
+            <a:r>
+              <a:rPr lang="en-US" sz="1400"/>
+              <a:t>Changes get persisted</a:t>
+            </a:r>
+          </a:p>
+        </p:txBody>
+      </p:sp>
+    </p:spTree>
+    <p:extLst>
+      <p:ext uri="{BB962C8B-B14F-4D97-AF65-F5344CB8AC3E}">
+        <p14:creationId xmlns:p14="http://schemas.microsoft.com/office/powerpoint/2010/main" val="1261641572"/>
+      </p:ext>
+    </p:extLst>
+  </p:cSld>
+  <p:clrMapOvr>
+    <a:masterClrMapping/>
+  </p:clrMapOvr>
+  <p:timing>
+    <p:tnLst>
+      <p:par>
+        <p:cTn xmlns:p14="http://schemas.microsoft.com/office/powerpoint/2010/main" id="1" dur="indefinite" restart="never" nodeType="tmRoot"/>
+      </p:par>
+    </p:tnLst>
   </p:timing>
 </p:sld>
 </file>
@@ -9025,6 +9353,223 @@
       </p:grpSpPr>
       <p:sp>
         <p:nvSpPr>
+          <p:cNvPr id="3" name="TextBox 2"/>
+          <p:cNvSpPr txBox="1"/>
+          <p:nvPr/>
+        </p:nvSpPr>
+        <p:spPr>
+          <a:xfrm>
+            <a:off x="0" y="2564904"/>
+            <a:ext cx="9144000" cy="1446550"/>
+          </a:xfrm>
+          <a:prstGeom prst="rect">
+            <a:avLst/>
+          </a:prstGeom>
+          <a:noFill/>
+        </p:spPr>
+        <p:txBody>
+          <a:bodyPr wrap="square" rtlCol="0">
+            <a:spAutoFit/>
+          </a:bodyPr>
+          <a:lstStyle/>
+          <a:p>
+            <a:pPr algn="ctr"/>
+            <a:r>
+              <a:rPr lang="en-US" sz="8800"/>
+              <a:t>DEMO</a:t>
+            </a:r>
+          </a:p>
+        </p:txBody>
+      </p:sp>
+      <p:sp>
+        <p:nvSpPr>
+          <p:cNvPr id="4" name="TextBox 3"/>
+          <p:cNvSpPr txBox="1"/>
+          <p:nvPr/>
+        </p:nvSpPr>
+        <p:spPr>
+          <a:xfrm>
+            <a:off x="0" y="4149080"/>
+            <a:ext cx="9144000" cy="646331"/>
+          </a:xfrm>
+          <a:prstGeom prst="rect">
+            <a:avLst/>
+          </a:prstGeom>
+          <a:noFill/>
+        </p:spPr>
+        <p:txBody>
+          <a:bodyPr wrap="square" rtlCol="0">
+            <a:spAutoFit/>
+          </a:bodyPr>
+          <a:lstStyle/>
+          <a:p>
+            <a:pPr algn="ctr"/>
+            <a:r>
+              <a:rPr lang="en-US">
+                <a:hlinkClick r:id="rId2"/>
+              </a:rPr>
+              <a:t>https://github.com/jbarrez/beecon-2016-examples/tree/master/agenda-example</a:t>
+            </a:r>
+            <a:endParaRPr lang="en-US"/>
+          </a:p>
+          <a:p>
+            <a:pPr algn="ctr"/>
+            <a:endParaRPr lang="en-US"/>
+          </a:p>
+        </p:txBody>
+      </p:sp>
+    </p:spTree>
+    <p:extLst>
+      <p:ext uri="{BB962C8B-B14F-4D97-AF65-F5344CB8AC3E}">
+        <p14:creationId xmlns:p14="http://schemas.microsoft.com/office/powerpoint/2010/main" val="1826757489"/>
+      </p:ext>
+    </p:extLst>
+  </p:cSld>
+  <p:clrMapOvr>
+    <a:masterClrMapping/>
+  </p:clrMapOvr>
+  <p:timing>
+    <p:tnLst>
+      <p:par>
+        <p:cTn xmlns:p14="http://schemas.microsoft.com/office/powerpoint/2010/main" id="1" dur="indefinite" restart="never" nodeType="tmRoot"/>
+      </p:par>
+    </p:tnLst>
+  </p:timing>
+</p:sld>
+</file>
+
+<file path=ppt/slides/slide17.xml><?xml version="1.0" encoding="utf-8"?>
+<p:sld xmlns:a="http://schemas.openxmlformats.org/drawingml/2006/main" xmlns:r="http://schemas.openxmlformats.org/officeDocument/2006/relationships" xmlns:p="http://schemas.openxmlformats.org/presentationml/2006/main">
+  <p:cSld>
+    <p:spTree>
+      <p:nvGrpSpPr>
+        <p:cNvPr id="1" name=""/>
+        <p:cNvGrpSpPr/>
+        <p:nvPr/>
+      </p:nvGrpSpPr>
+      <p:grpSpPr>
+        <a:xfrm>
+          <a:off x="0" y="0"/>
+          <a:ext cx="0" cy="0"/>
+          <a:chOff x="0" y="0"/>
+          <a:chExt cx="0" cy="0"/>
+        </a:xfrm>
+      </p:grpSpPr>
+      <p:sp>
+        <p:nvSpPr>
+          <p:cNvPr id="2" name="Title 1"/>
+          <p:cNvSpPr>
+            <a:spLocks noGrp="1"/>
+          </p:cNvSpPr>
+          <p:nvPr>
+            <p:ph type="title"/>
+          </p:nvPr>
+        </p:nvSpPr>
+        <p:spPr/>
+        <p:txBody>
+          <a:bodyPr/>
+          <a:lstStyle/>
+          <a:p>
+            <a:r>
+              <a:rPr lang="en-US"/>
+              <a:t>Pluggable Persistence</a:t>
+            </a:r>
+          </a:p>
+        </p:txBody>
+      </p:sp>
+      <p:sp>
+        <p:nvSpPr>
+          <p:cNvPr id="3" name="Content Placeholder 2"/>
+          <p:cNvSpPr>
+            <a:spLocks noGrp="1"/>
+          </p:cNvSpPr>
+          <p:nvPr>
+            <p:ph idx="1"/>
+          </p:nvPr>
+        </p:nvSpPr>
+        <p:spPr/>
+        <p:txBody>
+          <a:bodyPr>
+            <a:normAutofit fontScale="85000" lnSpcReduction="10000"/>
+          </a:bodyPr>
+          <a:lstStyle/>
+          <a:p>
+            <a:r>
+              <a:rPr lang="en-US"/>
+              <a:t>Goal</a:t>
+            </a:r>
+          </a:p>
+          <a:p>
+            <a:pPr lvl="1"/>
+            <a:r>
+              <a:rPr lang="en-US"/>
+              <a:t>Data objects (the entity) should be pluggable </a:t>
+            </a:r>
+          </a:p>
+          <a:p>
+            <a:pPr lvl="2"/>
+            <a:r>
+              <a:rPr lang="en-US"/>
+              <a:t>(eg jpa impl uses annotations, nosql could store data in different layout)</a:t>
+            </a:r>
+          </a:p>
+          <a:p>
+            <a:pPr lvl="1"/>
+            <a:r>
+              <a:rPr lang="en-US"/>
+              <a:t>Data services (the entity managers) should be pluggable</a:t>
+            </a:r>
+          </a:p>
+          <a:p>
+            <a:r>
+              <a:rPr lang="en-US"/>
+              <a:t>A huge refactoring</a:t>
+            </a:r>
+          </a:p>
+          <a:p>
+            <a:pPr lvl="1"/>
+            <a:r>
+              <a:rPr lang="en-US"/>
+              <a:t>V5 did not have any interfaces in this layer</a:t>
+            </a:r>
+          </a:p>
+          <a:p>
+            <a:pPr lvl="1"/>
+            <a:r>
+              <a:rPr lang="en-US"/>
+              <a:t>No clear responsabilities</a:t>
+            </a:r>
+          </a:p>
+          <a:p>
+            <a:pPr lvl="1"/>
+            <a:r>
+              <a:rPr lang="en-US"/>
+              <a:t>Consolidating methods calls</a:t>
+            </a:r>
+          </a:p>
+          <a:p>
+            <a:pPr lvl="1"/>
+            <a:r>
+              <a:rPr lang="en-US"/>
+              <a:t>Consistency</a:t>
+            </a:r>
+          </a:p>
+          <a:p>
+            <a:pPr marL="0" indent="0">
+              <a:buNone/>
+            </a:pPr>
+            <a:endParaRPr lang="en-US"/>
+          </a:p>
+          <a:p>
+            <a:endParaRPr lang="en-US"/>
+          </a:p>
+          <a:p>
+            <a:endParaRPr lang="en-US"/>
+          </a:p>
+        </p:txBody>
+      </p:sp>
+      <p:sp>
+        <p:nvSpPr>
           <p:cNvPr id="5" name="Slide Number Placeholder 4"/>
           <p:cNvSpPr>
             <a:spLocks noGrp="1"/>
@@ -9046,606 +9591,425 @@
             <a:fld id="{AF88E988-FB04-AB4E-BE5A-59F242AF7F7A}" type="slidenum">
               <a:rPr lang="en-US" smtClean="0"/>
               <a:pPr/>
-              <a:t>16</a:t>
+              <a:t>17</a:t>
             </a:fld>
             <a:endParaRPr lang="en-US" dirty="0"/>
           </a:p>
         </p:txBody>
       </p:sp>
-      <p:sp>
-        <p:nvSpPr>
-          <p:cNvPr id="38" name="Rounded Rectangle 37"/>
-          <p:cNvSpPr/>
+    </p:spTree>
+    <p:extLst>
+      <p:ext uri="{BB962C8B-B14F-4D97-AF65-F5344CB8AC3E}">
+        <p14:creationId xmlns:p14="http://schemas.microsoft.com/office/powerpoint/2010/main" val="1569696279"/>
+      </p:ext>
+    </p:extLst>
+  </p:cSld>
+  <p:clrMapOvr>
+    <a:masterClrMapping/>
+  </p:clrMapOvr>
+  <p:timing>
+    <p:tnLst>
+      <p:par>
+        <p:cTn xmlns:p14="http://schemas.microsoft.com/office/powerpoint/2010/main" id="1" dur="indefinite" restart="never" nodeType="tmRoot"/>
+      </p:par>
+    </p:tnLst>
+  </p:timing>
+</p:sld>
+</file>
+
+<file path=ppt/slides/slide18.xml><?xml version="1.0" encoding="utf-8"?>
+<p:sld xmlns:a="http://schemas.openxmlformats.org/drawingml/2006/main" xmlns:r="http://schemas.openxmlformats.org/officeDocument/2006/relationships" xmlns:p="http://schemas.openxmlformats.org/presentationml/2006/main">
+  <p:cSld>
+    <p:spTree>
+      <p:nvGrpSpPr>
+        <p:cNvPr id="1" name=""/>
+        <p:cNvGrpSpPr/>
+        <p:nvPr/>
+      </p:nvGrpSpPr>
+      <p:grpSpPr>
+        <a:xfrm>
+          <a:off x="0" y="0"/>
+          <a:ext cx="0" cy="0"/>
+          <a:chOff x="0" y="0"/>
+          <a:chExt cx="0" cy="0"/>
+        </a:xfrm>
+      </p:grpSpPr>
+      <p:sp>
+        <p:nvSpPr>
+          <p:cNvPr id="2" name="Title 1"/>
+          <p:cNvSpPr>
+            <a:spLocks noGrp="1"/>
+          </p:cNvSpPr>
+          <p:nvPr>
+            <p:ph type="title"/>
+          </p:nvPr>
+        </p:nvSpPr>
+        <p:spPr/>
+        <p:txBody>
+          <a:bodyPr/>
+          <a:lstStyle/>
+          <a:p>
+            <a:r>
+              <a:rPr lang="en-US"/>
+              <a:t>Pluggable Persistence</a:t>
+            </a:r>
+          </a:p>
+        </p:txBody>
+      </p:sp>
+      <p:sp>
+        <p:nvSpPr>
+          <p:cNvPr id="3" name="Content Placeholder 2"/>
+          <p:cNvSpPr>
+            <a:spLocks noGrp="1"/>
+          </p:cNvSpPr>
+          <p:nvPr>
+            <p:ph idx="1"/>
+          </p:nvPr>
+        </p:nvSpPr>
+        <p:spPr/>
+        <p:txBody>
+          <a:bodyPr>
+            <a:normAutofit/>
+          </a:bodyPr>
+          <a:lstStyle/>
+          <a:p>
+            <a:r>
+              <a:rPr lang="en-US"/>
+              <a:t>Not implemented in isolation</a:t>
+            </a:r>
+          </a:p>
+          <a:p>
+            <a:pPr lvl="1"/>
+            <a:r>
+              <a:rPr lang="en-US"/>
+              <a:t>One dedicated customer</a:t>
+            </a:r>
+          </a:p>
+          <a:p>
+            <a:pPr lvl="1"/>
+            <a:r>
+              <a:rPr lang="en-US"/>
+              <a:t>Community feedback</a:t>
+            </a:r>
+          </a:p>
+          <a:p>
+            <a:r>
+              <a:rPr lang="en-US"/>
+              <a:t>Tested for NoSQL</a:t>
+            </a:r>
+          </a:p>
+          <a:p>
+            <a:pPr lvl="1"/>
+            <a:r>
+              <a:rPr lang="en-US"/>
+              <a:t>Non-transactional is still a challenge</a:t>
+            </a:r>
+          </a:p>
+          <a:p>
+            <a:pPr marL="0" indent="0">
+              <a:buNone/>
+            </a:pPr>
+            <a:endParaRPr lang="en-US"/>
+          </a:p>
+          <a:p>
+            <a:endParaRPr lang="en-US"/>
+          </a:p>
+          <a:p>
+            <a:endParaRPr lang="en-US"/>
+          </a:p>
+        </p:txBody>
+      </p:sp>
+      <p:sp>
+        <p:nvSpPr>
+          <p:cNvPr id="5" name="Slide Number Placeholder 4"/>
+          <p:cNvSpPr>
+            <a:spLocks noGrp="1"/>
+          </p:cNvSpPr>
+          <p:nvPr>
+            <p:ph type="sldNum" sz="quarter" idx="4294967295"/>
+          </p:nvPr>
+        </p:nvSpPr>
+        <p:spPr>
+          <a:xfrm>
+            <a:off x="8715375" y="6383338"/>
+            <a:ext cx="428625" cy="365125"/>
+          </a:xfrm>
+        </p:spPr>
+        <p:txBody>
+          <a:bodyPr/>
+          <a:lstStyle/>
+          <a:p>
+            <a:fld id="{AF88E988-FB04-AB4E-BE5A-59F242AF7F7A}" type="slidenum">
+              <a:rPr lang="en-US" smtClean="0"/>
+              <a:pPr/>
+              <a:t>18</a:t>
+            </a:fld>
+            <a:endParaRPr lang="en-US" dirty="0"/>
+          </a:p>
+        </p:txBody>
+      </p:sp>
+    </p:spTree>
+    <p:extLst>
+      <p:ext uri="{BB962C8B-B14F-4D97-AF65-F5344CB8AC3E}">
+        <p14:creationId xmlns:p14="http://schemas.microsoft.com/office/powerpoint/2010/main" val="2220448657"/>
+      </p:ext>
+    </p:extLst>
+  </p:cSld>
+  <p:clrMapOvr>
+    <a:masterClrMapping/>
+  </p:clrMapOvr>
+  <p:timing>
+    <p:tnLst>
+      <p:par>
+        <p:cTn xmlns:p14="http://schemas.microsoft.com/office/powerpoint/2010/main" id="1" dur="indefinite" restart="never" nodeType="tmRoot"/>
+      </p:par>
+    </p:tnLst>
+  </p:timing>
+</p:sld>
+</file>
+
+<file path=ppt/slides/slide19.xml><?xml version="1.0" encoding="utf-8"?>
+<p:sld xmlns:a="http://schemas.openxmlformats.org/drawingml/2006/main" xmlns:r="http://schemas.openxmlformats.org/officeDocument/2006/relationships" xmlns:p="http://schemas.openxmlformats.org/presentationml/2006/main">
+  <p:cSld>
+    <p:spTree>
+      <p:nvGrpSpPr>
+        <p:cNvPr id="1" name=""/>
+        <p:cNvGrpSpPr/>
+        <p:nvPr/>
+      </p:nvGrpSpPr>
+      <p:grpSpPr>
+        <a:xfrm>
+          <a:off x="0" y="0"/>
+          <a:ext cx="0" cy="0"/>
+          <a:chOff x="0" y="0"/>
+          <a:chExt cx="0" cy="0"/>
+        </a:xfrm>
+      </p:grpSpPr>
+      <p:sp>
+        <p:nvSpPr>
+          <p:cNvPr id="2" name="Title 1"/>
+          <p:cNvSpPr>
+            <a:spLocks noGrp="1"/>
+          </p:cNvSpPr>
+          <p:nvPr>
+            <p:ph type="title"/>
+          </p:nvPr>
+        </p:nvSpPr>
+        <p:spPr/>
+        <p:txBody>
+          <a:bodyPr/>
+          <a:lstStyle/>
+          <a:p>
+            <a:r>
+              <a:rPr lang="en-US"/>
+              <a:t>Example</a:t>
+            </a:r>
+          </a:p>
+        </p:txBody>
+      </p:sp>
+      <p:sp>
+        <p:nvSpPr>
+          <p:cNvPr id="3" name="Content Placeholder 2"/>
+          <p:cNvSpPr>
+            <a:spLocks noGrp="1"/>
+          </p:cNvSpPr>
+          <p:nvPr>
+            <p:ph idx="1"/>
+          </p:nvPr>
+        </p:nvSpPr>
+        <p:spPr/>
+        <p:txBody>
+          <a:bodyPr>
+            <a:normAutofit/>
+          </a:bodyPr>
+          <a:lstStyle/>
+          <a:p>
+            <a:r>
+              <a:rPr lang="en-US"/>
+              <a:t>TaskEntity complete method in v5</a:t>
+            </a:r>
+          </a:p>
+          <a:p>
+            <a:endParaRPr lang="en-US"/>
+          </a:p>
+          <a:p>
+            <a:endParaRPr lang="en-US"/>
+          </a:p>
+        </p:txBody>
+      </p:sp>
+      <p:sp>
+        <p:nvSpPr>
+          <p:cNvPr id="5" name="Slide Number Placeholder 4"/>
+          <p:cNvSpPr>
+            <a:spLocks noGrp="1"/>
+          </p:cNvSpPr>
+          <p:nvPr>
+            <p:ph type="sldNum" sz="quarter" idx="4294967295"/>
+          </p:nvPr>
+        </p:nvSpPr>
+        <p:spPr>
+          <a:xfrm>
+            <a:off x="8715375" y="6383338"/>
+            <a:ext cx="428625" cy="365125"/>
+          </a:xfrm>
+        </p:spPr>
+        <p:txBody>
+          <a:bodyPr/>
+          <a:lstStyle/>
+          <a:p>
+            <a:fld id="{AF88E988-FB04-AB4E-BE5A-59F242AF7F7A}" type="slidenum">
+              <a:rPr lang="en-US" smtClean="0"/>
+              <a:pPr/>
+              <a:t>19</a:t>
+            </a:fld>
+            <a:endParaRPr lang="en-US" dirty="0"/>
+          </a:p>
+        </p:txBody>
+      </p:sp>
+      <p:pic>
+        <p:nvPicPr>
+          <p:cNvPr id="6" name="Picture 5" descr="Screenshot 2016-03-01 14.18.29.png"/>
+          <p:cNvPicPr>
+            <a:picLocks noChangeAspect="1"/>
+          </p:cNvPicPr>
           <p:nvPr/>
-        </p:nvSpPr>
+        </p:nvPicPr>
+        <p:blipFill>
+          <a:blip r:embed="rId3">
+            <a:extLst>
+              <a:ext uri="{28A0092B-C50C-407E-A947-70E740481C1C}">
+                <a14:useLocalDpi xmlns:a14="http://schemas.microsoft.com/office/drawing/2010/main" val="0"/>
+              </a:ext>
+            </a:extLst>
+          </a:blip>
+          <a:stretch>
+            <a:fillRect/>
+          </a:stretch>
+        </p:blipFill>
         <p:spPr>
           <a:xfrm>
-            <a:off x="194421" y="3328591"/>
-            <a:ext cx="1366580" cy="444540"/>
-          </a:xfrm>
-          <a:prstGeom prst="roundRect">
+            <a:off x="1" y="2011125"/>
+            <a:ext cx="8820471" cy="4846875"/>
+          </a:xfrm>
+          <a:prstGeom prst="rect">
             <a:avLst/>
           </a:prstGeom>
         </p:spPr>
-        <p:style>
-          <a:lnRef idx="2">
-            <a:schemeClr val="accent3">
-              <a:shade val="50000"/>
-            </a:schemeClr>
-          </a:lnRef>
-          <a:fillRef idx="1">
-            <a:schemeClr val="accent3"/>
-          </a:fillRef>
-          <a:effectRef idx="0">
-            <a:schemeClr val="accent3"/>
-          </a:effectRef>
-          <a:fontRef idx="minor">
-            <a:schemeClr val="lt1"/>
-          </a:fontRef>
-        </p:style>
-        <p:txBody>
-          <a:bodyPr rtlCol="0" anchor="ctr"/>
-          <a:lstStyle/>
-          <a:p>
-            <a:pPr algn="ctr"/>
+      </p:pic>
+    </p:spTree>
+    <p:extLst>
+      <p:ext uri="{BB962C8B-B14F-4D97-AF65-F5344CB8AC3E}">
+        <p14:creationId xmlns:p14="http://schemas.microsoft.com/office/powerpoint/2010/main" val="4015527559"/>
+      </p:ext>
+    </p:extLst>
+  </p:cSld>
+  <p:clrMapOvr>
+    <a:masterClrMapping/>
+  </p:clrMapOvr>
+  <p:timing>
+    <p:tnLst>
+      <p:par>
+        <p:cTn xmlns:p14="http://schemas.microsoft.com/office/powerpoint/2010/main" id="1" dur="indefinite" restart="never" nodeType="tmRoot"/>
+      </p:par>
+    </p:tnLst>
+  </p:timing>
+</p:sld>
+</file>
+
+<file path=ppt/slides/slide2.xml><?xml version="1.0" encoding="utf-8"?>
+<p:sld xmlns:a="http://schemas.openxmlformats.org/drawingml/2006/main" xmlns:r="http://schemas.openxmlformats.org/officeDocument/2006/relationships" xmlns:p="http://schemas.openxmlformats.org/presentationml/2006/main">
+  <p:cSld>
+    <p:spTree>
+      <p:nvGrpSpPr>
+        <p:cNvPr id="1" name=""/>
+        <p:cNvGrpSpPr/>
+        <p:nvPr/>
+      </p:nvGrpSpPr>
+      <p:grpSpPr>
+        <a:xfrm>
+          <a:off x="0" y="0"/>
+          <a:ext cx="0" cy="0"/>
+          <a:chOff x="0" y="0"/>
+          <a:chExt cx="0" cy="0"/>
+        </a:xfrm>
+      </p:grpSpPr>
+      <p:sp>
+        <p:nvSpPr>
+          <p:cNvPr id="2" name="Title 1"/>
+          <p:cNvSpPr>
+            <a:spLocks noGrp="1"/>
+          </p:cNvSpPr>
+          <p:nvPr>
+            <p:ph type="title"/>
+          </p:nvPr>
+        </p:nvSpPr>
+        <p:spPr/>
+        <p:txBody>
+          <a:bodyPr/>
+          <a:lstStyle/>
+          <a:p>
             <a:r>
               <a:rPr lang="en-US"/>
-              <a:t>Command</a:t>
-            </a:r>
-          </a:p>
-        </p:txBody>
-      </p:sp>
-      <p:sp>
-        <p:nvSpPr>
-          <p:cNvPr id="22" name="Rounded Rectangle 21"/>
-          <p:cNvSpPr/>
-          <p:nvPr/>
-        </p:nvSpPr>
-        <p:spPr>
-          <a:xfrm>
-            <a:off x="1717355" y="2401151"/>
-            <a:ext cx="1677290" cy="511543"/>
-          </a:xfrm>
-          <a:prstGeom prst="roundRect">
-            <a:avLst/>
-          </a:prstGeom>
-        </p:spPr>
-        <p:style>
-          <a:lnRef idx="2">
-            <a:schemeClr val="accent6">
-              <a:shade val="50000"/>
-            </a:schemeClr>
-          </a:lnRef>
-          <a:fillRef idx="1">
-            <a:schemeClr val="accent6"/>
-          </a:fillRef>
-          <a:effectRef idx="0">
-            <a:schemeClr val="accent6"/>
-          </a:effectRef>
-          <a:fontRef idx="minor">
-            <a:schemeClr val="lt1"/>
-          </a:fontRef>
-        </p:style>
-        <p:txBody>
-          <a:bodyPr rtlCol="0" anchor="ctr"/>
-          <a:lstStyle/>
-          <a:p>
-            <a:pPr algn="ctr"/>
-            <a:r>
-              <a:rPr lang="en-US" sz="1400"/>
-              <a:t>CommandContext</a:t>
-            </a:r>
-          </a:p>
-        </p:txBody>
-      </p:sp>
-      <p:sp>
-        <p:nvSpPr>
-          <p:cNvPr id="23" name="Rounded Rectangle 22"/>
-          <p:cNvSpPr/>
-          <p:nvPr/>
-        </p:nvSpPr>
-        <p:spPr>
-          <a:xfrm>
-            <a:off x="1717355" y="5002827"/>
-            <a:ext cx="1677290" cy="511543"/>
-          </a:xfrm>
-          <a:prstGeom prst="roundRect">
-            <a:avLst/>
-          </a:prstGeom>
-        </p:spPr>
-        <p:style>
-          <a:lnRef idx="2">
-            <a:schemeClr val="accent6">
-              <a:shade val="50000"/>
-            </a:schemeClr>
-          </a:lnRef>
-          <a:fillRef idx="1">
-            <a:schemeClr val="accent6"/>
-          </a:fillRef>
-          <a:effectRef idx="0">
-            <a:schemeClr val="accent6"/>
-          </a:effectRef>
-          <a:fontRef idx="minor">
-            <a:schemeClr val="lt1"/>
-          </a:fontRef>
-        </p:style>
-        <p:txBody>
-          <a:bodyPr rtlCol="0" anchor="ctr"/>
-          <a:lstStyle/>
-          <a:p>
-            <a:pPr algn="ctr"/>
-            <a:r>
-              <a:rPr lang="en-US" sz="1400"/>
-              <a:t>Agenda</a:t>
-            </a:r>
-          </a:p>
-        </p:txBody>
-      </p:sp>
-      <p:sp>
-        <p:nvSpPr>
-          <p:cNvPr id="24" name="Rounded Rectangle 23"/>
-          <p:cNvSpPr/>
-          <p:nvPr/>
-        </p:nvSpPr>
-        <p:spPr>
-          <a:xfrm>
-            <a:off x="3935155" y="1243639"/>
-            <a:ext cx="1994404" cy="511543"/>
-          </a:xfrm>
-          <a:prstGeom prst="roundRect">
-            <a:avLst/>
-          </a:prstGeom>
-        </p:spPr>
-        <p:style>
-          <a:lnRef idx="2">
-            <a:schemeClr val="accent2">
-              <a:shade val="50000"/>
-            </a:schemeClr>
-          </a:lnRef>
-          <a:fillRef idx="1">
-            <a:schemeClr val="accent2"/>
-          </a:fillRef>
-          <a:effectRef idx="0">
-            <a:schemeClr val="accent2"/>
-          </a:effectRef>
-          <a:fontRef idx="minor">
-            <a:schemeClr val="lt1"/>
-          </a:fontRef>
-        </p:style>
-        <p:txBody>
-          <a:bodyPr rtlCol="0" anchor="ctr"/>
-          <a:lstStyle/>
-          <a:p>
-            <a:pPr algn="ctr"/>
-            <a:r>
-              <a:rPr lang="en-US" sz="1400"/>
-              <a:t>TaskEntityManager</a:t>
-            </a:r>
-          </a:p>
-        </p:txBody>
-      </p:sp>
-      <p:sp>
-        <p:nvSpPr>
-          <p:cNvPr id="25" name="Rounded Rectangle 24"/>
-          <p:cNvSpPr/>
-          <p:nvPr/>
-        </p:nvSpPr>
-        <p:spPr>
-          <a:xfrm>
-            <a:off x="3935155" y="1945331"/>
-            <a:ext cx="1994405" cy="511543"/>
-          </a:xfrm>
-          <a:prstGeom prst="roundRect">
-            <a:avLst/>
-          </a:prstGeom>
-        </p:spPr>
-        <p:style>
-          <a:lnRef idx="2">
-            <a:schemeClr val="accent2">
-              <a:shade val="50000"/>
-            </a:schemeClr>
-          </a:lnRef>
-          <a:fillRef idx="1">
-            <a:schemeClr val="accent2"/>
-          </a:fillRef>
-          <a:effectRef idx="0">
-            <a:schemeClr val="accent2"/>
-          </a:effectRef>
-          <a:fontRef idx="minor">
-            <a:schemeClr val="lt1"/>
-          </a:fontRef>
-        </p:style>
-        <p:txBody>
-          <a:bodyPr rtlCol="0" anchor="ctr"/>
-          <a:lstStyle/>
-          <a:p>
-            <a:pPr algn="ctr"/>
-            <a:r>
-              <a:rPr lang="en-US" sz="1050"/>
-              <a:t>ProcessDefinitionEntityManager</a:t>
-            </a:r>
-          </a:p>
-        </p:txBody>
-      </p:sp>
-      <p:sp>
-        <p:nvSpPr>
-          <p:cNvPr id="26" name="Rounded Rectangle 25"/>
-          <p:cNvSpPr/>
-          <p:nvPr/>
-        </p:nvSpPr>
-        <p:spPr>
-          <a:xfrm>
-            <a:off x="3935155" y="2684399"/>
-            <a:ext cx="1994405" cy="511543"/>
-          </a:xfrm>
-          <a:prstGeom prst="roundRect">
-            <a:avLst/>
-          </a:prstGeom>
-        </p:spPr>
-        <p:style>
-          <a:lnRef idx="2">
-            <a:schemeClr val="accent2">
-              <a:shade val="50000"/>
-            </a:schemeClr>
-          </a:lnRef>
-          <a:fillRef idx="1">
-            <a:schemeClr val="accent2"/>
-          </a:fillRef>
-          <a:effectRef idx="0">
-            <a:schemeClr val="accent2"/>
-          </a:effectRef>
-          <a:fontRef idx="minor">
-            <a:schemeClr val="lt1"/>
-          </a:fontRef>
-        </p:style>
-        <p:txBody>
-          <a:bodyPr rtlCol="0" anchor="ctr"/>
-          <a:lstStyle/>
-          <a:p>
-            <a:pPr algn="ctr"/>
-            <a:r>
-              <a:rPr lang="en-US" sz="1050"/>
-              <a:t>…</a:t>
-            </a:r>
-          </a:p>
-        </p:txBody>
-      </p:sp>
-      <p:sp>
-        <p:nvSpPr>
-          <p:cNvPr id="27" name="Rounded Rectangle 26"/>
-          <p:cNvSpPr/>
-          <p:nvPr/>
-        </p:nvSpPr>
-        <p:spPr>
-          <a:xfrm>
-            <a:off x="3935152" y="3451713"/>
-            <a:ext cx="1994404" cy="511543"/>
-          </a:xfrm>
-          <a:prstGeom prst="roundRect">
-            <a:avLst/>
-          </a:prstGeom>
-        </p:spPr>
-        <p:style>
-          <a:lnRef idx="2">
-            <a:schemeClr val="accent2">
-              <a:shade val="50000"/>
-            </a:schemeClr>
-          </a:lnRef>
-          <a:fillRef idx="1">
-            <a:schemeClr val="accent2"/>
-          </a:fillRef>
-          <a:effectRef idx="0">
-            <a:schemeClr val="accent2"/>
-          </a:effectRef>
-          <a:fontRef idx="minor">
-            <a:schemeClr val="lt1"/>
-          </a:fontRef>
-        </p:style>
-        <p:txBody>
-          <a:bodyPr rtlCol="0" anchor="ctr"/>
-          <a:lstStyle/>
-          <a:p>
-            <a:pPr algn="ctr"/>
-            <a:r>
-              <a:rPr lang="en-US" sz="1400"/>
-              <a:t>HistoryManager</a:t>
-            </a:r>
-          </a:p>
-        </p:txBody>
-      </p:sp>
-      <p:sp>
-        <p:nvSpPr>
-          <p:cNvPr id="7" name="Left Brace 6"/>
-          <p:cNvSpPr/>
-          <p:nvPr/>
-        </p:nvSpPr>
-        <p:spPr>
-          <a:xfrm>
-            <a:off x="3458835" y="1168351"/>
-            <a:ext cx="307879" cy="2883799"/>
-          </a:xfrm>
-          <a:prstGeom prst="leftBrace">
-            <a:avLst/>
-          </a:prstGeom>
-        </p:spPr>
-        <p:style>
-          <a:lnRef idx="1">
-            <a:schemeClr val="accent1"/>
-          </a:lnRef>
-          <a:fillRef idx="0">
-            <a:schemeClr val="accent1"/>
-          </a:fillRef>
-          <a:effectRef idx="0">
-            <a:schemeClr val="accent1"/>
-          </a:effectRef>
-          <a:fontRef idx="minor">
-            <a:schemeClr val="tx1"/>
-          </a:fontRef>
-        </p:style>
-        <p:txBody>
-          <a:bodyPr rtlCol="0" anchor="ctr"/>
-          <a:lstStyle/>
-          <a:p>
-            <a:pPr algn="ctr"/>
+              <a:t>whoami</a:t>
+            </a:r>
+          </a:p>
+        </p:txBody>
+      </p:sp>
+      <p:sp>
+        <p:nvSpPr>
+          <p:cNvPr id="3" name="Content Placeholder 2"/>
+          <p:cNvSpPr>
+            <a:spLocks noGrp="1"/>
+          </p:cNvSpPr>
+          <p:nvPr>
+            <p:ph idx="1"/>
+          </p:nvPr>
+        </p:nvSpPr>
+        <p:spPr/>
+        <p:txBody>
+          <a:bodyPr/>
+          <a:lstStyle/>
+          <a:p>
+            <a:r>
+              <a:rPr lang="en-US"/>
+              <a:t>Co-founder of the Activiti project</a:t>
+            </a:r>
+          </a:p>
+          <a:p>
+            <a:r>
+              <a:rPr lang="en-US"/>
+              <a:t>Principal Software Engineer @ Alfresco</a:t>
+            </a:r>
+          </a:p>
+          <a:p>
             <a:endParaRPr lang="en-US"/>
           </a:p>
-        </p:txBody>
-      </p:sp>
-      <p:sp>
-        <p:nvSpPr>
-          <p:cNvPr id="30" name="Rounded Rectangle 29"/>
-          <p:cNvSpPr/>
-          <p:nvPr/>
-        </p:nvSpPr>
-        <p:spPr>
-          <a:xfrm>
-            <a:off x="3896667" y="4451631"/>
-            <a:ext cx="2262914" cy="511543"/>
-          </a:xfrm>
-          <a:prstGeom prst="roundRect">
-            <a:avLst/>
-          </a:prstGeom>
-        </p:spPr>
-        <p:style>
-          <a:lnRef idx="2">
-            <a:schemeClr val="accent4">
-              <a:shade val="50000"/>
-            </a:schemeClr>
-          </a:lnRef>
-          <a:fillRef idx="1">
-            <a:schemeClr val="accent4"/>
-          </a:fillRef>
-          <a:effectRef idx="0">
-            <a:schemeClr val="accent4"/>
-          </a:effectRef>
-          <a:fontRef idx="minor">
-            <a:schemeClr val="lt1"/>
-          </a:fontRef>
-        </p:style>
-        <p:txBody>
-          <a:bodyPr rtlCol="0" anchor="ctr"/>
-          <a:lstStyle/>
-          <a:p>
-            <a:pPr algn="ctr"/>
-            <a:r>
-              <a:rPr lang="en-US" sz="1400"/>
-              <a:t>ContinueProcessOperation</a:t>
-            </a:r>
-          </a:p>
-        </p:txBody>
-      </p:sp>
-      <p:sp>
-        <p:nvSpPr>
-          <p:cNvPr id="31" name="Rounded Rectangle 30"/>
-          <p:cNvSpPr/>
-          <p:nvPr/>
-        </p:nvSpPr>
-        <p:spPr>
-          <a:xfrm>
-            <a:off x="3896667" y="5258599"/>
-            <a:ext cx="2262914" cy="511543"/>
-          </a:xfrm>
-          <a:prstGeom prst="roundRect">
-            <a:avLst/>
-          </a:prstGeom>
-        </p:spPr>
-        <p:style>
-          <a:lnRef idx="2">
-            <a:schemeClr val="accent4">
-              <a:shade val="50000"/>
-            </a:schemeClr>
-          </a:lnRef>
-          <a:fillRef idx="1">
-            <a:schemeClr val="accent4"/>
-          </a:fillRef>
-          <a:effectRef idx="0">
-            <a:schemeClr val="accent4"/>
-          </a:effectRef>
-          <a:fontRef idx="minor">
-            <a:schemeClr val="lt1"/>
-          </a:fontRef>
-        </p:style>
-        <p:txBody>
-          <a:bodyPr rtlCol="0" anchor="ctr"/>
-          <a:lstStyle/>
-          <a:p>
-            <a:pPr algn="ctr"/>
-            <a:r>
-              <a:rPr lang="en-US" sz="1400"/>
-              <a:t>TakeOutgoingSeqFlowOp.</a:t>
-            </a:r>
-          </a:p>
-        </p:txBody>
-      </p:sp>
-      <p:sp>
-        <p:nvSpPr>
-          <p:cNvPr id="32" name="Rounded Rectangle 31"/>
-          <p:cNvSpPr/>
-          <p:nvPr/>
-        </p:nvSpPr>
-        <p:spPr>
-          <a:xfrm>
-            <a:off x="3896670" y="5987449"/>
-            <a:ext cx="2262914" cy="511543"/>
-          </a:xfrm>
-          <a:prstGeom prst="roundRect">
-            <a:avLst/>
-          </a:prstGeom>
-        </p:spPr>
-        <p:style>
-          <a:lnRef idx="2">
-            <a:schemeClr val="accent4">
-              <a:shade val="50000"/>
-            </a:schemeClr>
-          </a:lnRef>
-          <a:fillRef idx="1">
-            <a:schemeClr val="accent4"/>
-          </a:fillRef>
-          <a:effectRef idx="0">
-            <a:schemeClr val="accent4"/>
-          </a:effectRef>
-          <a:fontRef idx="minor">
-            <a:schemeClr val="lt1"/>
-          </a:fontRef>
-        </p:style>
-        <p:txBody>
-          <a:bodyPr rtlCol="0" anchor="ctr"/>
-          <a:lstStyle/>
-          <a:p>
-            <a:pPr algn="ctr"/>
-            <a:r>
-              <a:rPr lang="en-US" sz="1400"/>
-              <a:t>…</a:t>
-            </a:r>
-          </a:p>
-        </p:txBody>
-      </p:sp>
-      <p:sp>
-        <p:nvSpPr>
-          <p:cNvPr id="33" name="Left Brace 32"/>
-          <p:cNvSpPr/>
-          <p:nvPr/>
-        </p:nvSpPr>
-        <p:spPr>
-          <a:xfrm>
-            <a:off x="3458835" y="4299274"/>
-            <a:ext cx="307879" cy="2199717"/>
-          </a:xfrm>
-          <a:prstGeom prst="leftBrace">
-            <a:avLst/>
-          </a:prstGeom>
-        </p:spPr>
-        <p:style>
-          <a:lnRef idx="1">
-            <a:schemeClr val="accent4"/>
-          </a:lnRef>
-          <a:fillRef idx="0">
-            <a:schemeClr val="accent4"/>
-          </a:fillRef>
-          <a:effectRef idx="0">
-            <a:schemeClr val="accent4"/>
-          </a:effectRef>
-          <a:fontRef idx="minor">
-            <a:schemeClr val="tx1"/>
-          </a:fontRef>
-        </p:style>
-        <p:txBody>
-          <a:bodyPr rtlCol="0" anchor="ctr"/>
-          <a:lstStyle/>
-          <a:p>
-            <a:pPr algn="ctr"/>
+          <a:p>
             <a:endParaRPr lang="en-US"/>
           </a:p>
-        </p:txBody>
-      </p:sp>
-      <p:cxnSp>
-        <p:nvCxnSpPr>
-          <p:cNvPr id="18" name="Straight Arrow Connector 17"/>
-          <p:cNvCxnSpPr/>
-          <p:nvPr/>
-        </p:nvCxnSpPr>
-        <p:spPr>
-          <a:xfrm flipV="1">
-            <a:off x="1647150" y="2940170"/>
-            <a:ext cx="212455" cy="272033"/>
-          </a:xfrm>
-          <a:prstGeom prst="straightConnector1">
-            <a:avLst/>
-          </a:prstGeom>
-          <a:ln>
-            <a:solidFill>
-              <a:schemeClr val="tx1">
-                <a:alpha val="46000"/>
-              </a:schemeClr>
-            </a:solidFill>
-            <a:headEnd type="triangle"/>
-            <a:tailEnd type="triangle"/>
-          </a:ln>
-        </p:spPr>
-        <p:style>
-          <a:lnRef idx="2">
-            <a:schemeClr val="accent1"/>
-          </a:lnRef>
-          <a:fillRef idx="0">
-            <a:schemeClr val="accent1"/>
-          </a:fillRef>
-          <a:effectRef idx="1">
-            <a:schemeClr val="accent1"/>
-          </a:effectRef>
-          <a:fontRef idx="minor">
-            <a:schemeClr val="tx1"/>
-          </a:fontRef>
-        </p:style>
-      </p:cxnSp>
-      <p:cxnSp>
-        <p:nvCxnSpPr>
-          <p:cNvPr id="36" name="Straight Arrow Connector 35"/>
-          <p:cNvCxnSpPr/>
-          <p:nvPr/>
-        </p:nvCxnSpPr>
-        <p:spPr>
-          <a:xfrm>
-            <a:off x="1561001" y="3930585"/>
-            <a:ext cx="238128" cy="877448"/>
-          </a:xfrm>
-          <a:prstGeom prst="straightConnector1">
-            <a:avLst/>
-          </a:prstGeom>
-          <a:ln>
-            <a:solidFill>
-              <a:schemeClr val="tx1">
-                <a:alpha val="46000"/>
-              </a:schemeClr>
-            </a:solidFill>
-            <a:headEnd type="triangle"/>
-            <a:tailEnd type="triangle"/>
-          </a:ln>
-        </p:spPr>
-        <p:style>
-          <a:lnRef idx="2">
-            <a:schemeClr val="accent1"/>
-          </a:lnRef>
-          <a:fillRef idx="0">
-            <a:schemeClr val="accent1"/>
-          </a:fillRef>
-          <a:effectRef idx="1">
-            <a:schemeClr val="accent1"/>
-          </a:effectRef>
-          <a:fontRef idx="minor">
-            <a:schemeClr val="tx1"/>
-          </a:fontRef>
-        </p:style>
-      </p:cxnSp>
-      <p:sp>
-        <p:nvSpPr>
-          <p:cNvPr id="29" name="TextBox 28"/>
+          <a:p>
+            <a:endParaRPr lang="en-US">
+              <a:hlinkClick r:id="rId2"/>
+            </a:endParaRPr>
+          </a:p>
+          <a:p>
+            <a:endParaRPr lang="en-US"/>
+          </a:p>
+          <a:p>
+            <a:endParaRPr lang="en-US"/>
+          </a:p>
+        </p:txBody>
+      </p:sp>
+      <p:sp>
+        <p:nvSpPr>
+          <p:cNvPr id="5" name="TextBox 4"/>
           <p:cNvSpPr txBox="1"/>
           <p:nvPr/>
         </p:nvSpPr>
         <p:spPr>
           <a:xfrm>
-            <a:off x="6274275" y="2118003"/>
-            <a:ext cx="2464992" cy="1815882"/>
+            <a:off x="971600" y="3774519"/>
+            <a:ext cx="4169356" cy="2246769"/>
           </a:xfrm>
           <a:prstGeom prst="rect">
             <a:avLst/>
@@ -9653,74 +10017,118 @@
           <a:noFill/>
         </p:spPr>
         <p:txBody>
-          <a:bodyPr wrap="square" rtlCol="0">
+          <a:bodyPr wrap="none" rtlCol="0">
             <a:spAutoFit/>
           </a:bodyPr>
           <a:lstStyle/>
           <a:p>
             <a:r>
-              <a:rPr lang="en-US" sz="1400"/>
-              <a:t>A typical command:</a:t>
-            </a:r>
-          </a:p>
-          <a:p>
-            <a:pPr marL="285750" indent="-285750">
-              <a:buFontTx/>
-              <a:buChar char="-"/>
-            </a:pPr>
-            <a:r>
-              <a:rPr lang="en-US" sz="1400"/>
-              <a:t>Fetch state from db</a:t>
-            </a:r>
-          </a:p>
-          <a:p>
-            <a:pPr marL="285750" indent="-285750">
-              <a:buFontTx/>
-              <a:buChar char="-"/>
-            </a:pPr>
-            <a:r>
-              <a:rPr lang="en-US" sz="1400"/>
-              <a:t>Plan operation on agenda</a:t>
-            </a:r>
-          </a:p>
-          <a:p>
-            <a:pPr marL="285750" indent="-285750">
-              <a:buFontTx/>
-              <a:buChar char="-"/>
-            </a:pPr>
-            <a:r>
-              <a:rPr lang="en-US" sz="1400"/>
-              <a:t>Execute behaviours</a:t>
-            </a:r>
-          </a:p>
-          <a:p>
-            <a:pPr marL="742950" lvl="1" indent="-285750">
-              <a:buFontTx/>
-              <a:buChar char="-"/>
-            </a:pPr>
-            <a:r>
-              <a:rPr lang="en-US" sz="1400"/>
-              <a:t>Plan new operations</a:t>
-            </a:r>
-          </a:p>
-          <a:p>
-            <a:pPr marL="285750" indent="-285750">
-              <a:buFontTx/>
-              <a:buChar char="-"/>
-            </a:pPr>
-            <a:r>
-              <a:rPr lang="en-US" sz="1400"/>
-              <a:t>Operations manipulate execution tree </a:t>
-            </a:r>
-          </a:p>
-          <a:p>
-            <a:pPr marL="285750" indent="-285750">
-              <a:buFontTx/>
-              <a:buChar char="-"/>
-            </a:pPr>
-            <a:r>
-              <a:rPr lang="en-US" sz="1400"/>
-              <a:t>Changes get persisted</a:t>
+              <a:rPr lang="en-US" sz="2800">
+                <a:hlinkClick r:id="rId3"/>
+              </a:rPr>
+              <a:t>https://github.com/jbarrez</a:t>
+            </a:r>
+            <a:endParaRPr lang="en-US" sz="2800"/>
+          </a:p>
+          <a:p>
+            <a:endParaRPr lang="en-US" sz="2800"/>
+          </a:p>
+          <a:p>
+            <a:r>
+              <a:rPr lang="en-US" sz="2800">
+                <a:hlinkClick r:id="rId2"/>
+              </a:rPr>
+              <a:t>https://twitter.com/jbarrez</a:t>
+            </a:r>
+            <a:endParaRPr lang="en-US" sz="2800"/>
+          </a:p>
+          <a:p>
+            <a:endParaRPr lang="en-US" sz="2800"/>
+          </a:p>
+          <a:p>
+            <a:endParaRPr lang="en-US" sz="2800"/>
+          </a:p>
+        </p:txBody>
+      </p:sp>
+      <p:pic>
+        <p:nvPicPr>
+          <p:cNvPr id="6" name="Picture 5"/>
+          <p:cNvPicPr>
+            <a:picLocks noChangeAspect="1"/>
+          </p:cNvPicPr>
+          <p:nvPr/>
+        </p:nvPicPr>
+        <p:blipFill>
+          <a:blip r:embed="rId4"/>
+          <a:stretch>
+            <a:fillRect/>
+          </a:stretch>
+        </p:blipFill>
+        <p:spPr>
+          <a:xfrm>
+            <a:off x="539552" y="3846527"/>
+            <a:ext cx="432048" cy="432048"/>
+          </a:xfrm>
+          <a:prstGeom prst="rect">
+            <a:avLst/>
+          </a:prstGeom>
+        </p:spPr>
+      </p:pic>
+      <p:pic>
+        <p:nvPicPr>
+          <p:cNvPr id="7" name="Picture 6"/>
+          <p:cNvPicPr>
+            <a:picLocks noChangeAspect="1"/>
+          </p:cNvPicPr>
+          <p:nvPr/>
+        </p:nvPicPr>
+        <p:blipFill>
+          <a:blip r:embed="rId5"/>
+          <a:stretch>
+            <a:fillRect/>
+          </a:stretch>
+        </p:blipFill>
+        <p:spPr>
+          <a:xfrm>
+            <a:off x="539552" y="4761919"/>
+            <a:ext cx="380752" cy="380752"/>
+          </a:xfrm>
+          <a:prstGeom prst="rect">
+            <a:avLst/>
+          </a:prstGeom>
+        </p:spPr>
+      </p:pic>
+      <p:sp>
+        <p:nvSpPr>
+          <p:cNvPr id="4" name="TextBox 3"/>
+          <p:cNvSpPr txBox="1"/>
+          <p:nvPr/>
+        </p:nvSpPr>
+        <p:spPr>
+          <a:xfrm rot="20507206">
+            <a:off x="4105821" y="5030787"/>
+            <a:ext cx="2520154" cy="646331"/>
+          </a:xfrm>
+          <a:prstGeom prst="rect">
+            <a:avLst/>
+          </a:prstGeom>
+          <a:noFill/>
+        </p:spPr>
+        <p:txBody>
+          <a:bodyPr wrap="none" rtlCol="0">
+            <a:spAutoFit/>
+          </a:bodyPr>
+          <a:lstStyle/>
+          <a:p>
+            <a:r>
+              <a:rPr lang="en-US"/>
+              <a:t>Tweets are  appreciated!</a:t>
+            </a:r>
+          </a:p>
+          <a:p>
+            <a:r>
+              <a:rPr lang="en-US"/>
+              <a:t>#beecon2016 #Activiti</a:t>
             </a:r>
           </a:p>
         </p:txBody>
@@ -9728,7 +10136,7 @@
     </p:spTree>
     <p:extLst>
       <p:ext uri="{BB962C8B-B14F-4D97-AF65-F5344CB8AC3E}">
-        <p14:creationId xmlns:p14="http://schemas.microsoft.com/office/powerpoint/2010/main" val="1261641572"/>
+        <p14:creationId xmlns:p14="http://schemas.microsoft.com/office/powerpoint/2010/main" val="575592872"/>
       </p:ext>
     </p:extLst>
   </p:cSld>
@@ -9769,250 +10177,7 @@
                                           </p:stCondLst>
                                         </p:cTn>
                                         <p:tgtEl>
-                                          <p:spTgt spid="38"/>
-                                        </p:tgtEl>
-                                        <p:attrNameLst>
-                                          <p:attrName>style.visibility</p:attrName>
-                                        </p:attrNameLst>
-                                      </p:cBhvr>
-                                      <p:to>
-                                        <p:strVal val="visible"/>
-                                      </p:to>
-                                    </p:set>
-                                  </p:childTnLst>
-                                </p:cTn>
-                              </p:par>
-                              <p:par>
-                                <p:cTn id="7" presetID="1" presetClass="entr" presetSubtype="0" fill="hold" grpId="0" nodeType="withEffect">
-                                  <p:stCondLst>
-                                    <p:cond delay="0"/>
-                                  </p:stCondLst>
-                                  <p:childTnLst>
-                                    <p:set>
-                                      <p:cBhvr>
-                                        <p:cTn id="8" dur="1" fill="hold">
-                                          <p:stCondLst>
-                                            <p:cond delay="0"/>
-                                          </p:stCondLst>
-                                        </p:cTn>
-                                        <p:tgtEl>
-                                          <p:spTgt spid="22"/>
-                                        </p:tgtEl>
-                                        <p:attrNameLst>
-                                          <p:attrName>style.visibility</p:attrName>
-                                        </p:attrNameLst>
-                                      </p:cBhvr>
-                                      <p:to>
-                                        <p:strVal val="visible"/>
-                                      </p:to>
-                                    </p:set>
-                                  </p:childTnLst>
-                                </p:cTn>
-                              </p:par>
-                              <p:par>
-                                <p:cTn id="9" presetID="1" presetClass="entr" presetSubtype="0" fill="hold" grpId="0" nodeType="withEffect">
-                                  <p:stCondLst>
-                                    <p:cond delay="0"/>
-                                  </p:stCondLst>
-                                  <p:childTnLst>
-                                    <p:set>
-                                      <p:cBhvr>
-                                        <p:cTn id="10" dur="1" fill="hold">
-                                          <p:stCondLst>
-                                            <p:cond delay="0"/>
-                                          </p:stCondLst>
-                                        </p:cTn>
-                                        <p:tgtEl>
-                                          <p:spTgt spid="23"/>
-                                        </p:tgtEl>
-                                        <p:attrNameLst>
-                                          <p:attrName>style.visibility</p:attrName>
-                                        </p:attrNameLst>
-                                      </p:cBhvr>
-                                      <p:to>
-                                        <p:strVal val="visible"/>
-                                      </p:to>
-                                    </p:set>
-                                  </p:childTnLst>
-                                </p:cTn>
-                              </p:par>
-                              <p:par>
-                                <p:cTn id="11" presetID="1" presetClass="entr" presetSubtype="0" fill="hold" grpId="0" nodeType="withEffect">
-                                  <p:stCondLst>
-                                    <p:cond delay="0"/>
-                                  </p:stCondLst>
-                                  <p:childTnLst>
-                                    <p:set>
-                                      <p:cBhvr>
-                                        <p:cTn id="12" dur="1" fill="hold">
-                                          <p:stCondLst>
-                                            <p:cond delay="0"/>
-                                          </p:stCondLst>
-                                        </p:cTn>
-                                        <p:tgtEl>
-                                          <p:spTgt spid="24"/>
-                                        </p:tgtEl>
-                                        <p:attrNameLst>
-                                          <p:attrName>style.visibility</p:attrName>
-                                        </p:attrNameLst>
-                                      </p:cBhvr>
-                                      <p:to>
-                                        <p:strVal val="visible"/>
-                                      </p:to>
-                                    </p:set>
-                                  </p:childTnLst>
-                                </p:cTn>
-                              </p:par>
-                              <p:par>
-                                <p:cTn id="13" presetID="1" presetClass="entr" presetSubtype="0" fill="hold" grpId="0" nodeType="withEffect">
-                                  <p:stCondLst>
-                                    <p:cond delay="0"/>
-                                  </p:stCondLst>
-                                  <p:childTnLst>
-                                    <p:set>
-                                      <p:cBhvr>
-                                        <p:cTn id="14" dur="1" fill="hold">
-                                          <p:stCondLst>
-                                            <p:cond delay="0"/>
-                                          </p:stCondLst>
-                                        </p:cTn>
-                                        <p:tgtEl>
-                                          <p:spTgt spid="25"/>
-                                        </p:tgtEl>
-                                        <p:attrNameLst>
-                                          <p:attrName>style.visibility</p:attrName>
-                                        </p:attrNameLst>
-                                      </p:cBhvr>
-                                      <p:to>
-                                        <p:strVal val="visible"/>
-                                      </p:to>
-                                    </p:set>
-                                  </p:childTnLst>
-                                </p:cTn>
-                              </p:par>
-                              <p:par>
-                                <p:cTn id="15" presetID="1" presetClass="entr" presetSubtype="0" fill="hold" grpId="0" nodeType="withEffect">
-                                  <p:stCondLst>
-                                    <p:cond delay="0"/>
-                                  </p:stCondLst>
-                                  <p:childTnLst>
-                                    <p:set>
-                                      <p:cBhvr>
-                                        <p:cTn id="16" dur="1" fill="hold">
-                                          <p:stCondLst>
-                                            <p:cond delay="0"/>
-                                          </p:stCondLst>
-                                        </p:cTn>
-                                        <p:tgtEl>
-                                          <p:spTgt spid="26"/>
-                                        </p:tgtEl>
-                                        <p:attrNameLst>
-                                          <p:attrName>style.visibility</p:attrName>
-                                        </p:attrNameLst>
-                                      </p:cBhvr>
-                                      <p:to>
-                                        <p:strVal val="visible"/>
-                                      </p:to>
-                                    </p:set>
-                                  </p:childTnLst>
-                                </p:cTn>
-                              </p:par>
-                              <p:par>
-                                <p:cTn id="17" presetID="1" presetClass="entr" presetSubtype="0" fill="hold" grpId="0" nodeType="withEffect">
-                                  <p:stCondLst>
-                                    <p:cond delay="0"/>
-                                  </p:stCondLst>
-                                  <p:childTnLst>
-                                    <p:set>
-                                      <p:cBhvr>
-                                        <p:cTn id="18" dur="1" fill="hold">
-                                          <p:stCondLst>
-                                            <p:cond delay="0"/>
-                                          </p:stCondLst>
-                                        </p:cTn>
-                                        <p:tgtEl>
-                                          <p:spTgt spid="27"/>
-                                        </p:tgtEl>
-                                        <p:attrNameLst>
-                                          <p:attrName>style.visibility</p:attrName>
-                                        </p:attrNameLst>
-                                      </p:cBhvr>
-                                      <p:to>
-                                        <p:strVal val="visible"/>
-                                      </p:to>
-                                    </p:set>
-                                  </p:childTnLst>
-                                </p:cTn>
-                              </p:par>
-                              <p:par>
-                                <p:cTn id="19" presetID="1" presetClass="entr" presetSubtype="0" fill="hold" grpId="0" nodeType="withEffect">
-                                  <p:stCondLst>
-                                    <p:cond delay="0"/>
-                                  </p:stCondLst>
-                                  <p:childTnLst>
-                                    <p:set>
-                                      <p:cBhvr>
-                                        <p:cTn id="20" dur="1" fill="hold">
-                                          <p:stCondLst>
-                                            <p:cond delay="0"/>
-                                          </p:stCondLst>
-                                        </p:cTn>
-                                        <p:tgtEl>
-                                          <p:spTgt spid="30"/>
-                                        </p:tgtEl>
-                                        <p:attrNameLst>
-                                          <p:attrName>style.visibility</p:attrName>
-                                        </p:attrNameLst>
-                                      </p:cBhvr>
-                                      <p:to>
-                                        <p:strVal val="visible"/>
-                                      </p:to>
-                                    </p:set>
-                                  </p:childTnLst>
-                                </p:cTn>
-                              </p:par>
-                              <p:par>
-                                <p:cTn id="21" presetID="1" presetClass="entr" presetSubtype="0" fill="hold" grpId="0" nodeType="withEffect">
-                                  <p:stCondLst>
-                                    <p:cond delay="0"/>
-                                  </p:stCondLst>
-                                  <p:childTnLst>
-                                    <p:set>
-                                      <p:cBhvr>
-                                        <p:cTn id="22" dur="1" fill="hold">
-                                          <p:stCondLst>
-                                            <p:cond delay="0"/>
-                                          </p:stCondLst>
-                                        </p:cTn>
-                                        <p:tgtEl>
-                                          <p:spTgt spid="31"/>
-                                        </p:tgtEl>
-                                        <p:attrNameLst>
-                                          <p:attrName>style.visibility</p:attrName>
-                                        </p:attrNameLst>
-                                      </p:cBhvr>
-                                      <p:to>
-                                        <p:strVal val="visible"/>
-                                      </p:to>
-                                    </p:set>
-                                  </p:childTnLst>
-                                </p:cTn>
-                              </p:par>
-                              <p:par>
-                                <p:cTn id="23" presetID="1" presetClass="entr" presetSubtype="0" fill="hold" grpId="0" nodeType="withEffect">
-                                  <p:stCondLst>
-                                    <p:cond delay="0"/>
-                                  </p:stCondLst>
-                                  <p:childTnLst>
-                                    <p:set>
-                                      <p:cBhvr>
-                                        <p:cTn id="24" dur="1" fill="hold">
-                                          <p:stCondLst>
-                                            <p:cond delay="0"/>
-                                          </p:stCondLst>
-                                        </p:cTn>
-                                        <p:tgtEl>
-                                          <p:spTgt spid="32"/>
+                                          <p:spTgt spid="4"/>
                                         </p:tgtEl>
                                         <p:attrNameLst>
                                           <p:attrName>style.visibility</p:attrName>
@@ -10053,700 +10218,9 @@
       </p:par>
     </p:tnLst>
     <p:bldLst>
-      <p:bldP spid="38" grpId="0" animBg="1"/>
-      <p:bldP spid="22" grpId="0" animBg="1"/>
-      <p:bldP spid="23" grpId="0" animBg="1"/>
-      <p:bldP spid="24" grpId="0" animBg="1"/>
-      <p:bldP spid="25" grpId="0" animBg="1"/>
-      <p:bldP spid="26" grpId="0" animBg="1"/>
-      <p:bldP spid="27" grpId="0" animBg="1"/>
-      <p:bldP spid="30" grpId="0" animBg="1"/>
-      <p:bldP spid="31" grpId="0" animBg="1"/>
-      <p:bldP spid="32" grpId="0" animBg="1"/>
+      <p:bldP spid="4" grpId="0"/>
     </p:bldLst>
   </p:timing>
-</p:sld>
-</file>
-
-<file path=ppt/slides/slide17.xml><?xml version="1.0" encoding="utf-8"?>
-<p:sld xmlns:a="http://schemas.openxmlformats.org/drawingml/2006/main" xmlns:r="http://schemas.openxmlformats.org/officeDocument/2006/relationships" xmlns:p="http://schemas.openxmlformats.org/presentationml/2006/main">
-  <p:cSld>
-    <p:spTree>
-      <p:nvGrpSpPr>
-        <p:cNvPr id="1" name=""/>
-        <p:cNvGrpSpPr/>
-        <p:nvPr/>
-      </p:nvGrpSpPr>
-      <p:grpSpPr>
-        <a:xfrm>
-          <a:off x="0" y="0"/>
-          <a:ext cx="0" cy="0"/>
-          <a:chOff x="0" y="0"/>
-          <a:chExt cx="0" cy="0"/>
-        </a:xfrm>
-      </p:grpSpPr>
-      <p:sp>
-        <p:nvSpPr>
-          <p:cNvPr id="2" name="Title 1"/>
-          <p:cNvSpPr>
-            <a:spLocks noGrp="1"/>
-          </p:cNvSpPr>
-          <p:nvPr>
-            <p:ph type="title"/>
-          </p:nvPr>
-        </p:nvSpPr>
-        <p:spPr/>
-        <p:txBody>
-          <a:bodyPr/>
-          <a:lstStyle/>
-          <a:p>
-            <a:r>
-              <a:rPr lang="en-US"/>
-              <a:t>The Agenda</a:t>
-            </a:r>
-          </a:p>
-        </p:txBody>
-      </p:sp>
-      <p:sp>
-        <p:nvSpPr>
-          <p:cNvPr id="3" name="Content Placeholder 2"/>
-          <p:cNvSpPr>
-            <a:spLocks noGrp="1"/>
-          </p:cNvSpPr>
-          <p:nvPr>
-            <p:ph idx="1"/>
-          </p:nvPr>
-        </p:nvSpPr>
-        <p:spPr/>
-        <p:txBody>
-          <a:bodyPr>
-            <a:normAutofit lnSpcReduction="10000"/>
-          </a:bodyPr>
-          <a:lstStyle/>
-          <a:p>
-            <a:r>
-              <a:rPr lang="en-US"/>
-              <a:t>Similar to the typical ‘run-loop’</a:t>
-            </a:r>
-          </a:p>
-          <a:p>
-            <a:r>
-              <a:rPr lang="en-US"/>
-              <a:t>while( hasOperations() ) { executeOperation() } </a:t>
-            </a:r>
-          </a:p>
-          <a:p>
-            <a:endParaRPr lang="en-US"/>
-          </a:p>
-          <a:p>
-            <a:r>
-              <a:rPr lang="en-US"/>
-              <a:t>Core difference with v5</a:t>
-            </a:r>
-          </a:p>
-          <a:p>
-            <a:pPr lvl="1"/>
-            <a:r>
-              <a:rPr lang="en-US"/>
-              <a:t>In v5, there were </a:t>
-            </a:r>
-            <a:r>
-              <a:rPr lang="en-US" i="1"/>
-              <a:t>AtomicOperations</a:t>
-            </a:r>
-            <a:endParaRPr lang="en-US"/>
-          </a:p>
-          <a:p>
-            <a:pPr lvl="1"/>
-            <a:r>
-              <a:rPr lang="en-US"/>
-              <a:t>Atomic Operations called other atomic operations</a:t>
-            </a:r>
-          </a:p>
-          <a:p>
-            <a:pPr lvl="1"/>
-            <a:r>
-              <a:rPr lang="en-US"/>
-              <a:t>Behaviours executed atomic operations</a:t>
-            </a:r>
-          </a:p>
-          <a:p>
-            <a:pPr lvl="1"/>
-            <a:endParaRPr lang="en-US"/>
-          </a:p>
-          <a:p>
-            <a:pPr lvl="1"/>
-            <a:endParaRPr lang="en-US"/>
-          </a:p>
-          <a:p>
-            <a:pPr marL="457200" lvl="1" indent="0">
-              <a:buNone/>
-            </a:pPr>
-            <a:endParaRPr lang="en-US"/>
-          </a:p>
-          <a:p>
-            <a:endParaRPr lang="en-US"/>
-          </a:p>
-          <a:p>
-            <a:endParaRPr lang="en-US"/>
-          </a:p>
-          <a:p>
-            <a:pPr lvl="1"/>
-            <a:endParaRPr lang="en-US"/>
-          </a:p>
-          <a:p>
-            <a:pPr lvl="1"/>
-            <a:endParaRPr lang="en-US"/>
-          </a:p>
-          <a:p>
-            <a:pPr lvl="1"/>
-            <a:endParaRPr lang="en-US"/>
-          </a:p>
-        </p:txBody>
-      </p:sp>
-      <p:sp>
-        <p:nvSpPr>
-          <p:cNvPr id="5" name="Slide Number Placeholder 4"/>
-          <p:cNvSpPr>
-            <a:spLocks noGrp="1"/>
-          </p:cNvSpPr>
-          <p:nvPr>
-            <p:ph type="sldNum" sz="quarter" idx="4294967295"/>
-          </p:nvPr>
-        </p:nvSpPr>
-        <p:spPr>
-          <a:xfrm>
-            <a:off x="8715375" y="6383338"/>
-            <a:ext cx="428625" cy="365125"/>
-          </a:xfrm>
-        </p:spPr>
-        <p:txBody>
-          <a:bodyPr/>
-          <a:lstStyle/>
-          <a:p>
-            <a:fld id="{AF88E988-FB04-AB4E-BE5A-59F242AF7F7A}" type="slidenum">
-              <a:rPr lang="en-US" smtClean="0"/>
-              <a:pPr/>
-              <a:t>17</a:t>
-            </a:fld>
-            <a:endParaRPr lang="en-US" dirty="0"/>
-          </a:p>
-        </p:txBody>
-      </p:sp>
-      <p:sp>
-        <p:nvSpPr>
-          <p:cNvPr id="6" name="TextBox 5"/>
-          <p:cNvSpPr txBox="1"/>
-          <p:nvPr/>
-        </p:nvSpPr>
-        <p:spPr>
-          <a:xfrm>
-            <a:off x="1383364" y="1139011"/>
-            <a:ext cx="184666" cy="369332"/>
-          </a:xfrm>
-          <a:prstGeom prst="rect">
-            <a:avLst/>
-          </a:prstGeom>
-          <a:noFill/>
-        </p:spPr>
-        <p:txBody>
-          <a:bodyPr wrap="none" rtlCol="0">
-            <a:spAutoFit/>
-          </a:bodyPr>
-          <a:lstStyle/>
-          <a:p>
-            <a:endParaRPr lang="en-US"/>
-          </a:p>
-        </p:txBody>
-      </p:sp>
-    </p:spTree>
-    <p:extLst>
-      <p:ext uri="{BB962C8B-B14F-4D97-AF65-F5344CB8AC3E}">
-        <p14:creationId xmlns:p14="http://schemas.microsoft.com/office/powerpoint/2010/main" val="30988229"/>
-      </p:ext>
-    </p:extLst>
-  </p:cSld>
-  <p:clrMapOvr>
-    <a:masterClrMapping/>
-  </p:clrMapOvr>
-  <p:timing>
-    <p:tnLst>
-      <p:par>
-        <p:cTn xmlns:p14="http://schemas.microsoft.com/office/powerpoint/2010/main" id="1" dur="indefinite" restart="never" nodeType="tmRoot"/>
-      </p:par>
-    </p:tnLst>
-  </p:timing>
-</p:sld>
-</file>
-
-<file path=ppt/slides/slide18.xml><?xml version="1.0" encoding="utf-8"?>
-<p:sld xmlns:a="http://schemas.openxmlformats.org/drawingml/2006/main" xmlns:r="http://schemas.openxmlformats.org/officeDocument/2006/relationships" xmlns:p="http://schemas.openxmlformats.org/presentationml/2006/main">
-  <p:cSld>
-    <p:spTree>
-      <p:nvGrpSpPr>
-        <p:cNvPr id="1" name=""/>
-        <p:cNvGrpSpPr/>
-        <p:nvPr/>
-      </p:nvGrpSpPr>
-      <p:grpSpPr>
-        <a:xfrm>
-          <a:off x="0" y="0"/>
-          <a:ext cx="0" cy="0"/>
-          <a:chOff x="0" y="0"/>
-          <a:chExt cx="0" cy="0"/>
-        </a:xfrm>
-      </p:grpSpPr>
-      <p:sp>
-        <p:nvSpPr>
-          <p:cNvPr id="3" name="TextBox 2"/>
-          <p:cNvSpPr txBox="1"/>
-          <p:nvPr/>
-        </p:nvSpPr>
-        <p:spPr>
-          <a:xfrm>
-            <a:off x="0" y="2564904"/>
-            <a:ext cx="9144000" cy="1446550"/>
-          </a:xfrm>
-          <a:prstGeom prst="rect">
-            <a:avLst/>
-          </a:prstGeom>
-          <a:noFill/>
-        </p:spPr>
-        <p:txBody>
-          <a:bodyPr wrap="square" rtlCol="0">
-            <a:spAutoFit/>
-          </a:bodyPr>
-          <a:lstStyle/>
-          <a:p>
-            <a:pPr algn="ctr"/>
-            <a:r>
-              <a:rPr lang="en-US" sz="8800"/>
-              <a:t>DEMO</a:t>
-            </a:r>
-          </a:p>
-        </p:txBody>
-      </p:sp>
-      <p:sp>
-        <p:nvSpPr>
-          <p:cNvPr id="4" name="TextBox 3"/>
-          <p:cNvSpPr txBox="1"/>
-          <p:nvPr/>
-        </p:nvSpPr>
-        <p:spPr>
-          <a:xfrm>
-            <a:off x="0" y="4149080"/>
-            <a:ext cx="9144000" cy="646331"/>
-          </a:xfrm>
-          <a:prstGeom prst="rect">
-            <a:avLst/>
-          </a:prstGeom>
-          <a:noFill/>
-        </p:spPr>
-        <p:txBody>
-          <a:bodyPr wrap="square" rtlCol="0">
-            <a:spAutoFit/>
-          </a:bodyPr>
-          <a:lstStyle/>
-          <a:p>
-            <a:pPr algn="ctr"/>
-            <a:r>
-              <a:rPr lang="en-US">
-                <a:hlinkClick r:id="rId2"/>
-              </a:rPr>
-              <a:t>https://github.com/jbarrez/beecon-2016-examples/tree/master/agenda-example</a:t>
-            </a:r>
-            <a:endParaRPr lang="en-US"/>
-          </a:p>
-          <a:p>
-            <a:pPr algn="ctr"/>
-            <a:endParaRPr lang="en-US"/>
-          </a:p>
-        </p:txBody>
-      </p:sp>
-    </p:spTree>
-    <p:extLst>
-      <p:ext uri="{BB962C8B-B14F-4D97-AF65-F5344CB8AC3E}">
-        <p14:creationId xmlns:p14="http://schemas.microsoft.com/office/powerpoint/2010/main" val="1826757489"/>
-      </p:ext>
-    </p:extLst>
-  </p:cSld>
-  <p:clrMapOvr>
-    <a:masterClrMapping/>
-  </p:clrMapOvr>
-</p:sld>
-</file>
-
-<file path=ppt/slides/slide19.xml><?xml version="1.0" encoding="utf-8"?>
-<p:sld xmlns:a="http://schemas.openxmlformats.org/drawingml/2006/main" xmlns:r="http://schemas.openxmlformats.org/officeDocument/2006/relationships" xmlns:p="http://schemas.openxmlformats.org/presentationml/2006/main">
-  <p:cSld>
-    <p:spTree>
-      <p:nvGrpSpPr>
-        <p:cNvPr id="1" name=""/>
-        <p:cNvGrpSpPr/>
-        <p:nvPr/>
-      </p:nvGrpSpPr>
-      <p:grpSpPr>
-        <a:xfrm>
-          <a:off x="0" y="0"/>
-          <a:ext cx="0" cy="0"/>
-          <a:chOff x="0" y="0"/>
-          <a:chExt cx="0" cy="0"/>
-        </a:xfrm>
-      </p:grpSpPr>
-      <p:sp>
-        <p:nvSpPr>
-          <p:cNvPr id="2" name="Title 1"/>
-          <p:cNvSpPr>
-            <a:spLocks noGrp="1"/>
-          </p:cNvSpPr>
-          <p:nvPr>
-            <p:ph type="title"/>
-          </p:nvPr>
-        </p:nvSpPr>
-        <p:spPr/>
-        <p:txBody>
-          <a:bodyPr/>
-          <a:lstStyle/>
-          <a:p>
-            <a:r>
-              <a:rPr lang="en-US"/>
-              <a:t>Pluggable Persistence</a:t>
-            </a:r>
-          </a:p>
-        </p:txBody>
-      </p:sp>
-      <p:sp>
-        <p:nvSpPr>
-          <p:cNvPr id="3" name="Content Placeholder 2"/>
-          <p:cNvSpPr>
-            <a:spLocks noGrp="1"/>
-          </p:cNvSpPr>
-          <p:nvPr>
-            <p:ph idx="1"/>
-          </p:nvPr>
-        </p:nvSpPr>
-        <p:spPr/>
-        <p:txBody>
-          <a:bodyPr>
-            <a:normAutofit fontScale="85000" lnSpcReduction="10000"/>
-          </a:bodyPr>
-          <a:lstStyle/>
-          <a:p>
-            <a:r>
-              <a:rPr lang="en-US"/>
-              <a:t>Goal</a:t>
-            </a:r>
-          </a:p>
-          <a:p>
-            <a:pPr lvl="1"/>
-            <a:r>
-              <a:rPr lang="en-US"/>
-              <a:t>Data objects (the entity) should be pluggable </a:t>
-            </a:r>
-          </a:p>
-          <a:p>
-            <a:pPr lvl="2"/>
-            <a:r>
-              <a:rPr lang="en-US"/>
-              <a:t>(eg jpa impl uses annotations, nosql could store data in different layout)</a:t>
-            </a:r>
-          </a:p>
-          <a:p>
-            <a:pPr lvl="1"/>
-            <a:r>
-              <a:rPr lang="en-US"/>
-              <a:t>Data services (the entity managers) should be pluggable</a:t>
-            </a:r>
-          </a:p>
-          <a:p>
-            <a:r>
-              <a:rPr lang="en-US"/>
-              <a:t>A huge refactoring</a:t>
-            </a:r>
-          </a:p>
-          <a:p>
-            <a:pPr lvl="1"/>
-            <a:r>
-              <a:rPr lang="en-US"/>
-              <a:t>V5 did not have any interfaces in this layer</a:t>
-            </a:r>
-          </a:p>
-          <a:p>
-            <a:pPr lvl="1"/>
-            <a:r>
-              <a:rPr lang="en-US"/>
-              <a:t>No clear responsabilities</a:t>
-            </a:r>
-          </a:p>
-          <a:p>
-            <a:pPr lvl="1"/>
-            <a:r>
-              <a:rPr lang="en-US"/>
-              <a:t>Consolidating methods calls</a:t>
-            </a:r>
-          </a:p>
-          <a:p>
-            <a:pPr lvl="1"/>
-            <a:r>
-              <a:rPr lang="en-US"/>
-              <a:t>Consistency</a:t>
-            </a:r>
-          </a:p>
-          <a:p>
-            <a:pPr marL="0" indent="0">
-              <a:buNone/>
-            </a:pPr>
-            <a:endParaRPr lang="en-US"/>
-          </a:p>
-          <a:p>
-            <a:endParaRPr lang="en-US"/>
-          </a:p>
-          <a:p>
-            <a:endParaRPr lang="en-US"/>
-          </a:p>
-        </p:txBody>
-      </p:sp>
-      <p:sp>
-        <p:nvSpPr>
-          <p:cNvPr id="5" name="Slide Number Placeholder 4"/>
-          <p:cNvSpPr>
-            <a:spLocks noGrp="1"/>
-          </p:cNvSpPr>
-          <p:nvPr>
-            <p:ph type="sldNum" sz="quarter" idx="4294967295"/>
-          </p:nvPr>
-        </p:nvSpPr>
-        <p:spPr>
-          <a:xfrm>
-            <a:off x="8715375" y="6383338"/>
-            <a:ext cx="428625" cy="365125"/>
-          </a:xfrm>
-        </p:spPr>
-        <p:txBody>
-          <a:bodyPr/>
-          <a:lstStyle/>
-          <a:p>
-            <a:fld id="{AF88E988-FB04-AB4E-BE5A-59F242AF7F7A}" type="slidenum">
-              <a:rPr lang="en-US" smtClean="0"/>
-              <a:pPr/>
-              <a:t>19</a:t>
-            </a:fld>
-            <a:endParaRPr lang="en-US" dirty="0"/>
-          </a:p>
-        </p:txBody>
-      </p:sp>
-    </p:spTree>
-    <p:extLst>
-      <p:ext uri="{BB962C8B-B14F-4D97-AF65-F5344CB8AC3E}">
-        <p14:creationId xmlns:p14="http://schemas.microsoft.com/office/powerpoint/2010/main" val="1569696279"/>
-      </p:ext>
-    </p:extLst>
-  </p:cSld>
-  <p:clrMapOvr>
-    <a:masterClrMapping/>
-  </p:clrMapOvr>
-  <p:timing>
-    <p:tnLst>
-      <p:par>
-        <p:cTn xmlns:p14="http://schemas.microsoft.com/office/powerpoint/2010/main" id="1" dur="indefinite" restart="never" nodeType="tmRoot"/>
-      </p:par>
-    </p:tnLst>
-  </p:timing>
-</p:sld>
-</file>
-
-<file path=ppt/slides/slide2.xml><?xml version="1.0" encoding="utf-8"?>
-<p:sld xmlns:a="http://schemas.openxmlformats.org/drawingml/2006/main" xmlns:r="http://schemas.openxmlformats.org/officeDocument/2006/relationships" xmlns:p="http://schemas.openxmlformats.org/presentationml/2006/main">
-  <p:cSld>
-    <p:spTree>
-      <p:nvGrpSpPr>
-        <p:cNvPr id="1" name=""/>
-        <p:cNvGrpSpPr/>
-        <p:nvPr/>
-      </p:nvGrpSpPr>
-      <p:grpSpPr>
-        <a:xfrm>
-          <a:off x="0" y="0"/>
-          <a:ext cx="0" cy="0"/>
-          <a:chOff x="0" y="0"/>
-          <a:chExt cx="0" cy="0"/>
-        </a:xfrm>
-      </p:grpSpPr>
-      <p:sp>
-        <p:nvSpPr>
-          <p:cNvPr id="2" name="Title 1"/>
-          <p:cNvSpPr>
-            <a:spLocks noGrp="1"/>
-          </p:cNvSpPr>
-          <p:nvPr>
-            <p:ph type="title"/>
-          </p:nvPr>
-        </p:nvSpPr>
-        <p:spPr/>
-        <p:txBody>
-          <a:bodyPr/>
-          <a:lstStyle/>
-          <a:p>
-            <a:r>
-              <a:rPr lang="en-US"/>
-              <a:t>whoami</a:t>
-            </a:r>
-          </a:p>
-        </p:txBody>
-      </p:sp>
-      <p:sp>
-        <p:nvSpPr>
-          <p:cNvPr id="3" name="Content Placeholder 2"/>
-          <p:cNvSpPr>
-            <a:spLocks noGrp="1"/>
-          </p:cNvSpPr>
-          <p:nvPr>
-            <p:ph idx="1"/>
-          </p:nvPr>
-        </p:nvSpPr>
-        <p:spPr/>
-        <p:txBody>
-          <a:bodyPr/>
-          <a:lstStyle/>
-          <a:p>
-            <a:r>
-              <a:rPr lang="en-US"/>
-              <a:t>Co-founder of the Activiti project</a:t>
-            </a:r>
-          </a:p>
-          <a:p>
-            <a:r>
-              <a:rPr lang="en-US"/>
-              <a:t>Principal Software Engineer @ Alfresco</a:t>
-            </a:r>
-          </a:p>
-          <a:p>
-            <a:endParaRPr lang="en-US"/>
-          </a:p>
-          <a:p>
-            <a:endParaRPr lang="en-US"/>
-          </a:p>
-          <a:p>
-            <a:endParaRPr lang="en-US">
-              <a:hlinkClick r:id="rId2"/>
-            </a:endParaRPr>
-          </a:p>
-          <a:p>
-            <a:endParaRPr lang="en-US"/>
-          </a:p>
-          <a:p>
-            <a:endParaRPr lang="en-US"/>
-          </a:p>
-        </p:txBody>
-      </p:sp>
-      <p:sp>
-        <p:nvSpPr>
-          <p:cNvPr id="5" name="TextBox 4"/>
-          <p:cNvSpPr txBox="1"/>
-          <p:nvPr/>
-        </p:nvSpPr>
-        <p:spPr>
-          <a:xfrm>
-            <a:off x="971600" y="3774519"/>
-            <a:ext cx="4169356" cy="2246769"/>
-          </a:xfrm>
-          <a:prstGeom prst="rect">
-            <a:avLst/>
-          </a:prstGeom>
-          <a:noFill/>
-        </p:spPr>
-        <p:txBody>
-          <a:bodyPr wrap="none" rtlCol="0">
-            <a:spAutoFit/>
-          </a:bodyPr>
-          <a:lstStyle/>
-          <a:p>
-            <a:r>
-              <a:rPr lang="en-US" sz="2800">
-                <a:hlinkClick r:id="rId3"/>
-              </a:rPr>
-              <a:t>https://github.com/jbarrez</a:t>
-            </a:r>
-            <a:endParaRPr lang="en-US" sz="2800"/>
-          </a:p>
-          <a:p>
-            <a:endParaRPr lang="en-US" sz="2800"/>
-          </a:p>
-          <a:p>
-            <a:r>
-              <a:rPr lang="en-US" sz="2800">
-                <a:hlinkClick r:id="rId2"/>
-              </a:rPr>
-              <a:t>https://twitter.com/jbarrez</a:t>
-            </a:r>
-            <a:endParaRPr lang="en-US" sz="2800"/>
-          </a:p>
-          <a:p>
-            <a:endParaRPr lang="en-US" sz="2800"/>
-          </a:p>
-          <a:p>
-            <a:endParaRPr lang="en-US" sz="2800"/>
-          </a:p>
-        </p:txBody>
-      </p:sp>
-      <p:pic>
-        <p:nvPicPr>
-          <p:cNvPr id="6" name="Picture 5"/>
-          <p:cNvPicPr>
-            <a:picLocks noChangeAspect="1"/>
-          </p:cNvPicPr>
-          <p:nvPr/>
-        </p:nvPicPr>
-        <p:blipFill>
-          <a:blip r:embed="rId4"/>
-          <a:stretch>
-            <a:fillRect/>
-          </a:stretch>
-        </p:blipFill>
-        <p:spPr>
-          <a:xfrm>
-            <a:off x="539552" y="3846527"/>
-            <a:ext cx="432048" cy="432048"/>
-          </a:xfrm>
-          <a:prstGeom prst="rect">
-            <a:avLst/>
-          </a:prstGeom>
-        </p:spPr>
-      </p:pic>
-      <p:pic>
-        <p:nvPicPr>
-          <p:cNvPr id="7" name="Picture 6"/>
-          <p:cNvPicPr>
-            <a:picLocks noChangeAspect="1"/>
-          </p:cNvPicPr>
-          <p:nvPr/>
-        </p:nvPicPr>
-        <p:blipFill>
-          <a:blip r:embed="rId5"/>
-          <a:stretch>
-            <a:fillRect/>
-          </a:stretch>
-        </p:blipFill>
-        <p:spPr>
-          <a:xfrm>
-            <a:off x="539552" y="4761919"/>
-            <a:ext cx="380752" cy="380752"/>
-          </a:xfrm>
-          <a:prstGeom prst="rect">
-            <a:avLst/>
-          </a:prstGeom>
-        </p:spPr>
-      </p:pic>
-    </p:spTree>
-    <p:extLst>
-      <p:ext uri="{BB962C8B-B14F-4D97-AF65-F5344CB8AC3E}">
-        <p14:creationId xmlns:p14="http://schemas.microsoft.com/office/powerpoint/2010/main" val="575592872"/>
-      </p:ext>
-    </p:extLst>
-  </p:cSld>
-  <p:clrMapOvr>
-    <a:masterClrMapping/>
-  </p:clrMapOvr>
 </p:sld>
 </file>
 
@@ -10784,7 +10258,7 @@
           <a:p>
             <a:r>
               <a:rPr lang="en-US"/>
-              <a:t>Pluggable Persistence</a:t>
+              <a:t>Version 6</a:t>
             </a:r>
           </a:p>
         </p:txBody>
@@ -10806,45 +10280,6 @@
           </a:bodyPr>
           <a:lstStyle/>
           <a:p>
-            <a:r>
-              <a:rPr lang="en-US"/>
-              <a:t>Not implemented in isolation</a:t>
-            </a:r>
-          </a:p>
-          <a:p>
-            <a:pPr lvl="1"/>
-            <a:r>
-              <a:rPr lang="en-US"/>
-              <a:t>One dedicated customer</a:t>
-            </a:r>
-          </a:p>
-          <a:p>
-            <a:pPr lvl="1"/>
-            <a:r>
-              <a:rPr lang="en-US"/>
-              <a:t>Community feedback</a:t>
-            </a:r>
-          </a:p>
-          <a:p>
-            <a:r>
-              <a:rPr lang="en-US"/>
-              <a:t>Tested for NoSQL</a:t>
-            </a:r>
-          </a:p>
-          <a:p>
-            <a:pPr lvl="1"/>
-            <a:r>
-              <a:rPr lang="en-US"/>
-              <a:t>Non-transactional is still a challenge</a:t>
-            </a:r>
-          </a:p>
-          <a:p>
-            <a:pPr marL="0" indent="0">
-              <a:buNone/>
-            </a:pPr>
-            <a:endParaRPr lang="en-US"/>
-          </a:p>
-          <a:p>
             <a:endParaRPr lang="en-US"/>
           </a:p>
           <a:p>
@@ -10881,10 +10316,63 @@
           </a:p>
         </p:txBody>
       </p:sp>
+      <p:pic>
+        <p:nvPicPr>
+          <p:cNvPr id="7" name="Picture 6"/>
+          <p:cNvPicPr>
+            <a:picLocks noChangeAspect="1"/>
+          </p:cNvPicPr>
+          <p:nvPr/>
+        </p:nvPicPr>
+        <p:blipFill>
+          <a:blip r:embed="rId3"/>
+          <a:stretch>
+            <a:fillRect/>
+          </a:stretch>
+        </p:blipFill>
+        <p:spPr>
+          <a:xfrm>
+            <a:off x="539552" y="1772816"/>
+            <a:ext cx="5328592" cy="4955275"/>
+          </a:xfrm>
+          <a:prstGeom prst="rect">
+            <a:avLst/>
+          </a:prstGeom>
+        </p:spPr>
+      </p:pic>
+      <p:sp>
+        <p:nvSpPr>
+          <p:cNvPr id="8" name="TextBox 7"/>
+          <p:cNvSpPr txBox="1"/>
+          <p:nvPr/>
+        </p:nvSpPr>
+        <p:spPr>
+          <a:xfrm>
+            <a:off x="5903867" y="4122613"/>
+            <a:ext cx="1559329" cy="307777"/>
+          </a:xfrm>
+          <a:prstGeom prst="rect">
+            <a:avLst/>
+          </a:prstGeom>
+          <a:noFill/>
+        </p:spPr>
+        <p:txBody>
+          <a:bodyPr wrap="none" rtlCol="0">
+            <a:spAutoFit/>
+          </a:bodyPr>
+          <a:lstStyle/>
+          <a:p>
+            <a:r>
+              <a:rPr lang="en-US" sz="1400"/>
+              <a:t>See TaskEntityImpl</a:t>
+            </a:r>
+          </a:p>
+        </p:txBody>
+      </p:sp>
     </p:spTree>
     <p:extLst>
       <p:ext uri="{BB962C8B-B14F-4D97-AF65-F5344CB8AC3E}">
-        <p14:creationId xmlns:p14="http://schemas.microsoft.com/office/powerpoint/2010/main" val="2220448657"/>
+        <p14:creationId xmlns:p14="http://schemas.microsoft.com/office/powerpoint/2010/main" val="4216728203"/>
       </p:ext>
     </p:extLst>
   </p:cSld>
@@ -10920,119 +10408,74 @@
       </p:grpSpPr>
       <p:sp>
         <p:nvSpPr>
-          <p:cNvPr id="2" name="Title 1"/>
-          <p:cNvSpPr>
-            <a:spLocks noGrp="1"/>
-          </p:cNvSpPr>
-          <p:nvPr>
-            <p:ph type="title"/>
-          </p:nvPr>
-        </p:nvSpPr>
-        <p:spPr/>
-        <p:txBody>
-          <a:bodyPr/>
-          <a:lstStyle/>
-          <a:p>
-            <a:r>
-              <a:rPr lang="en-US"/>
-              <a:t>Example</a:t>
-            </a:r>
-          </a:p>
-        </p:txBody>
-      </p:sp>
-      <p:sp>
-        <p:nvSpPr>
-          <p:cNvPr id="3" name="Content Placeholder 2"/>
-          <p:cNvSpPr>
-            <a:spLocks noGrp="1"/>
-          </p:cNvSpPr>
-          <p:nvPr>
-            <p:ph idx="1"/>
-          </p:nvPr>
-        </p:nvSpPr>
-        <p:spPr/>
-        <p:txBody>
-          <a:bodyPr>
-            <a:normAutofit/>
-          </a:bodyPr>
-          <a:lstStyle/>
-          <a:p>
-            <a:r>
-              <a:rPr lang="en-US"/>
-              <a:t>TaskEntity complete method in v5</a:t>
-            </a:r>
-          </a:p>
-          <a:p>
-            <a:endParaRPr lang="en-US"/>
-          </a:p>
-          <a:p>
-            <a:endParaRPr lang="en-US"/>
-          </a:p>
-        </p:txBody>
-      </p:sp>
-      <p:sp>
-        <p:nvSpPr>
-          <p:cNvPr id="5" name="Slide Number Placeholder 4"/>
-          <p:cNvSpPr>
-            <a:spLocks noGrp="1"/>
-          </p:cNvSpPr>
-          <p:nvPr>
-            <p:ph type="sldNum" sz="quarter" idx="4294967295"/>
-          </p:nvPr>
+          <p:cNvPr id="3" name="TextBox 2"/>
+          <p:cNvSpPr txBox="1"/>
+          <p:nvPr/>
         </p:nvSpPr>
         <p:spPr>
           <a:xfrm>
-            <a:off x="8715375" y="6383338"/>
-            <a:ext cx="428625" cy="365125"/>
-          </a:xfrm>
-        </p:spPr>
-        <p:txBody>
-          <a:bodyPr/>
-          <a:lstStyle/>
-          <a:p>
-            <a:fld id="{AF88E988-FB04-AB4E-BE5A-59F242AF7F7A}" type="slidenum">
-              <a:rPr lang="en-US" smtClean="0"/>
-              <a:pPr/>
-              <a:t>21</a:t>
-            </a:fld>
-            <a:endParaRPr lang="en-US" dirty="0"/>
-          </a:p>
-        </p:txBody>
-      </p:sp>
-      <p:pic>
-        <p:nvPicPr>
-          <p:cNvPr id="6" name="Picture 5" descr="Screenshot 2016-03-01 14.18.29.png"/>
-          <p:cNvPicPr>
-            <a:picLocks noChangeAspect="1"/>
-          </p:cNvPicPr>
-          <p:nvPr/>
-        </p:nvPicPr>
-        <p:blipFill>
-          <a:blip r:embed="rId3">
-            <a:extLst>
-              <a:ext uri="{28A0092B-C50C-407E-A947-70E740481C1C}">
-                <a14:useLocalDpi xmlns:a14="http://schemas.microsoft.com/office/drawing/2010/main" val="0"/>
-              </a:ext>
-            </a:extLst>
-          </a:blip>
-          <a:stretch>
-            <a:fillRect/>
-          </a:stretch>
-        </p:blipFill>
-        <p:spPr>
-          <a:xfrm>
-            <a:off x="1" y="2011125"/>
-            <a:ext cx="8820471" cy="4846875"/>
+            <a:off x="0" y="2564904"/>
+            <a:ext cx="9144000" cy="1446550"/>
           </a:xfrm>
           <a:prstGeom prst="rect">
             <a:avLst/>
           </a:prstGeom>
-        </p:spPr>
-      </p:pic>
+          <a:noFill/>
+        </p:spPr>
+        <p:txBody>
+          <a:bodyPr wrap="square" rtlCol="0">
+            <a:spAutoFit/>
+          </a:bodyPr>
+          <a:lstStyle/>
+          <a:p>
+            <a:pPr algn="ctr"/>
+            <a:r>
+              <a:rPr lang="en-US" sz="8800"/>
+              <a:t>DEMO</a:t>
+            </a:r>
+          </a:p>
+        </p:txBody>
+      </p:sp>
+      <p:sp>
+        <p:nvSpPr>
+          <p:cNvPr id="2" name="Rectangle 1"/>
+          <p:cNvSpPr/>
+          <p:nvPr/>
+        </p:nvSpPr>
+        <p:spPr>
+          <a:xfrm>
+            <a:off x="0" y="4149080"/>
+            <a:ext cx="9144000" cy="584776"/>
+          </a:xfrm>
+          <a:prstGeom prst="rect">
+            <a:avLst/>
+          </a:prstGeom>
+        </p:spPr>
+        <p:txBody>
+          <a:bodyPr wrap="square">
+            <a:spAutoFit/>
+          </a:bodyPr>
+          <a:lstStyle/>
+          <a:p>
+            <a:pPr algn="ctr"/>
+            <a:r>
+              <a:rPr lang="en-US" sz="1600">
+                <a:hlinkClick r:id="rId2"/>
+              </a:rPr>
+              <a:t>https://github.com/jbarrez/beecon-2016-examples/tree/master/pluggable-persistence-example</a:t>
+            </a:r>
+            <a:endParaRPr lang="en-US" sz="1600"/>
+          </a:p>
+          <a:p>
+            <a:pPr algn="ctr"/>
+            <a:endParaRPr lang="en-US" sz="1600"/>
+          </a:p>
+        </p:txBody>
+      </p:sp>
     </p:spTree>
     <p:extLst>
       <p:ext uri="{BB962C8B-B14F-4D97-AF65-F5344CB8AC3E}">
-        <p14:creationId xmlns:p14="http://schemas.microsoft.com/office/powerpoint/2010/main" val="4015527559"/>
+        <p14:creationId xmlns:p14="http://schemas.microsoft.com/office/powerpoint/2010/main" val="2003022070"/>
       </p:ext>
     </p:extLst>
   </p:cSld>
@@ -11083,7 +10526,7 @@
           <a:p>
             <a:r>
               <a:rPr lang="en-US"/>
-              <a:t>Version 6</a:t>
+              <a:t>Backwards Compatibility</a:t>
             </a:r>
           </a:p>
         </p:txBody>
@@ -11101,14 +10544,50 @@
         <p:spPr/>
         <p:txBody>
           <a:bodyPr>
-            <a:normAutofit/>
+            <a:normAutofit fontScale="92500" lnSpcReduction="10000"/>
           </a:bodyPr>
           <a:lstStyle/>
           <a:p>
-            <a:endParaRPr lang="en-US"/>
-          </a:p>
-          <a:p>
-            <a:endParaRPr lang="en-US"/>
+            <a:r>
+              <a:rPr lang="en-US"/>
+              <a:t>API</a:t>
+            </a:r>
+          </a:p>
+          <a:p>
+            <a:r>
+              <a:rPr lang="en-US"/>
+              <a:t>DB Schema</a:t>
+            </a:r>
+          </a:p>
+          <a:p>
+            <a:r>
+              <a:rPr lang="en-US"/>
+              <a:t>Process Definitions</a:t>
+            </a:r>
+          </a:p>
+          <a:p>
+            <a:r>
+              <a:rPr lang="en-US"/>
+              <a:t>Java Delegates</a:t>
+            </a:r>
+          </a:p>
+          <a:p>
+            <a:r>
+              <a:rPr lang="en-US"/>
+              <a:t>Integration with other frameworks (Spring, Camel, …)</a:t>
+            </a:r>
+          </a:p>
+          <a:p>
+            <a:r>
+              <a:rPr lang="en-US"/>
+              <a:t>Embeddability</a:t>
+            </a:r>
+          </a:p>
+          <a:p>
+            <a:r>
+              <a:rPr lang="en-US"/>
+              <a:t>Concepts</a:t>
+            </a:r>
           </a:p>
         </p:txBody>
       </p:sp>
@@ -11141,63 +10620,10 @@
           </a:p>
         </p:txBody>
       </p:sp>
-      <p:pic>
-        <p:nvPicPr>
-          <p:cNvPr id="7" name="Picture 6"/>
-          <p:cNvPicPr>
-            <a:picLocks noChangeAspect="1"/>
-          </p:cNvPicPr>
-          <p:nvPr/>
-        </p:nvPicPr>
-        <p:blipFill>
-          <a:blip r:embed="rId3"/>
-          <a:stretch>
-            <a:fillRect/>
-          </a:stretch>
-        </p:blipFill>
-        <p:spPr>
-          <a:xfrm>
-            <a:off x="539552" y="1772816"/>
-            <a:ext cx="5328592" cy="4955275"/>
-          </a:xfrm>
-          <a:prstGeom prst="rect">
-            <a:avLst/>
-          </a:prstGeom>
-        </p:spPr>
-      </p:pic>
-      <p:sp>
-        <p:nvSpPr>
-          <p:cNvPr id="8" name="TextBox 7"/>
-          <p:cNvSpPr txBox="1"/>
-          <p:nvPr/>
-        </p:nvSpPr>
-        <p:spPr>
-          <a:xfrm>
-            <a:off x="5903867" y="4122613"/>
-            <a:ext cx="1559329" cy="307777"/>
-          </a:xfrm>
-          <a:prstGeom prst="rect">
-            <a:avLst/>
-          </a:prstGeom>
-          <a:noFill/>
-        </p:spPr>
-        <p:txBody>
-          <a:bodyPr wrap="none" rtlCol="0">
-            <a:spAutoFit/>
-          </a:bodyPr>
-          <a:lstStyle/>
-          <a:p>
-            <a:r>
-              <a:rPr lang="en-US" sz="1400"/>
-              <a:t>See TaskEntityImpl</a:t>
-            </a:r>
-          </a:p>
-        </p:txBody>
-      </p:sp>
     </p:spTree>
     <p:extLst>
       <p:ext uri="{BB962C8B-B14F-4D97-AF65-F5344CB8AC3E}">
-        <p14:creationId xmlns:p14="http://schemas.microsoft.com/office/powerpoint/2010/main" val="4216728203"/>
+        <p14:creationId xmlns:p14="http://schemas.microsoft.com/office/powerpoint/2010/main" val="3521891645"/>
       </p:ext>
     </p:extLst>
   </p:cSld>
@@ -11233,80 +10659,159 @@
       </p:grpSpPr>
       <p:sp>
         <p:nvSpPr>
-          <p:cNvPr id="3" name="TextBox 2"/>
-          <p:cNvSpPr txBox="1"/>
-          <p:nvPr/>
+          <p:cNvPr id="2" name="Title 1"/>
+          <p:cNvSpPr>
+            <a:spLocks noGrp="1"/>
+          </p:cNvSpPr>
+          <p:nvPr>
+            <p:ph type="title"/>
+          </p:nvPr>
+        </p:nvSpPr>
+        <p:spPr/>
+        <p:txBody>
+          <a:bodyPr/>
+          <a:lstStyle/>
+          <a:p>
+            <a:r>
+              <a:rPr lang="en-US"/>
+              <a:t>Not backwards compatible?</a:t>
+            </a:r>
+          </a:p>
+        </p:txBody>
+      </p:sp>
+      <p:sp>
+        <p:nvSpPr>
+          <p:cNvPr id="3" name="Content Placeholder 2"/>
+          <p:cNvSpPr>
+            <a:spLocks noGrp="1"/>
+          </p:cNvSpPr>
+          <p:nvPr>
+            <p:ph idx="1"/>
+          </p:nvPr>
+        </p:nvSpPr>
+        <p:spPr/>
+        <p:txBody>
+          <a:bodyPr>
+            <a:normAutofit fontScale="85000" lnSpcReduction="20000"/>
+          </a:bodyPr>
+          <a:lstStyle/>
+          <a:p>
+            <a:r>
+              <a:rPr lang="en-US"/>
+              <a:t>Core changes are in org.activiti.impl</a:t>
+            </a:r>
+          </a:p>
+          <a:p>
+            <a:r>
+              <a:rPr lang="en-US"/>
+              <a:t>Job Executor</a:t>
+            </a:r>
+          </a:p>
+          <a:p>
+            <a:r>
+              <a:rPr lang="en-US"/>
+              <a:t>Minor stuff that is quickly migrated:</a:t>
+            </a:r>
+          </a:p>
+          <a:p>
+            <a:pPr lvl="1"/>
+            <a:r>
+              <a:rPr lang="en-US"/>
+              <a:t>Method signature changed for JavaDelegate/ActivityBehaviour</a:t>
+            </a:r>
+          </a:p>
+          <a:p>
+            <a:pPr lvl="2"/>
+            <a:r>
+              <a:rPr lang="en-US"/>
+              <a:t>‘throws Exception’ is gone</a:t>
+            </a:r>
+          </a:p>
+          <a:p>
+            <a:pPr lvl="1"/>
+            <a:r>
+              <a:rPr lang="en-US"/>
+              <a:t>signal() is now called trigger()</a:t>
+            </a:r>
+          </a:p>
+          <a:p>
+            <a:pPr lvl="1"/>
+            <a:r>
+              <a:rPr lang="en-US"/>
+              <a:t>ActivityBehaviours that use PVM datastructures/methods</a:t>
+            </a:r>
+          </a:p>
+          <a:p>
+            <a:pPr lvl="1"/>
+            <a:r>
+              <a:rPr lang="en-US"/>
+              <a:t>Custom BpmnParseHandlers probably use ActivityImpl</a:t>
+            </a:r>
+          </a:p>
+          <a:p>
+            <a:pPr lvl="1"/>
+            <a:r>
+              <a:rPr lang="en-US"/>
+              <a:t>Assuming that an execution == process instance for simple processes</a:t>
+            </a:r>
+          </a:p>
+          <a:p>
+            <a:endParaRPr lang="en-US"/>
+          </a:p>
+          <a:p>
+            <a:pPr marL="0" indent="0">
+              <a:buNone/>
+            </a:pPr>
+            <a:endParaRPr lang="en-US"/>
+          </a:p>
+        </p:txBody>
+      </p:sp>
+      <p:sp>
+        <p:nvSpPr>
+          <p:cNvPr id="5" name="Slide Number Placeholder 4"/>
+          <p:cNvSpPr>
+            <a:spLocks noGrp="1"/>
+          </p:cNvSpPr>
+          <p:nvPr>
+            <p:ph type="sldNum" sz="quarter" idx="4294967295"/>
+          </p:nvPr>
         </p:nvSpPr>
         <p:spPr>
           <a:xfrm>
-            <a:off x="0" y="2564904"/>
-            <a:ext cx="9144000" cy="1446550"/>
-          </a:xfrm>
-          <a:prstGeom prst="rect">
-            <a:avLst/>
-          </a:prstGeom>
-          <a:noFill/>
-        </p:spPr>
-        <p:txBody>
-          <a:bodyPr wrap="square" rtlCol="0">
-            <a:spAutoFit/>
-          </a:bodyPr>
-          <a:lstStyle/>
-          <a:p>
-            <a:pPr algn="ctr"/>
-            <a:r>
-              <a:rPr lang="en-US" sz="8800"/>
-              <a:t>DEMO</a:t>
-            </a:r>
-          </a:p>
-        </p:txBody>
-      </p:sp>
-      <p:sp>
-        <p:nvSpPr>
-          <p:cNvPr id="2" name="Rectangle 1"/>
-          <p:cNvSpPr/>
-          <p:nvPr/>
-        </p:nvSpPr>
-        <p:spPr>
-          <a:xfrm>
-            <a:off x="0" y="4149080"/>
-            <a:ext cx="9144000" cy="584776"/>
-          </a:xfrm>
-          <a:prstGeom prst="rect">
-            <a:avLst/>
-          </a:prstGeom>
-        </p:spPr>
-        <p:txBody>
-          <a:bodyPr wrap="square">
-            <a:spAutoFit/>
-          </a:bodyPr>
-          <a:lstStyle/>
-          <a:p>
-            <a:pPr algn="ctr"/>
-            <a:r>
-              <a:rPr lang="en-US" sz="1600">
-                <a:hlinkClick r:id="rId2"/>
-              </a:rPr>
-              <a:t>https://github.com/jbarrez/beecon-2016-examples/tree/master/pluggable-persistence-example</a:t>
-            </a:r>
-            <a:endParaRPr lang="en-US" sz="1600"/>
-          </a:p>
-          <a:p>
-            <a:pPr algn="ctr"/>
-            <a:endParaRPr lang="en-US" sz="1600"/>
+            <a:off x="8715375" y="6383338"/>
+            <a:ext cx="428625" cy="365125"/>
+          </a:xfrm>
+        </p:spPr>
+        <p:txBody>
+          <a:bodyPr/>
+          <a:lstStyle/>
+          <a:p>
+            <a:fld id="{AF88E988-FB04-AB4E-BE5A-59F242AF7F7A}" type="slidenum">
+              <a:rPr lang="en-US" smtClean="0"/>
+              <a:pPr/>
+              <a:t>23</a:t>
+            </a:fld>
+            <a:endParaRPr lang="en-US" dirty="0"/>
           </a:p>
         </p:txBody>
       </p:sp>
     </p:spTree>
     <p:extLst>
       <p:ext uri="{BB962C8B-B14F-4D97-AF65-F5344CB8AC3E}">
-        <p14:creationId xmlns:p14="http://schemas.microsoft.com/office/powerpoint/2010/main" val="2003022070"/>
+        <p14:creationId xmlns:p14="http://schemas.microsoft.com/office/powerpoint/2010/main" val="737131201"/>
       </p:ext>
     </p:extLst>
   </p:cSld>
   <p:clrMapOvr>
     <a:masterClrMapping/>
   </p:clrMapOvr>
+  <p:timing>
+    <p:tnLst>
+      <p:par>
+        <p:cTn xmlns:p14="http://schemas.microsoft.com/office/powerpoint/2010/main" id="1" dur="indefinite" restart="never" nodeType="tmRoot"/>
+      </p:par>
+    </p:tnLst>
+  </p:timing>
 </p:sld>
 </file>
 
@@ -11344,7 +10849,7 @@
           <a:p>
             <a:r>
               <a:rPr lang="en-US"/>
-              <a:t>Backwards Compatibility</a:t>
+              <a:t>Just drop the jar</a:t>
             </a:r>
           </a:p>
         </p:txBody>
@@ -11362,50 +10867,94 @@
         <p:spPr/>
         <p:txBody>
           <a:bodyPr>
-            <a:normAutofit fontScale="92500" lnSpcReduction="10000"/>
+            <a:normAutofit lnSpcReduction="10000"/>
           </a:bodyPr>
           <a:lstStyle/>
           <a:p>
             <a:r>
               <a:rPr lang="en-US"/>
-              <a:t>API</a:t>
-            </a:r>
-          </a:p>
-          <a:p>
-            <a:r>
-              <a:rPr lang="en-US"/>
-              <a:t>DB Schema</a:t>
-            </a:r>
-          </a:p>
-          <a:p>
-            <a:r>
-              <a:rPr lang="en-US"/>
-              <a:t>Process Definitions</a:t>
-            </a:r>
-          </a:p>
-          <a:p>
-            <a:r>
-              <a:rPr lang="en-US"/>
-              <a:t>Java Delegates</a:t>
-            </a:r>
-          </a:p>
-          <a:p>
-            <a:r>
-              <a:rPr lang="en-US"/>
-              <a:t>Integration with other frameworks (Spring, Camel, …)</a:t>
-            </a:r>
-          </a:p>
-          <a:p>
-            <a:r>
-              <a:rPr lang="en-US"/>
-              <a:t>Embeddability</a:t>
-            </a:r>
-          </a:p>
-          <a:p>
-            <a:r>
-              <a:rPr lang="en-US"/>
-              <a:t>Concepts</a:t>
-            </a:r>
+              <a:t>The upgrade of 5.x.x </a:t>
+            </a:r>
+            <a:r>
+              <a:rPr lang="en-US">
+                <a:sym typeface="Wingdings"/>
+              </a:rPr>
+              <a:t> 6.0.0 is like any regular Activiti update</a:t>
+            </a:r>
+          </a:p>
+          <a:p>
+            <a:endParaRPr lang="en-US">
+              <a:sym typeface="Wingdings"/>
+            </a:endParaRPr>
+          </a:p>
+          <a:p>
+            <a:r>
+              <a:rPr lang="en-US">
+                <a:sym typeface="Wingdings"/>
+              </a:rPr>
+              <a:t>Drop jar, auto upgrade db (or execute DDL changes)</a:t>
+            </a:r>
+          </a:p>
+          <a:p>
+            <a:endParaRPr lang="en-US">
+              <a:sym typeface="Wingdings"/>
+            </a:endParaRPr>
+          </a:p>
+          <a:p>
+            <a:r>
+              <a:rPr lang="en-US">
+                <a:sym typeface="Wingdings"/>
+              </a:rPr>
+              <a:t>During that upgrade, existing deployments are </a:t>
+            </a:r>
+            <a:r>
+              <a:rPr lang="en-US" b="1">
+                <a:sym typeface="Wingdings"/>
+              </a:rPr>
+              <a:t>tagged</a:t>
+            </a:r>
+            <a:r>
+              <a:rPr lang="en-US">
+                <a:sym typeface="Wingdings"/>
+              </a:rPr>
+              <a:t> with ‘</a:t>
+            </a:r>
+            <a:r>
+              <a:rPr lang="en-US" b="1">
+                <a:sym typeface="Wingdings"/>
+              </a:rPr>
+              <a:t>V5</a:t>
+            </a:r>
+            <a:r>
+              <a:rPr lang="en-US">
+                <a:sym typeface="Wingdings"/>
+              </a:rPr>
+              <a:t>’</a:t>
+            </a:r>
+          </a:p>
+          <a:p>
+            <a:pPr marL="0" indent="0">
+              <a:buNone/>
+            </a:pPr>
+            <a:endParaRPr lang="en-US">
+              <a:sym typeface="Wingdings"/>
+            </a:endParaRPr>
+          </a:p>
+          <a:p>
+            <a:pPr marL="0" indent="0">
+              <a:buNone/>
+            </a:pPr>
+            <a:endParaRPr lang="en-US">
+              <a:sym typeface="Wingdings"/>
+            </a:endParaRPr>
+          </a:p>
+          <a:p>
+            <a:pPr marL="0" indent="0">
+              <a:buNone/>
+            </a:pPr>
+            <a:endParaRPr lang="en-US">
+              <a:sym typeface="Wingdings"/>
+            </a:endParaRPr>
           </a:p>
         </p:txBody>
       </p:sp>
@@ -11441,7 +10990,7 @@
     </p:spTree>
     <p:extLst>
       <p:ext uri="{BB962C8B-B14F-4D97-AF65-F5344CB8AC3E}">
-        <p14:creationId xmlns:p14="http://schemas.microsoft.com/office/powerpoint/2010/main" val="3521891645"/>
+        <p14:creationId xmlns:p14="http://schemas.microsoft.com/office/powerpoint/2010/main" val="1810071368"/>
       </p:ext>
     </p:extLst>
   </p:cSld>
@@ -11477,122 +11026,6 @@
       </p:grpSpPr>
       <p:sp>
         <p:nvSpPr>
-          <p:cNvPr id="2" name="Title 1"/>
-          <p:cNvSpPr>
-            <a:spLocks noGrp="1"/>
-          </p:cNvSpPr>
-          <p:nvPr>
-            <p:ph type="title"/>
-          </p:nvPr>
-        </p:nvSpPr>
-        <p:spPr/>
-        <p:txBody>
-          <a:bodyPr/>
-          <a:lstStyle/>
-          <a:p>
-            <a:r>
-              <a:rPr lang="en-US"/>
-              <a:t>Not backwards compatible?</a:t>
-            </a:r>
-          </a:p>
-        </p:txBody>
-      </p:sp>
-      <p:sp>
-        <p:nvSpPr>
-          <p:cNvPr id="3" name="Content Placeholder 2"/>
-          <p:cNvSpPr>
-            <a:spLocks noGrp="1"/>
-          </p:cNvSpPr>
-          <p:nvPr>
-            <p:ph idx="1"/>
-          </p:nvPr>
-        </p:nvSpPr>
-        <p:spPr/>
-        <p:txBody>
-          <a:bodyPr>
-            <a:normAutofit fontScale="77500" lnSpcReduction="20000"/>
-          </a:bodyPr>
-          <a:lstStyle/>
-          <a:p>
-            <a:r>
-              <a:rPr lang="en-US"/>
-              <a:t>Core changes are in org.activiti.impl</a:t>
-            </a:r>
-          </a:p>
-          <a:p>
-            <a:r>
-              <a:rPr lang="en-US"/>
-              <a:t>Job Executor</a:t>
-            </a:r>
-          </a:p>
-          <a:p>
-            <a:r>
-              <a:rPr lang="en-US"/>
-              <a:t>Minor stuff that is quickly migrated:</a:t>
-            </a:r>
-          </a:p>
-          <a:p>
-            <a:pPr lvl="1"/>
-            <a:r>
-              <a:rPr lang="en-US"/>
-              <a:t>Method signature changed for JavaDelegate/ActivityBehaviour</a:t>
-            </a:r>
-          </a:p>
-          <a:p>
-            <a:pPr lvl="2"/>
-            <a:r>
-              <a:rPr lang="en-US"/>
-              <a:t>‘throws Exception’ is gone</a:t>
-            </a:r>
-          </a:p>
-          <a:p>
-            <a:pPr lvl="1"/>
-            <a:r>
-              <a:rPr lang="en-US"/>
-              <a:t>signal() is now called trigger()</a:t>
-            </a:r>
-          </a:p>
-          <a:p>
-            <a:pPr lvl="1"/>
-            <a:r>
-              <a:rPr lang="en-US"/>
-              <a:t>ActivityBehaviours that use PVM datastructures/methods</a:t>
-            </a:r>
-          </a:p>
-          <a:p>
-            <a:pPr lvl="1"/>
-            <a:r>
-              <a:rPr lang="en-US"/>
-              <a:t>Custom BpmnParseHandlers probably use ActivityImpl</a:t>
-            </a:r>
-          </a:p>
-          <a:p>
-            <a:pPr lvl="1"/>
-            <a:r>
-              <a:rPr lang="en-US"/>
-              <a:t>Execution queries that depend on a certain number of executions</a:t>
-            </a:r>
-          </a:p>
-          <a:p>
-            <a:pPr lvl="1"/>
-            <a:r>
-              <a:rPr lang="en-US"/>
-              <a:t>Assuming that an execution == process instance for simple processes</a:t>
-            </a:r>
-          </a:p>
-          <a:p>
-            <a:endParaRPr lang="en-US"/>
-          </a:p>
-          <a:p>
-            <a:pPr marL="0" indent="0">
-              <a:buNone/>
-            </a:pPr>
-            <a:endParaRPr lang="en-US"/>
-          </a:p>
-        </p:txBody>
-      </p:sp>
-      <p:sp>
-        <p:nvSpPr>
           <p:cNvPr id="5" name="Slide Number Placeholder 4"/>
           <p:cNvSpPr>
             <a:spLocks noGrp="1"/>
@@ -11615,264 +11048,6 @@
               <a:rPr lang="en-US" smtClean="0"/>
               <a:pPr/>
               <a:t>25</a:t>
-            </a:fld>
-            <a:endParaRPr lang="en-US" dirty="0"/>
-          </a:p>
-        </p:txBody>
-      </p:sp>
-    </p:spTree>
-    <p:extLst>
-      <p:ext uri="{BB962C8B-B14F-4D97-AF65-F5344CB8AC3E}">
-        <p14:creationId xmlns:p14="http://schemas.microsoft.com/office/powerpoint/2010/main" val="737131201"/>
-      </p:ext>
-    </p:extLst>
-  </p:cSld>
-  <p:clrMapOvr>
-    <a:masterClrMapping/>
-  </p:clrMapOvr>
-  <p:timing>
-    <p:tnLst>
-      <p:par>
-        <p:cTn xmlns:p14="http://schemas.microsoft.com/office/powerpoint/2010/main" id="1" dur="indefinite" restart="never" nodeType="tmRoot"/>
-      </p:par>
-    </p:tnLst>
-  </p:timing>
-</p:sld>
-</file>
-
-<file path=ppt/slides/slide26.xml><?xml version="1.0" encoding="utf-8"?>
-<p:sld xmlns:a="http://schemas.openxmlformats.org/drawingml/2006/main" xmlns:r="http://schemas.openxmlformats.org/officeDocument/2006/relationships" xmlns:p="http://schemas.openxmlformats.org/presentationml/2006/main">
-  <p:cSld>
-    <p:spTree>
-      <p:nvGrpSpPr>
-        <p:cNvPr id="1" name=""/>
-        <p:cNvGrpSpPr/>
-        <p:nvPr/>
-      </p:nvGrpSpPr>
-      <p:grpSpPr>
-        <a:xfrm>
-          <a:off x="0" y="0"/>
-          <a:ext cx="0" cy="0"/>
-          <a:chOff x="0" y="0"/>
-          <a:chExt cx="0" cy="0"/>
-        </a:xfrm>
-      </p:grpSpPr>
-      <p:sp>
-        <p:nvSpPr>
-          <p:cNvPr id="2" name="Title 1"/>
-          <p:cNvSpPr>
-            <a:spLocks noGrp="1"/>
-          </p:cNvSpPr>
-          <p:nvPr>
-            <p:ph type="title"/>
-          </p:nvPr>
-        </p:nvSpPr>
-        <p:spPr/>
-        <p:txBody>
-          <a:bodyPr/>
-          <a:lstStyle/>
-          <a:p>
-            <a:r>
-              <a:rPr lang="en-US"/>
-              <a:t>Just drop the jar</a:t>
-            </a:r>
-          </a:p>
-        </p:txBody>
-      </p:sp>
-      <p:sp>
-        <p:nvSpPr>
-          <p:cNvPr id="3" name="Content Placeholder 2"/>
-          <p:cNvSpPr>
-            <a:spLocks noGrp="1"/>
-          </p:cNvSpPr>
-          <p:nvPr>
-            <p:ph idx="1"/>
-          </p:nvPr>
-        </p:nvSpPr>
-        <p:spPr/>
-        <p:txBody>
-          <a:bodyPr>
-            <a:normAutofit lnSpcReduction="10000"/>
-          </a:bodyPr>
-          <a:lstStyle/>
-          <a:p>
-            <a:r>
-              <a:rPr lang="en-US"/>
-              <a:t>The upgrade of 5.x.x </a:t>
-            </a:r>
-            <a:r>
-              <a:rPr lang="en-US">
-                <a:sym typeface="Wingdings"/>
-              </a:rPr>
-              <a:t> 6.0.0 is like any regular Activiti update</a:t>
-            </a:r>
-          </a:p>
-          <a:p>
-            <a:endParaRPr lang="en-US">
-              <a:sym typeface="Wingdings"/>
-            </a:endParaRPr>
-          </a:p>
-          <a:p>
-            <a:r>
-              <a:rPr lang="en-US">
-                <a:sym typeface="Wingdings"/>
-              </a:rPr>
-              <a:t>Drop jar, auto upgrade db (or execute DDL changes)</a:t>
-            </a:r>
-          </a:p>
-          <a:p>
-            <a:endParaRPr lang="en-US">
-              <a:sym typeface="Wingdings"/>
-            </a:endParaRPr>
-          </a:p>
-          <a:p>
-            <a:r>
-              <a:rPr lang="en-US">
-                <a:sym typeface="Wingdings"/>
-              </a:rPr>
-              <a:t>During that upgrade, existing deployments are </a:t>
-            </a:r>
-            <a:r>
-              <a:rPr lang="en-US" b="1">
-                <a:sym typeface="Wingdings"/>
-              </a:rPr>
-              <a:t>tagged</a:t>
-            </a:r>
-            <a:r>
-              <a:rPr lang="en-US">
-                <a:sym typeface="Wingdings"/>
-              </a:rPr>
-              <a:t> with ‘</a:t>
-            </a:r>
-            <a:r>
-              <a:rPr lang="en-US" b="1">
-                <a:sym typeface="Wingdings"/>
-              </a:rPr>
-              <a:t>V5</a:t>
-            </a:r>
-            <a:r>
-              <a:rPr lang="en-US">
-                <a:sym typeface="Wingdings"/>
-              </a:rPr>
-              <a:t>’</a:t>
-            </a:r>
-          </a:p>
-          <a:p>
-            <a:pPr marL="0" indent="0">
-              <a:buNone/>
-            </a:pPr>
-            <a:endParaRPr lang="en-US">
-              <a:sym typeface="Wingdings"/>
-            </a:endParaRPr>
-          </a:p>
-          <a:p>
-            <a:pPr marL="0" indent="0">
-              <a:buNone/>
-            </a:pPr>
-            <a:endParaRPr lang="en-US">
-              <a:sym typeface="Wingdings"/>
-            </a:endParaRPr>
-          </a:p>
-          <a:p>
-            <a:pPr marL="0" indent="0">
-              <a:buNone/>
-            </a:pPr>
-            <a:endParaRPr lang="en-US">
-              <a:sym typeface="Wingdings"/>
-            </a:endParaRPr>
-          </a:p>
-        </p:txBody>
-      </p:sp>
-      <p:sp>
-        <p:nvSpPr>
-          <p:cNvPr id="5" name="Slide Number Placeholder 4"/>
-          <p:cNvSpPr>
-            <a:spLocks noGrp="1"/>
-          </p:cNvSpPr>
-          <p:nvPr>
-            <p:ph type="sldNum" sz="quarter" idx="4294967295"/>
-          </p:nvPr>
-        </p:nvSpPr>
-        <p:spPr>
-          <a:xfrm>
-            <a:off x="8715375" y="6383338"/>
-            <a:ext cx="428625" cy="365125"/>
-          </a:xfrm>
-        </p:spPr>
-        <p:txBody>
-          <a:bodyPr/>
-          <a:lstStyle/>
-          <a:p>
-            <a:fld id="{AF88E988-FB04-AB4E-BE5A-59F242AF7F7A}" type="slidenum">
-              <a:rPr lang="en-US" smtClean="0"/>
-              <a:pPr/>
-              <a:t>26</a:t>
-            </a:fld>
-            <a:endParaRPr lang="en-US" dirty="0"/>
-          </a:p>
-        </p:txBody>
-      </p:sp>
-    </p:spTree>
-    <p:extLst>
-      <p:ext uri="{BB962C8B-B14F-4D97-AF65-F5344CB8AC3E}">
-        <p14:creationId xmlns:p14="http://schemas.microsoft.com/office/powerpoint/2010/main" val="1810071368"/>
-      </p:ext>
-    </p:extLst>
-  </p:cSld>
-  <p:clrMapOvr>
-    <a:masterClrMapping/>
-  </p:clrMapOvr>
-  <p:timing>
-    <p:tnLst>
-      <p:par>
-        <p:cTn xmlns:p14="http://schemas.microsoft.com/office/powerpoint/2010/main" id="1" dur="indefinite" restart="never" nodeType="tmRoot"/>
-      </p:par>
-    </p:tnLst>
-  </p:timing>
-</p:sld>
-</file>
-
-<file path=ppt/slides/slide27.xml><?xml version="1.0" encoding="utf-8"?>
-<p:sld xmlns:a="http://schemas.openxmlformats.org/drawingml/2006/main" xmlns:r="http://schemas.openxmlformats.org/officeDocument/2006/relationships" xmlns:p="http://schemas.openxmlformats.org/presentationml/2006/main">
-  <p:cSld>
-    <p:spTree>
-      <p:nvGrpSpPr>
-        <p:cNvPr id="1" name=""/>
-        <p:cNvGrpSpPr/>
-        <p:nvPr/>
-      </p:nvGrpSpPr>
-      <p:grpSpPr>
-        <a:xfrm>
-          <a:off x="0" y="0"/>
-          <a:ext cx="0" cy="0"/>
-          <a:chOff x="0" y="0"/>
-          <a:chExt cx="0" cy="0"/>
-        </a:xfrm>
-      </p:grpSpPr>
-      <p:sp>
-        <p:nvSpPr>
-          <p:cNvPr id="5" name="Slide Number Placeholder 4"/>
-          <p:cNvSpPr>
-            <a:spLocks noGrp="1"/>
-          </p:cNvSpPr>
-          <p:nvPr>
-            <p:ph type="sldNum" sz="quarter" idx="4294967295"/>
-          </p:nvPr>
-        </p:nvSpPr>
-        <p:spPr>
-          <a:xfrm>
-            <a:off x="8715375" y="6383338"/>
-            <a:ext cx="428625" cy="365125"/>
-          </a:xfrm>
-        </p:spPr>
-        <p:txBody>
-          <a:bodyPr/>
-          <a:lstStyle/>
-          <a:p>
-            <a:fld id="{AF88E988-FB04-AB4E-BE5A-59F242AF7F7A}" type="slidenum">
-              <a:rPr lang="en-US" smtClean="0"/>
-              <a:pPr/>
-              <a:t>27</a:t>
             </a:fld>
             <a:endParaRPr lang="en-US" dirty="0"/>
           </a:p>
@@ -12402,7 +11577,7 @@
             <a:pPr algn="ctr"/>
             <a:r>
               <a:rPr lang="en-US" sz="1200"/>
-              <a:t>ExecuteV5 process instance</a:t>
+              <a:t>Execute V5 process instance</a:t>
             </a:r>
           </a:p>
         </p:txBody>
@@ -12535,118 +11710,6 @@
               <a:buChar char="•"/>
             </a:pPr>
             <a:endParaRPr lang="en-US" sz="1100"/>
-          </a:p>
-        </p:txBody>
-      </p:sp>
-      <p:sp>
-        <p:nvSpPr>
-          <p:cNvPr id="44" name="TextBox 43"/>
-          <p:cNvSpPr txBox="1"/>
-          <p:nvPr/>
-        </p:nvSpPr>
-        <p:spPr>
-          <a:xfrm>
-            <a:off x="6692900" y="2416292"/>
-            <a:ext cx="1172664" cy="253916"/>
-          </a:xfrm>
-          <a:prstGeom prst="rect">
-            <a:avLst/>
-          </a:prstGeom>
-          <a:noFill/>
-        </p:spPr>
-        <p:txBody>
-          <a:bodyPr wrap="none" rtlCol="0">
-            <a:spAutoFit/>
-          </a:bodyPr>
-          <a:lstStyle/>
-          <a:p>
-            <a:r>
-              <a:rPr lang="en-US" sz="1050"/>
-              <a:t>Shared resources! </a:t>
-            </a:r>
-          </a:p>
-        </p:txBody>
-      </p:sp>
-      <p:sp>
-        <p:nvSpPr>
-          <p:cNvPr id="47" name="Freeform 46"/>
-          <p:cNvSpPr/>
-          <p:nvPr/>
-        </p:nvSpPr>
-        <p:spPr>
-          <a:xfrm>
-            <a:off x="6159500" y="2700867"/>
-            <a:ext cx="692150" cy="251095"/>
-          </a:xfrm>
-          <a:custGeom>
-            <a:avLst/>
-            <a:gdLst>
-              <a:gd name="connsiteX0" fmla="*/ 0 w 692150"/>
-              <a:gd name="connsiteY0" fmla="*/ 152400 h 188321"/>
-              <a:gd name="connsiteX1" fmla="*/ 444500 w 692150"/>
-              <a:gd name="connsiteY1" fmla="*/ 177800 h 188321"/>
-              <a:gd name="connsiteX2" fmla="*/ 692150 w 692150"/>
-              <a:gd name="connsiteY2" fmla="*/ 0 h 188321"/>
-            </a:gdLst>
-            <a:ahLst/>
-            <a:cxnLst>
-              <a:cxn ang="0">
-                <a:pos x="connsiteX0" y="connsiteY0"/>
-              </a:cxn>
-              <a:cxn ang="0">
-                <a:pos x="connsiteX1" y="connsiteY1"/>
-              </a:cxn>
-              <a:cxn ang="0">
-                <a:pos x="connsiteX2" y="connsiteY2"/>
-              </a:cxn>
-            </a:cxnLst>
-            <a:rect l="l" t="t" r="r" b="b"/>
-            <a:pathLst>
-              <a:path w="692150" h="188321">
-                <a:moveTo>
-                  <a:pt x="0" y="152400"/>
-                </a:moveTo>
-                <a:cubicBezTo>
-                  <a:pt x="164571" y="177800"/>
-                  <a:pt x="329142" y="203200"/>
-                  <a:pt x="444500" y="177800"/>
-                </a:cubicBezTo>
-                <a:cubicBezTo>
-                  <a:pt x="559858" y="152400"/>
-                  <a:pt x="626004" y="76200"/>
-                  <a:pt x="692150" y="0"/>
-                </a:cubicBezTo>
-              </a:path>
-            </a:pathLst>
-          </a:custGeom>
-          <a:ln w="12700">
-            <a:solidFill>
-              <a:schemeClr val="accent3"/>
-            </a:solidFill>
-            <a:prstDash val="sysDash"/>
-            <a:tailEnd type="triangle"/>
-          </a:ln>
-        </p:spPr>
-        <p:style>
-          <a:lnRef idx="2">
-            <a:schemeClr val="accent1"/>
-          </a:lnRef>
-          <a:fillRef idx="0">
-            <a:schemeClr val="accent1"/>
-          </a:fillRef>
-          <a:effectRef idx="1">
-            <a:schemeClr val="accent1"/>
-          </a:effectRef>
-          <a:fontRef idx="minor">
-            <a:schemeClr val="tx1"/>
-          </a:fontRef>
-        </p:style>
-        <p:txBody>
-          <a:bodyPr rtlCol="0" anchor="ctr"/>
-          <a:lstStyle/>
-          <a:p>
-            <a:pPr algn="ctr"/>
-            <a:endParaRPr lang="en-US"/>
           </a:p>
         </p:txBody>
       </p:sp>
@@ -12726,7 +11789,7 @@
                             </p:stCondLst>
                             <p:childTnLst>
                               <p:par>
-                                <p:cTn id="9" presetID="1" presetClass="entr" presetSubtype="0" fill="hold" grpId="0" nodeType="clickEffect">
+                                <p:cTn id="9" presetID="1" presetClass="entr" presetSubtype="0" fill="hold" nodeType="clickEffect">
                                   <p:stCondLst>
                                     <p:cond delay="0"/>
                                   </p:stCondLst>
@@ -12739,7 +11802,7 @@
                                           </p:stCondLst>
                                         </p:cTn>
                                         <p:tgtEl>
-                                          <p:spTgt spid="44"/>
+                                          <p:spTgt spid="21"/>
                                         </p:tgtEl>
                                         <p:attrNameLst>
                                           <p:attrName>style.visibility</p:attrName>
@@ -12753,7 +11816,7 @@
                                 </p:cTn>
                               </p:par>
                               <p:par>
-                                <p:cTn id="11" presetID="1" presetClass="entr" presetSubtype="0" fill="hold" grpId="0" nodeType="withEffect">
+                                <p:cTn id="11" presetID="1" presetClass="entr" presetSubtype="0" fill="hold" nodeType="withEffect">
                                   <p:stCondLst>
                                     <p:cond delay="0"/>
                                   </p:stCondLst>
@@ -12766,7 +11829,61 @@
                                           </p:stCondLst>
                                         </p:cTn>
                                         <p:tgtEl>
-                                          <p:spTgt spid="47"/>
+                                          <p:spTgt spid="20"/>
+                                        </p:tgtEl>
+                                        <p:attrNameLst>
+                                          <p:attrName>style.visibility</p:attrName>
+                                        </p:attrNameLst>
+                                      </p:cBhvr>
+                                      <p:to>
+                                        <p:strVal val="visible"/>
+                                      </p:to>
+                                    </p:set>
+                                  </p:childTnLst>
+                                </p:cTn>
+                              </p:par>
+                              <p:par>
+                                <p:cTn id="13" presetID="1" presetClass="entr" presetSubtype="0" fill="hold" nodeType="withEffect">
+                                  <p:stCondLst>
+                                    <p:cond delay="0"/>
+                                  </p:stCondLst>
+                                  <p:childTnLst>
+                                    <p:set>
+                                      <p:cBhvr>
+                                        <p:cTn id="14" dur="1" fill="hold">
+                                          <p:stCondLst>
+                                            <p:cond delay="0"/>
+                                          </p:stCondLst>
+                                        </p:cTn>
+                                        <p:tgtEl>
+                                          <p:spTgt spid="26"/>
+                                        </p:tgtEl>
+                                        <p:attrNameLst>
+                                          <p:attrName>style.visibility</p:attrName>
+                                        </p:attrNameLst>
+                                      </p:cBhvr>
+                                      <p:to>
+                                        <p:strVal val="visible"/>
+                                      </p:to>
+                                    </p:set>
+                                  </p:childTnLst>
+                                </p:cTn>
+                              </p:par>
+                              <p:par>
+                                <p:cTn id="15" presetID="1" presetClass="entr" presetSubtype="0" fill="hold" grpId="0" nodeType="withEffect">
+                                  <p:stCondLst>
+                                    <p:cond delay="0"/>
+                                  </p:stCondLst>
+                                  <p:childTnLst>
+                                    <p:set>
+                                      <p:cBhvr>
+                                        <p:cTn id="16" dur="1" fill="hold">
+                                          <p:stCondLst>
+                                            <p:cond delay="0"/>
+                                          </p:stCondLst>
+                                        </p:cTn>
+                                        <p:tgtEl>
+                                          <p:spTgt spid="27"/>
                                         </p:tgtEl>
                                         <p:attrNameLst>
                                           <p:attrName>style.visibility</p:attrName>
@@ -12786,73 +11903,19 @@
                     </p:cTn>
                   </p:par>
                   <p:par>
-                    <p:cTn id="13" fill="hold">
+                    <p:cTn id="17" fill="hold">
                       <p:stCondLst>
                         <p:cond delay="indefinite"/>
                       </p:stCondLst>
                       <p:childTnLst>
                         <p:par>
-                          <p:cTn id="14" fill="hold">
+                          <p:cTn id="18" fill="hold">
                             <p:stCondLst>
                               <p:cond delay="0"/>
                             </p:stCondLst>
                             <p:childTnLst>
                               <p:par>
-                                <p:cTn id="15" presetID="1" presetClass="entr" presetSubtype="0" fill="hold" nodeType="clickEffect">
-                                  <p:stCondLst>
-                                    <p:cond delay="0"/>
-                                  </p:stCondLst>
-                                  <p:childTnLst>
-                                    <p:set>
-                                      <p:cBhvr>
-                                        <p:cTn id="16" dur="1" fill="hold">
-                                          <p:stCondLst>
-                                            <p:cond delay="0"/>
-                                          </p:stCondLst>
-                                        </p:cTn>
-                                        <p:tgtEl>
-                                          <p:spTgt spid="21"/>
-                                        </p:tgtEl>
-                                        <p:attrNameLst>
-                                          <p:attrName>style.visibility</p:attrName>
-                                        </p:attrNameLst>
-                                      </p:cBhvr>
-                                      <p:to>
-                                        <p:strVal val="visible"/>
-                                      </p:to>
-                                    </p:set>
-                                  </p:childTnLst>
-                                </p:cTn>
-                              </p:par>
-                              <p:par>
-                                <p:cTn id="17" presetID="1" presetClass="entr" presetSubtype="0" fill="hold" nodeType="withEffect">
-                                  <p:stCondLst>
-                                    <p:cond delay="0"/>
-                                  </p:stCondLst>
-                                  <p:childTnLst>
-                                    <p:set>
-                                      <p:cBhvr>
-                                        <p:cTn id="18" dur="1" fill="hold">
-                                          <p:stCondLst>
-                                            <p:cond delay="0"/>
-                                          </p:stCondLst>
-                                        </p:cTn>
-                                        <p:tgtEl>
-                                          <p:spTgt spid="20"/>
-                                        </p:tgtEl>
-                                        <p:attrNameLst>
-                                          <p:attrName>style.visibility</p:attrName>
-                                        </p:attrNameLst>
-                                      </p:cBhvr>
-                                      <p:to>
-                                        <p:strVal val="visible"/>
-                                      </p:to>
-                                    </p:set>
-                                  </p:childTnLst>
-                                </p:cTn>
-                              </p:par>
-                              <p:par>
-                                <p:cTn id="19" presetID="1" presetClass="entr" presetSubtype="0" fill="hold" nodeType="withEffect">
+                                <p:cTn id="19" presetID="1" presetClass="entr" presetSubtype="0" fill="hold" grpId="0" nodeType="clickEffect">
                                   <p:stCondLst>
                                     <p:cond delay="0"/>
                                   </p:stCondLst>
@@ -12865,7 +11928,7 @@
                                           </p:stCondLst>
                                         </p:cTn>
                                         <p:tgtEl>
-                                          <p:spTgt spid="26"/>
+                                          <p:spTgt spid="36"/>
                                         </p:tgtEl>
                                         <p:attrNameLst>
                                           <p:attrName>style.visibility</p:attrName>
@@ -12892,7 +11955,7 @@
                                           </p:stCondLst>
                                         </p:cTn>
                                         <p:tgtEl>
-                                          <p:spTgt spid="27"/>
+                                          <p:spTgt spid="32"/>
                                         </p:tgtEl>
                                         <p:attrNameLst>
                                           <p:attrName>style.visibility</p:attrName>
@@ -12924,7 +11987,7 @@
                             </p:stCondLst>
                             <p:childTnLst>
                               <p:par>
-                                <p:cTn id="25" presetID="1" presetClass="entr" presetSubtype="0" fill="hold" grpId="0" nodeType="clickEffect">
+                                <p:cTn id="25" presetID="1" presetClass="entr" presetSubtype="0" fill="hold" nodeType="clickEffect">
                                   <p:stCondLst>
                                     <p:cond delay="0"/>
                                   </p:stCondLst>
@@ -12937,7 +12000,7 @@
                                           </p:stCondLst>
                                         </p:cTn>
                                         <p:tgtEl>
-                                          <p:spTgt spid="36"/>
+                                          <p:spTgt spid="41"/>
                                         </p:tgtEl>
                                         <p:attrNameLst>
                                           <p:attrName>style.visibility</p:attrName>
@@ -12964,7 +12027,7 @@
                                           </p:stCondLst>
                                         </p:cTn>
                                         <p:tgtEl>
-                                          <p:spTgt spid="32"/>
+                                          <p:spTgt spid="39"/>
                                         </p:tgtEl>
                                         <p:attrNameLst>
                                           <p:attrName>style.visibility</p:attrName>
@@ -12996,7 +12059,7 @@
                             </p:stCondLst>
                             <p:childTnLst>
                               <p:par>
-                                <p:cTn id="31" presetID="1" presetClass="entr" presetSubtype="0" fill="hold" nodeType="clickEffect">
+                                <p:cTn id="31" presetID="1" presetClass="entr" presetSubtype="0" fill="hold" grpId="0" nodeType="clickEffect">
                                   <p:stCondLst>
                                     <p:cond delay="0"/>
                                   </p:stCondLst>
@@ -13004,78 +12067,6 @@
                                     <p:set>
                                       <p:cBhvr>
                                         <p:cTn id="32" dur="1" fill="hold">
-                                          <p:stCondLst>
-                                            <p:cond delay="0"/>
-                                          </p:stCondLst>
-                                        </p:cTn>
-                                        <p:tgtEl>
-                                          <p:spTgt spid="41"/>
-                                        </p:tgtEl>
-                                        <p:attrNameLst>
-                                          <p:attrName>style.visibility</p:attrName>
-                                        </p:attrNameLst>
-                                      </p:cBhvr>
-                                      <p:to>
-                                        <p:strVal val="visible"/>
-                                      </p:to>
-                                    </p:set>
-                                  </p:childTnLst>
-                                </p:cTn>
-                              </p:par>
-                              <p:par>
-                                <p:cTn id="33" presetID="1" presetClass="entr" presetSubtype="0" fill="hold" grpId="0" nodeType="withEffect">
-                                  <p:stCondLst>
-                                    <p:cond delay="0"/>
-                                  </p:stCondLst>
-                                  <p:childTnLst>
-                                    <p:set>
-                                      <p:cBhvr>
-                                        <p:cTn id="34" dur="1" fill="hold">
-                                          <p:stCondLst>
-                                            <p:cond delay="0"/>
-                                          </p:stCondLst>
-                                        </p:cTn>
-                                        <p:tgtEl>
-                                          <p:spTgt spid="39"/>
-                                        </p:tgtEl>
-                                        <p:attrNameLst>
-                                          <p:attrName>style.visibility</p:attrName>
-                                        </p:attrNameLst>
-                                      </p:cBhvr>
-                                      <p:to>
-                                        <p:strVal val="visible"/>
-                                      </p:to>
-                                    </p:set>
-                                  </p:childTnLst>
-                                </p:cTn>
-                              </p:par>
-                            </p:childTnLst>
-                          </p:cTn>
-                        </p:par>
-                      </p:childTnLst>
-                    </p:cTn>
-                  </p:par>
-                  <p:par>
-                    <p:cTn id="35" fill="hold">
-                      <p:stCondLst>
-                        <p:cond delay="indefinite"/>
-                      </p:stCondLst>
-                      <p:childTnLst>
-                        <p:par>
-                          <p:cTn id="36" fill="hold">
-                            <p:stCondLst>
-                              <p:cond delay="0"/>
-                            </p:stCondLst>
-                            <p:childTnLst>
-                              <p:par>
-                                <p:cTn id="37" presetID="1" presetClass="entr" presetSubtype="0" fill="hold" grpId="0" nodeType="clickEffect">
-                                  <p:stCondLst>
-                                    <p:cond delay="0"/>
-                                  </p:stCondLst>
-                                  <p:childTnLst>
-                                    <p:set>
-                                      <p:cBhvr>
-                                        <p:cTn id="38" dur="1" fill="hold">
                                           <p:stCondLst>
                                             <p:cond delay="0"/>
                                           </p:stCondLst>
@@ -13128,9 +12119,279 @@
       <p:bldP spid="36" grpId="0" animBg="1"/>
       <p:bldP spid="39" grpId="0" animBg="1"/>
       <p:bldP spid="43" grpId="0"/>
-      <p:bldP spid="44" grpId="0"/>
-      <p:bldP spid="47" grpId="0" animBg="1"/>
     </p:bldLst>
+  </p:timing>
+</p:sld>
+</file>
+
+<file path=ppt/slides/slide26.xml><?xml version="1.0" encoding="utf-8"?>
+<p:sld xmlns:a="http://schemas.openxmlformats.org/drawingml/2006/main" xmlns:r="http://schemas.openxmlformats.org/officeDocument/2006/relationships" xmlns:p="http://schemas.openxmlformats.org/presentationml/2006/main">
+  <p:cSld>
+    <p:spTree>
+      <p:nvGrpSpPr>
+        <p:cNvPr id="1" name=""/>
+        <p:cNvGrpSpPr/>
+        <p:nvPr/>
+      </p:nvGrpSpPr>
+      <p:grpSpPr>
+        <a:xfrm>
+          <a:off x="0" y="0"/>
+          <a:ext cx="0" cy="0"/>
+          <a:chOff x="0" y="0"/>
+          <a:chExt cx="0" cy="0"/>
+        </a:xfrm>
+      </p:grpSpPr>
+      <p:sp>
+        <p:nvSpPr>
+          <p:cNvPr id="2" name="Title 1"/>
+          <p:cNvSpPr>
+            <a:spLocks noGrp="1"/>
+          </p:cNvSpPr>
+          <p:nvPr>
+            <p:ph type="title"/>
+          </p:nvPr>
+        </p:nvSpPr>
+        <p:spPr/>
+        <p:txBody>
+          <a:bodyPr>
+            <a:normAutofit fontScale="90000"/>
+          </a:bodyPr>
+          <a:lstStyle/>
+          <a:p>
+            <a:r>
+              <a:rPr lang="en-US"/>
+              <a:t>Migration of process definition to v6</a:t>
+            </a:r>
+          </a:p>
+        </p:txBody>
+      </p:sp>
+      <p:sp>
+        <p:nvSpPr>
+          <p:cNvPr id="3" name="Content Placeholder 2"/>
+          <p:cNvSpPr>
+            <a:spLocks noGrp="1"/>
+          </p:cNvSpPr>
+          <p:nvPr>
+            <p:ph idx="1"/>
+          </p:nvPr>
+        </p:nvSpPr>
+        <p:spPr/>
+        <p:txBody>
+          <a:bodyPr>
+            <a:normAutofit fontScale="92500" lnSpcReduction="10000"/>
+          </a:bodyPr>
+          <a:lstStyle/>
+          <a:p>
+            <a:r>
+              <a:rPr lang="en-US">
+                <a:sym typeface="Wingdings"/>
+              </a:rPr>
+              <a:t>Backwards compatibility is enabled by having ‘activiti5-compatibility’ dependency on classpath</a:t>
+            </a:r>
+          </a:p>
+          <a:p>
+            <a:r>
+              <a:rPr lang="en-US">
+                <a:sym typeface="Wingdings"/>
+              </a:rPr>
+              <a:t>Old process instances keep running against v5 ‘mini-engine’</a:t>
+            </a:r>
+          </a:p>
+          <a:p>
+            <a:pPr lvl="1"/>
+            <a:r>
+              <a:rPr lang="en-US">
+                <a:sym typeface="Wingdings"/>
+              </a:rPr>
+              <a:t>Runtime execution is different from v6</a:t>
+            </a:r>
+          </a:p>
+          <a:p>
+            <a:r>
+              <a:rPr lang="en-US">
+                <a:sym typeface="Wingdings"/>
+              </a:rPr>
+              <a:t>Running process definition in v6 is</a:t>
+            </a:r>
+          </a:p>
+          <a:p>
+            <a:pPr lvl="1"/>
+            <a:r>
+              <a:rPr lang="en-US">
+                <a:sym typeface="Wingdings"/>
+              </a:rPr>
+              <a:t>Migrating your custom logic</a:t>
+            </a:r>
+          </a:p>
+          <a:p>
+            <a:pPr lvl="1"/>
+            <a:r>
+              <a:rPr lang="en-US">
+                <a:sym typeface="Wingdings"/>
+              </a:rPr>
+              <a:t>Running your tests</a:t>
+            </a:r>
+          </a:p>
+          <a:p>
+            <a:pPr lvl="1"/>
+            <a:r>
+              <a:rPr lang="en-US">
+                <a:sym typeface="Wingdings"/>
+              </a:rPr>
+              <a:t>Deploying a new version of the process definition</a:t>
+            </a:r>
+          </a:p>
+        </p:txBody>
+      </p:sp>
+      <p:sp>
+        <p:nvSpPr>
+          <p:cNvPr id="5" name="Slide Number Placeholder 4"/>
+          <p:cNvSpPr>
+            <a:spLocks noGrp="1"/>
+          </p:cNvSpPr>
+          <p:nvPr>
+            <p:ph type="sldNum" sz="quarter" idx="4294967295"/>
+          </p:nvPr>
+        </p:nvSpPr>
+        <p:spPr>
+          <a:xfrm>
+            <a:off x="8715375" y="6383338"/>
+            <a:ext cx="428625" cy="365125"/>
+          </a:xfrm>
+        </p:spPr>
+        <p:txBody>
+          <a:bodyPr/>
+          <a:lstStyle/>
+          <a:p>
+            <a:fld id="{AF88E988-FB04-AB4E-BE5A-59F242AF7F7A}" type="slidenum">
+              <a:rPr lang="en-US" smtClean="0"/>
+              <a:pPr/>
+              <a:t>26</a:t>
+            </a:fld>
+            <a:endParaRPr lang="en-US" dirty="0"/>
+          </a:p>
+        </p:txBody>
+      </p:sp>
+    </p:spTree>
+    <p:extLst>
+      <p:ext uri="{BB962C8B-B14F-4D97-AF65-F5344CB8AC3E}">
+        <p14:creationId xmlns:p14="http://schemas.microsoft.com/office/powerpoint/2010/main" val="1955003436"/>
+      </p:ext>
+    </p:extLst>
+  </p:cSld>
+  <p:clrMapOvr>
+    <a:masterClrMapping/>
+  </p:clrMapOvr>
+  <p:timing>
+    <p:tnLst>
+      <p:par>
+        <p:cTn xmlns:p14="http://schemas.microsoft.com/office/powerpoint/2010/main" id="1" dur="indefinite" restart="never" nodeType="tmRoot"/>
+      </p:par>
+    </p:tnLst>
+  </p:timing>
+</p:sld>
+</file>
+
+<file path=ppt/slides/slide27.xml><?xml version="1.0" encoding="utf-8"?>
+<p:sld xmlns:a="http://schemas.openxmlformats.org/drawingml/2006/main" xmlns:r="http://schemas.openxmlformats.org/officeDocument/2006/relationships" xmlns:p="http://schemas.openxmlformats.org/presentationml/2006/main">
+  <p:cSld>
+    <p:spTree>
+      <p:nvGrpSpPr>
+        <p:cNvPr id="1" name=""/>
+        <p:cNvGrpSpPr/>
+        <p:nvPr/>
+      </p:nvGrpSpPr>
+      <p:grpSpPr>
+        <a:xfrm>
+          <a:off x="0" y="0"/>
+          <a:ext cx="0" cy="0"/>
+          <a:chOff x="0" y="0"/>
+          <a:chExt cx="0" cy="0"/>
+        </a:xfrm>
+      </p:grpSpPr>
+      <p:sp>
+        <p:nvSpPr>
+          <p:cNvPr id="3" name="TextBox 2"/>
+          <p:cNvSpPr txBox="1"/>
+          <p:nvPr/>
+        </p:nvSpPr>
+        <p:spPr>
+          <a:xfrm>
+            <a:off x="0" y="2564904"/>
+            <a:ext cx="9144000" cy="1446550"/>
+          </a:xfrm>
+          <a:prstGeom prst="rect">
+            <a:avLst/>
+          </a:prstGeom>
+          <a:noFill/>
+        </p:spPr>
+        <p:txBody>
+          <a:bodyPr wrap="square" rtlCol="0">
+            <a:spAutoFit/>
+          </a:bodyPr>
+          <a:lstStyle/>
+          <a:p>
+            <a:pPr algn="ctr"/>
+            <a:r>
+              <a:rPr lang="en-US" sz="8800"/>
+              <a:t>DEMO</a:t>
+            </a:r>
+          </a:p>
+        </p:txBody>
+      </p:sp>
+      <p:sp>
+        <p:nvSpPr>
+          <p:cNvPr id="2" name="TextBox 1"/>
+          <p:cNvSpPr txBox="1"/>
+          <p:nvPr/>
+        </p:nvSpPr>
+        <p:spPr>
+          <a:xfrm>
+            <a:off x="-33692" y="4221088"/>
+            <a:ext cx="9144000" cy="646331"/>
+          </a:xfrm>
+          <a:prstGeom prst="rect">
+            <a:avLst/>
+          </a:prstGeom>
+          <a:noFill/>
+        </p:spPr>
+        <p:txBody>
+          <a:bodyPr wrap="square" rtlCol="0">
+            <a:spAutoFit/>
+          </a:bodyPr>
+          <a:lstStyle/>
+          <a:p>
+            <a:pPr algn="ctr"/>
+            <a:r>
+              <a:rPr lang="en-US">
+                <a:hlinkClick r:id="rId2"/>
+              </a:rPr>
+              <a:t>https://github.com/jbarrez/beecon-2016-examples/tree/master/upgrade-example</a:t>
+            </a:r>
+            <a:endParaRPr lang="en-US"/>
+          </a:p>
+          <a:p>
+            <a:pPr algn="ctr"/>
+            <a:endParaRPr lang="en-US"/>
+          </a:p>
+        </p:txBody>
+      </p:sp>
+    </p:spTree>
+    <p:extLst>
+      <p:ext uri="{BB962C8B-B14F-4D97-AF65-F5344CB8AC3E}">
+        <p14:creationId xmlns:p14="http://schemas.microsoft.com/office/powerpoint/2010/main" val="992385542"/>
+      </p:ext>
+    </p:extLst>
+  </p:cSld>
+  <p:clrMapOvr>
+    <a:masterClrMapping/>
+  </p:clrMapOvr>
+  <p:timing>
+    <p:tnLst>
+      <p:par>
+        <p:cTn xmlns:p14="http://schemas.microsoft.com/office/powerpoint/2010/main" id="1" dur="indefinite" restart="never" nodeType="tmRoot"/>
+      </p:par>
+    </p:tnLst>
   </p:timing>
 </p:sld>
 </file>
@@ -13165,13 +12426,13 @@
         <p:spPr/>
         <p:txBody>
           <a:bodyPr>
-            <a:normAutofit fontScale="90000"/>
+            <a:normAutofit/>
           </a:bodyPr>
           <a:lstStyle/>
           <a:p>
             <a:r>
               <a:rPr lang="en-US"/>
-              <a:t>Migration of process definition to v6</a:t>
+              <a:t>Dynamicity: Why it becomes easier</a:t>
             </a:r>
           </a:p>
         </p:txBody>
@@ -13188,24 +12449,23 @@
         </p:nvSpPr>
         <p:spPr/>
         <p:txBody>
-          <a:bodyPr>
-            <a:normAutofit fontScale="92500" lnSpcReduction="10000"/>
-          </a:bodyPr>
+          <a:bodyPr/>
           <a:lstStyle/>
           <a:p>
             <a:r>
               <a:rPr lang="en-US">
                 <a:sym typeface="Wingdings"/>
               </a:rPr>
-              <a:t>Backwards compatibility is enabled by having ‘activiti5-compatibility’ dependency on classpath</a:t>
-            </a:r>
-          </a:p>
-          <a:p>
+              <a:t>Runtime structure predictable</a:t>
+            </a:r>
+          </a:p>
+          <a:p>
+            <a:pPr lvl="1"/>
             <a:r>
               <a:rPr lang="en-US">
                 <a:sym typeface="Wingdings"/>
               </a:rPr>
-              <a:t>Old process instances keep running against v5 ‘mini-engine’</a:t>
+              <a:t>dynamically adapting it becomes easier</a:t>
             </a:r>
           </a:p>
           <a:p>
@@ -13214,7 +12474,7 @@
               <a:rPr lang="en-US">
                 <a:sym typeface="Wingdings"/>
               </a:rPr>
-              <a:t>Runtime execution is different from v6</a:t>
+              <a:t>No edge cases that can be forgotten</a:t>
             </a:r>
           </a:p>
           <a:p>
@@ -13222,7 +12482,7 @@
               <a:rPr lang="en-US">
                 <a:sym typeface="Wingdings"/>
               </a:rPr>
-              <a:t>Running process definition in v6 is</a:t>
+              <a:t>Direct BPMN model execution</a:t>
             </a:r>
           </a:p>
           <a:p>
@@ -13231,7 +12491,7 @@
               <a:rPr lang="en-US">
                 <a:sym typeface="Wingdings"/>
               </a:rPr>
-              <a:t>Migrating your custom logic</a:t>
+              <a:t>No two layer mapping to internal model</a:t>
             </a:r>
           </a:p>
           <a:p>
@@ -13240,19 +12500,7 @@
               <a:rPr lang="en-US">
                 <a:sym typeface="Wingdings"/>
               </a:rPr>
-              <a:t>Running your tests</a:t>
-            </a:r>
-            <a:endParaRPr lang="en-US">
-              <a:sym typeface="Wingdings"/>
-            </a:endParaRPr>
-          </a:p>
-          <a:p>
-            <a:pPr lvl="1"/>
-            <a:r>
-              <a:rPr lang="en-US">
-                <a:sym typeface="Wingdings"/>
-              </a:rPr>
-              <a:t>Deploying a new version of the process definition</a:t>
+              <a:t>(theoretically) Dynamic change means going from one model to a derived one</a:t>
             </a:r>
           </a:p>
         </p:txBody>
@@ -13289,7 +12537,7 @@
     </p:spTree>
     <p:extLst>
       <p:ext uri="{BB962C8B-B14F-4D97-AF65-F5344CB8AC3E}">
-        <p14:creationId xmlns:p14="http://schemas.microsoft.com/office/powerpoint/2010/main" val="1955003436"/>
+        <p14:creationId xmlns:p14="http://schemas.microsoft.com/office/powerpoint/2010/main" val="3096993064"/>
       </p:ext>
     </p:extLst>
   </p:cSld>
@@ -13325,81 +12573,126 @@
       </p:grpSpPr>
       <p:sp>
         <p:nvSpPr>
-          <p:cNvPr id="3" name="TextBox 2"/>
-          <p:cNvSpPr txBox="1"/>
+          <p:cNvPr id="2" name="Title 1"/>
+          <p:cNvSpPr>
+            <a:spLocks noGrp="1"/>
+          </p:cNvSpPr>
+          <p:nvPr>
+            <p:ph type="title"/>
+          </p:nvPr>
+        </p:nvSpPr>
+        <p:spPr/>
+        <p:txBody>
+          <a:bodyPr/>
+          <a:lstStyle/>
+          <a:p>
+            <a:r>
+              <a:rPr lang="en-US"/>
+              <a:t>Adhoc subprocesses</a:t>
+            </a:r>
+          </a:p>
+        </p:txBody>
+      </p:sp>
+      <p:sp>
+        <p:nvSpPr>
+          <p:cNvPr id="5" name="Slide Number Placeholder 4"/>
+          <p:cNvSpPr>
+            <a:spLocks noGrp="1"/>
+          </p:cNvSpPr>
+          <p:nvPr>
+            <p:ph type="sldNum" sz="quarter" idx="4294967295"/>
+          </p:nvPr>
+        </p:nvSpPr>
+        <p:spPr>
+          <a:xfrm>
+            <a:off x="8715375" y="6383338"/>
+            <a:ext cx="428625" cy="365125"/>
+          </a:xfrm>
+        </p:spPr>
+        <p:txBody>
+          <a:bodyPr/>
+          <a:lstStyle/>
+          <a:p>
+            <a:fld id="{AF88E988-FB04-AB4E-BE5A-59F242AF7F7A}" type="slidenum">
+              <a:rPr lang="en-US" smtClean="0"/>
+              <a:pPr/>
+              <a:t>29</a:t>
+            </a:fld>
+            <a:endParaRPr lang="en-US" dirty="0"/>
+          </a:p>
+        </p:txBody>
+      </p:sp>
+      <p:pic>
+        <p:nvPicPr>
+          <p:cNvPr id="7" name="Picture 6"/>
+          <p:cNvPicPr>
+            <a:picLocks noChangeAspect="1"/>
+          </p:cNvPicPr>
           <p:nvPr/>
-        </p:nvSpPr>
+        </p:nvPicPr>
+        <p:blipFill>
+          <a:blip r:embed="rId2"/>
+          <a:stretch>
+            <a:fillRect/>
+          </a:stretch>
+        </p:blipFill>
         <p:spPr>
           <a:xfrm>
-            <a:off x="0" y="2564904"/>
-            <a:ext cx="9144000" cy="1446550"/>
+            <a:off x="971600" y="1988840"/>
+            <a:ext cx="7482572" cy="2859155"/>
           </a:xfrm>
           <a:prstGeom prst="rect">
             <a:avLst/>
           </a:prstGeom>
-          <a:noFill/>
-        </p:spPr>
-        <p:txBody>
-          <a:bodyPr wrap="square" rtlCol="0">
-            <a:spAutoFit/>
-          </a:bodyPr>
-          <a:lstStyle/>
-          <a:p>
-            <a:pPr algn="ctr"/>
-            <a:r>
-              <a:rPr lang="en-US" sz="8800"/>
-              <a:t>DEMO</a:t>
-            </a:r>
-          </a:p>
-        </p:txBody>
-      </p:sp>
-      <p:sp>
-        <p:nvSpPr>
-          <p:cNvPr id="2" name="TextBox 1"/>
-          <p:cNvSpPr txBox="1"/>
+        </p:spPr>
+      </p:pic>
+      <p:pic>
+        <p:nvPicPr>
+          <p:cNvPr id="9" name="Picture 8" descr="Screenshot 2016-03-01 16.01.30.png"/>
+          <p:cNvPicPr>
+            <a:picLocks noChangeAspect="1"/>
+          </p:cNvPicPr>
           <p:nvPr/>
-        </p:nvSpPr>
+        </p:nvPicPr>
+        <p:blipFill>
+          <a:blip r:embed="rId3">
+            <a:extLst>
+              <a:ext uri="{28A0092B-C50C-407E-A947-70E740481C1C}">
+                <a14:useLocalDpi xmlns:a14="http://schemas.microsoft.com/office/drawing/2010/main" val="0"/>
+              </a:ext>
+            </a:extLst>
+          </a:blip>
+          <a:stretch>
+            <a:fillRect/>
+          </a:stretch>
+        </p:blipFill>
         <p:spPr>
           <a:xfrm>
-            <a:off x="-33692" y="4221088"/>
-            <a:ext cx="9144000" cy="646331"/>
+            <a:off x="971600" y="4941168"/>
+            <a:ext cx="7539567" cy="1452541"/>
           </a:xfrm>
           <a:prstGeom prst="rect">
             <a:avLst/>
           </a:prstGeom>
-          <a:noFill/>
-        </p:spPr>
-        <p:txBody>
-          <a:bodyPr wrap="square" rtlCol="0">
-            <a:spAutoFit/>
-          </a:bodyPr>
-          <a:lstStyle/>
-          <a:p>
-            <a:pPr algn="ctr"/>
-            <a:r>
-              <a:rPr lang="en-US">
-                <a:hlinkClick r:id="rId2"/>
-              </a:rPr>
-              <a:t>https://github.com/jbarrez/beecon-2016-examples/tree/master/upgrade-example</a:t>
-            </a:r>
-            <a:endParaRPr lang="en-US"/>
-          </a:p>
-          <a:p>
-            <a:pPr algn="ctr"/>
-            <a:endParaRPr lang="en-US"/>
-          </a:p>
-        </p:txBody>
-      </p:sp>
+        </p:spPr>
+      </p:pic>
     </p:spTree>
     <p:extLst>
       <p:ext uri="{BB962C8B-B14F-4D97-AF65-F5344CB8AC3E}">
-        <p14:creationId xmlns:p14="http://schemas.microsoft.com/office/powerpoint/2010/main" val="992385542"/>
+        <p14:creationId xmlns:p14="http://schemas.microsoft.com/office/powerpoint/2010/main" val="3851025428"/>
       </p:ext>
     </p:extLst>
   </p:cSld>
   <p:clrMapOvr>
     <a:masterClrMapping/>
   </p:clrMapOvr>
+  <p:timing>
+    <p:tnLst>
+      <p:par>
+        <p:cTn xmlns:p14="http://schemas.microsoft.com/office/powerpoint/2010/main" id="1" dur="indefinite" restart="never" nodeType="tmRoot"/>
+      </p:par>
+    </p:tnLst>
+  </p:timing>
 </p:sld>
 </file>
 
@@ -13504,7 +12797,6 @@
               <a:rPr lang="en-US" sz="2400"/>
               <a:t>Q&amp;A</a:t>
             </a:r>
-            <a:endParaRPr lang="en-US" sz="2400"/>
           </a:p>
           <a:p>
             <a:endParaRPr lang="en-US" sz="2400"/>
@@ -13562,6 +12854,13 @@
   <p:clrMapOvr>
     <a:masterClrMapping/>
   </p:clrMapOvr>
+  <p:timing>
+    <p:tnLst>
+      <p:par>
+        <p:cTn xmlns:p14="http://schemas.microsoft.com/office/powerpoint/2010/main" id="1" dur="indefinite" restart="never" nodeType="tmRoot"/>
+      </p:par>
+    </p:tnLst>
+  </p:timing>
 </p:sld>
 </file>
 
@@ -13594,82 +12893,12 @@
         </p:nvSpPr>
         <p:spPr/>
         <p:txBody>
-          <a:bodyPr>
-            <a:normAutofit/>
-          </a:bodyPr>
+          <a:bodyPr/>
           <a:lstStyle/>
           <a:p>
             <a:r>
               <a:rPr lang="en-US"/>
-              <a:t>Dynamicity: Why it becomes easier</a:t>
-            </a:r>
-          </a:p>
-        </p:txBody>
-      </p:sp>
-      <p:sp>
-        <p:nvSpPr>
-          <p:cNvPr id="3" name="Content Placeholder 2"/>
-          <p:cNvSpPr>
-            <a:spLocks noGrp="1"/>
-          </p:cNvSpPr>
-          <p:nvPr>
-            <p:ph idx="1"/>
-          </p:nvPr>
-        </p:nvSpPr>
-        <p:spPr/>
-        <p:txBody>
-          <a:bodyPr/>
-          <a:lstStyle/>
-          <a:p>
-            <a:r>
-              <a:rPr lang="en-US">
-                <a:sym typeface="Wingdings"/>
-              </a:rPr>
-              <a:t>Runtime structure predictable</a:t>
-            </a:r>
-          </a:p>
-          <a:p>
-            <a:pPr lvl="1"/>
-            <a:r>
-              <a:rPr lang="en-US">
-                <a:sym typeface="Wingdings"/>
-              </a:rPr>
-              <a:t>dynamically adapting it becomes easier</a:t>
-            </a:r>
-          </a:p>
-          <a:p>
-            <a:pPr lvl="1"/>
-            <a:r>
-              <a:rPr lang="en-US">
-                <a:sym typeface="Wingdings"/>
-              </a:rPr>
-              <a:t>No edge cases that can be forgotten</a:t>
-            </a:r>
-          </a:p>
-          <a:p>
-            <a:r>
-              <a:rPr lang="en-US">
-                <a:sym typeface="Wingdings"/>
-              </a:rPr>
-              <a:t>Direct BPMN model execution</a:t>
-            </a:r>
-          </a:p>
-          <a:p>
-            <a:pPr lvl="1"/>
-            <a:r>
-              <a:rPr lang="en-US">
-                <a:sym typeface="Wingdings"/>
-              </a:rPr>
-              <a:t>No two layer mapping to internal model</a:t>
-            </a:r>
-          </a:p>
-          <a:p>
-            <a:pPr lvl="1"/>
-            <a:r>
-              <a:rPr lang="en-US">
-                <a:sym typeface="Wingdings"/>
-              </a:rPr>
-              <a:t>(theoretically) Dynamic change means going from one model to a derived one</a:t>
+              <a:t>Terminate Multi Instance</a:t>
             </a:r>
           </a:p>
         </p:txBody>
@@ -13703,10 +12932,98 @@
           </a:p>
         </p:txBody>
       </p:sp>
+      <p:pic>
+        <p:nvPicPr>
+          <p:cNvPr id="3" name="Picture 2" descr="Screenshot 2016-03-01 17.41.56.png"/>
+          <p:cNvPicPr>
+            <a:picLocks noChangeAspect="1"/>
+          </p:cNvPicPr>
+          <p:nvPr/>
+        </p:nvPicPr>
+        <p:blipFill>
+          <a:blip r:embed="rId2">
+            <a:extLst>
+              <a:ext uri="{28A0092B-C50C-407E-A947-70E740481C1C}">
+                <a14:useLocalDpi xmlns:a14="http://schemas.microsoft.com/office/drawing/2010/main" val="0"/>
+              </a:ext>
+            </a:extLst>
+          </a:blip>
+          <a:stretch>
+            <a:fillRect/>
+          </a:stretch>
+        </p:blipFill>
+        <p:spPr>
+          <a:xfrm>
+            <a:off x="395536" y="1844824"/>
+            <a:ext cx="8568952" cy="4075129"/>
+          </a:xfrm>
+          <a:prstGeom prst="rect">
+            <a:avLst/>
+          </a:prstGeom>
+        </p:spPr>
+      </p:pic>
+      <p:sp>
+        <p:nvSpPr>
+          <p:cNvPr id="6" name="TextBox 5"/>
+          <p:cNvSpPr txBox="1"/>
+          <p:nvPr/>
+        </p:nvSpPr>
+        <p:spPr>
+          <a:xfrm>
+            <a:off x="2843808" y="5085184"/>
+            <a:ext cx="327659" cy="261610"/>
+          </a:xfrm>
+          <a:prstGeom prst="rect">
+            <a:avLst/>
+          </a:prstGeom>
+          <a:noFill/>
+        </p:spPr>
+        <p:txBody>
+          <a:bodyPr wrap="none" rtlCol="0">
+            <a:spAutoFit/>
+          </a:bodyPr>
+          <a:lstStyle/>
+          <a:p>
+            <a:r>
+              <a:rPr lang="en-US" sz="1100"/>
+              <a:t>12</a:t>
+            </a:r>
+          </a:p>
+        </p:txBody>
+      </p:sp>
+      <p:sp>
+        <p:nvSpPr>
+          <p:cNvPr id="10" name="TextBox 9"/>
+          <p:cNvSpPr txBox="1"/>
+          <p:nvPr/>
+        </p:nvSpPr>
+        <p:spPr>
+          <a:xfrm>
+            <a:off x="4067944" y="3645024"/>
+            <a:ext cx="327659" cy="261610"/>
+          </a:xfrm>
+          <a:prstGeom prst="rect">
+            <a:avLst/>
+          </a:prstGeom>
+          <a:noFill/>
+        </p:spPr>
+        <p:txBody>
+          <a:bodyPr wrap="none" rtlCol="0">
+            <a:spAutoFit/>
+          </a:bodyPr>
+          <a:lstStyle/>
+          <a:p>
+            <a:r>
+              <a:rPr lang="en-US" sz="1100"/>
+              <a:t>72</a:t>
+            </a:r>
+          </a:p>
+        </p:txBody>
+      </p:sp>
     </p:spTree>
     <p:extLst>
       <p:ext uri="{BB962C8B-B14F-4D97-AF65-F5344CB8AC3E}">
-        <p14:creationId xmlns:p14="http://schemas.microsoft.com/office/powerpoint/2010/main" val="3096993064"/>
+        <p14:creationId xmlns:p14="http://schemas.microsoft.com/office/powerpoint/2010/main" val="809907726"/>
       </p:ext>
     </p:extLst>
   </p:cSld>
@@ -13757,8 +13074,79 @@
           <a:p>
             <a:r>
               <a:rPr lang="en-US"/>
-              <a:t>Adhoc subprocesses</a:t>
-            </a:r>
+              <a:t>Performance</a:t>
+            </a:r>
+          </a:p>
+        </p:txBody>
+      </p:sp>
+      <p:sp>
+        <p:nvSpPr>
+          <p:cNvPr id="3" name="Content Placeholder 2"/>
+          <p:cNvSpPr>
+            <a:spLocks noGrp="1"/>
+          </p:cNvSpPr>
+          <p:nvPr>
+            <p:ph idx="1"/>
+          </p:nvPr>
+        </p:nvSpPr>
+        <p:spPr/>
+        <p:txBody>
+          <a:bodyPr/>
+          <a:lstStyle/>
+          <a:p>
+            <a:r>
+              <a:rPr lang="en-US">
+                <a:sym typeface="Wingdings"/>
+              </a:rPr>
+              <a:t>One of the core focus areas of Beta3</a:t>
+            </a:r>
+          </a:p>
+          <a:p>
+            <a:r>
+              <a:rPr lang="en-US">
+                <a:sym typeface="Wingdings"/>
+              </a:rPr>
+              <a:t>Memory usage similar to v5</a:t>
+            </a:r>
+          </a:p>
+          <a:p>
+            <a:r>
+              <a:rPr lang="en-US">
+                <a:sym typeface="Wingdings"/>
+              </a:rPr>
+              <a:t>Clearer execution tree algorithm, but at the costs of more executions</a:t>
+            </a:r>
+          </a:p>
+          <a:p>
+            <a:pPr lvl="1"/>
+            <a:r>
+              <a:rPr lang="en-US">
+                <a:sym typeface="Wingdings"/>
+              </a:rPr>
+              <a:t>More db rows  more updates, more cleanup</a:t>
+            </a:r>
+          </a:p>
+          <a:p>
+            <a:r>
+              <a:rPr lang="en-US">
+                <a:sym typeface="Wingdings"/>
+              </a:rPr>
+              <a:t>Consolidated and consistent data services</a:t>
+            </a:r>
+          </a:p>
+          <a:p>
+            <a:pPr lvl="1"/>
+            <a:r>
+              <a:rPr lang="en-US">
+                <a:sym typeface="Wingdings"/>
+              </a:rPr>
+              <a:t>Opens up paths to optimization</a:t>
+            </a:r>
+          </a:p>
+          <a:p>
+            <a:endParaRPr lang="en-US">
+              <a:sym typeface="Wingdings"/>
+            </a:endParaRPr>
           </a:p>
         </p:txBody>
       </p:sp>
@@ -13791,64 +13179,10 @@
           </a:p>
         </p:txBody>
       </p:sp>
-      <p:pic>
-        <p:nvPicPr>
-          <p:cNvPr id="7" name="Picture 6"/>
-          <p:cNvPicPr>
-            <a:picLocks noChangeAspect="1"/>
-          </p:cNvPicPr>
-          <p:nvPr/>
-        </p:nvPicPr>
-        <p:blipFill>
-          <a:blip r:embed="rId2"/>
-          <a:stretch>
-            <a:fillRect/>
-          </a:stretch>
-        </p:blipFill>
-        <p:spPr>
-          <a:xfrm>
-            <a:off x="971600" y="1988840"/>
-            <a:ext cx="7482572" cy="2859155"/>
-          </a:xfrm>
-          <a:prstGeom prst="rect">
-            <a:avLst/>
-          </a:prstGeom>
-        </p:spPr>
-      </p:pic>
-      <p:pic>
-        <p:nvPicPr>
-          <p:cNvPr id="9" name="Picture 8" descr="Screenshot 2016-03-01 16.01.30.png"/>
-          <p:cNvPicPr>
-            <a:picLocks noChangeAspect="1"/>
-          </p:cNvPicPr>
-          <p:nvPr/>
-        </p:nvPicPr>
-        <p:blipFill>
-          <a:blip r:embed="rId3">
-            <a:extLst>
-              <a:ext uri="{28A0092B-C50C-407E-A947-70E740481C1C}">
-                <a14:useLocalDpi xmlns:a14="http://schemas.microsoft.com/office/drawing/2010/main" val="0"/>
-              </a:ext>
-            </a:extLst>
-          </a:blip>
-          <a:stretch>
-            <a:fillRect/>
-          </a:stretch>
-        </p:blipFill>
-        <p:spPr>
-          <a:xfrm>
-            <a:off x="971600" y="4941168"/>
-            <a:ext cx="7539567" cy="1452541"/>
-          </a:xfrm>
-          <a:prstGeom prst="rect">
-            <a:avLst/>
-          </a:prstGeom>
-        </p:spPr>
-      </p:pic>
     </p:spTree>
     <p:extLst>
       <p:ext uri="{BB962C8B-B14F-4D97-AF65-F5344CB8AC3E}">
-        <p14:creationId xmlns:p14="http://schemas.microsoft.com/office/powerpoint/2010/main" val="3851025428"/>
+        <p14:creationId xmlns:p14="http://schemas.microsoft.com/office/powerpoint/2010/main" val="2734598779"/>
       </p:ext>
     </p:extLst>
   </p:cSld>
@@ -13899,8 +13233,120 @@
           <a:p>
             <a:r>
               <a:rPr lang="en-US"/>
-              <a:t>Terminate Multi Instance</a:t>
-            </a:r>
+              <a:t>Current experiments</a:t>
+            </a:r>
+          </a:p>
+        </p:txBody>
+      </p:sp>
+      <p:sp>
+        <p:nvSpPr>
+          <p:cNvPr id="3" name="Content Placeholder 2"/>
+          <p:cNvSpPr>
+            <a:spLocks noGrp="1"/>
+          </p:cNvSpPr>
+          <p:nvPr>
+            <p:ph idx="1"/>
+          </p:nvPr>
+        </p:nvSpPr>
+        <p:spPr/>
+        <p:txBody>
+          <a:bodyPr>
+            <a:normAutofit fontScale="77500" lnSpcReduction="20000"/>
+          </a:bodyPr>
+          <a:lstStyle/>
+          <a:p>
+            <a:r>
+              <a:rPr lang="en-US">
+                <a:sym typeface="Wingdings"/>
+              </a:rPr>
+              <a:t>Execution tree fetching</a:t>
+            </a:r>
+          </a:p>
+          <a:p>
+            <a:pPr lvl="1"/>
+            <a:r>
+              <a:rPr lang="en-US">
+                <a:sym typeface="Wingdings"/>
+              </a:rPr>
+              <a:t>When fetching one element of the execution tree, always fetch the whole thing</a:t>
+            </a:r>
+          </a:p>
+          <a:p>
+            <a:pPr lvl="1"/>
+            <a:r>
+              <a:rPr lang="en-US">
+                <a:sym typeface="Wingdings"/>
+              </a:rPr>
+              <a:t>Roundtrip to db outweighs extra query time + data transfer</a:t>
+            </a:r>
+          </a:p>
+          <a:p>
+            <a:r>
+              <a:rPr lang="en-US">
+                <a:sym typeface="Wingdings"/>
+              </a:rPr>
+              <a:t>‘Counting’ executions</a:t>
+            </a:r>
+          </a:p>
+          <a:p>
+            <a:pPr lvl="1"/>
+            <a:r>
+              <a:rPr lang="en-US">
+                <a:sym typeface="Wingdings"/>
+              </a:rPr>
+              <a:t>Cleanup of tree: check if related data exists (vars, jobs, tasks, …)</a:t>
+            </a:r>
+          </a:p>
+          <a:p>
+            <a:pPr lvl="1"/>
+            <a:r>
+              <a:rPr lang="en-US">
+                <a:sym typeface="Wingdings"/>
+              </a:rPr>
+              <a:t>Keep a count on the execution itself. Only query if &gt; 0</a:t>
+            </a:r>
+          </a:p>
+          <a:p>
+            <a:pPr lvl="1"/>
+            <a:r>
+              <a:rPr lang="en-US">
+                <a:sym typeface="Wingdings"/>
+              </a:rPr>
+              <a:t>In v6 easy, as there is but one entry point when an execution is created/deleted</a:t>
+            </a:r>
+          </a:p>
+          <a:p>
+            <a:r>
+              <a:rPr lang="en-US">
+                <a:sym typeface="Wingdings"/>
+              </a:rPr>
+              <a:t>More areas yet uncharted</a:t>
+            </a:r>
+          </a:p>
+          <a:p>
+            <a:pPr lvl="1"/>
+            <a:r>
+              <a:rPr lang="en-US">
+                <a:sym typeface="Wingdings"/>
+              </a:rPr>
+              <a:t>eg async history</a:t>
+            </a:r>
+          </a:p>
+          <a:p>
+            <a:pPr lvl="1"/>
+            <a:endParaRPr lang="en-US">
+              <a:sym typeface="Wingdings"/>
+            </a:endParaRPr>
+          </a:p>
+          <a:p>
+            <a:endParaRPr lang="en-US">
+              <a:sym typeface="Wingdings"/>
+            </a:endParaRPr>
+          </a:p>
+          <a:p>
+            <a:endParaRPr lang="en-US">
+              <a:sym typeface="Wingdings"/>
+            </a:endParaRPr>
           </a:p>
         </p:txBody>
       </p:sp>
@@ -13933,98 +13379,10 @@
           </a:p>
         </p:txBody>
       </p:sp>
-      <p:pic>
-        <p:nvPicPr>
-          <p:cNvPr id="3" name="Picture 2" descr="Screenshot 2016-03-01 17.41.56.png"/>
-          <p:cNvPicPr>
-            <a:picLocks noChangeAspect="1"/>
-          </p:cNvPicPr>
-          <p:nvPr/>
-        </p:nvPicPr>
-        <p:blipFill>
-          <a:blip r:embed="rId2">
-            <a:extLst>
-              <a:ext uri="{28A0092B-C50C-407E-A947-70E740481C1C}">
-                <a14:useLocalDpi xmlns:a14="http://schemas.microsoft.com/office/drawing/2010/main" val="0"/>
-              </a:ext>
-            </a:extLst>
-          </a:blip>
-          <a:stretch>
-            <a:fillRect/>
-          </a:stretch>
-        </p:blipFill>
-        <p:spPr>
-          <a:xfrm>
-            <a:off x="395536" y="1844824"/>
-            <a:ext cx="8568952" cy="4075129"/>
-          </a:xfrm>
-          <a:prstGeom prst="rect">
-            <a:avLst/>
-          </a:prstGeom>
-        </p:spPr>
-      </p:pic>
-      <p:sp>
-        <p:nvSpPr>
-          <p:cNvPr id="6" name="TextBox 5"/>
-          <p:cNvSpPr txBox="1"/>
-          <p:nvPr/>
-        </p:nvSpPr>
-        <p:spPr>
-          <a:xfrm>
-            <a:off x="2843808" y="5085184"/>
-            <a:ext cx="327659" cy="261610"/>
-          </a:xfrm>
-          <a:prstGeom prst="rect">
-            <a:avLst/>
-          </a:prstGeom>
-          <a:noFill/>
-        </p:spPr>
-        <p:txBody>
-          <a:bodyPr wrap="none" rtlCol="0">
-            <a:spAutoFit/>
-          </a:bodyPr>
-          <a:lstStyle/>
-          <a:p>
-            <a:r>
-              <a:rPr lang="en-US" sz="1100"/>
-              <a:t>12</a:t>
-            </a:r>
-          </a:p>
-        </p:txBody>
-      </p:sp>
-      <p:sp>
-        <p:nvSpPr>
-          <p:cNvPr id="10" name="TextBox 9"/>
-          <p:cNvSpPr txBox="1"/>
-          <p:nvPr/>
-        </p:nvSpPr>
-        <p:spPr>
-          <a:xfrm>
-            <a:off x="4067944" y="3645024"/>
-            <a:ext cx="327659" cy="261610"/>
-          </a:xfrm>
-          <a:prstGeom prst="rect">
-            <a:avLst/>
-          </a:prstGeom>
-          <a:noFill/>
-        </p:spPr>
-        <p:txBody>
-          <a:bodyPr wrap="none" rtlCol="0">
-            <a:spAutoFit/>
-          </a:bodyPr>
-          <a:lstStyle/>
-          <a:p>
-            <a:r>
-              <a:rPr lang="en-US" sz="1100"/>
-              <a:t>72</a:t>
-            </a:r>
-          </a:p>
-        </p:txBody>
-      </p:sp>
     </p:spTree>
     <p:extLst>
       <p:ext uri="{BB962C8B-B14F-4D97-AF65-F5344CB8AC3E}">
-        <p14:creationId xmlns:p14="http://schemas.microsoft.com/office/powerpoint/2010/main" val="809907726"/>
+        <p14:creationId xmlns:p14="http://schemas.microsoft.com/office/powerpoint/2010/main" val="1264274431"/>
       </p:ext>
     </p:extLst>
   </p:cSld>
@@ -14075,79 +13433,8 @@
           <a:p>
             <a:r>
               <a:rPr lang="en-US"/>
-              <a:t>Performance</a:t>
-            </a:r>
-          </a:p>
-        </p:txBody>
-      </p:sp>
-      <p:sp>
-        <p:nvSpPr>
-          <p:cNvPr id="3" name="Content Placeholder 2"/>
-          <p:cNvSpPr>
-            <a:spLocks noGrp="1"/>
-          </p:cNvSpPr>
-          <p:nvPr>
-            <p:ph idx="1"/>
-          </p:nvPr>
-        </p:nvSpPr>
-        <p:spPr/>
-        <p:txBody>
-          <a:bodyPr/>
-          <a:lstStyle/>
-          <a:p>
-            <a:r>
-              <a:rPr lang="en-US">
-                <a:sym typeface="Wingdings"/>
-              </a:rPr>
-              <a:t>One of the core focus areas of Beta3</a:t>
-            </a:r>
-          </a:p>
-          <a:p>
-            <a:r>
-              <a:rPr lang="en-US">
-                <a:sym typeface="Wingdings"/>
-              </a:rPr>
-              <a:t>Memory usage similar to v5</a:t>
-            </a:r>
-          </a:p>
-          <a:p>
-            <a:r>
-              <a:rPr lang="en-US">
-                <a:sym typeface="Wingdings"/>
-              </a:rPr>
-              <a:t>Clearer execution tree algorithm, but at the costs of more executions</a:t>
-            </a:r>
-          </a:p>
-          <a:p>
-            <a:pPr lvl="1"/>
-            <a:r>
-              <a:rPr lang="en-US">
-                <a:sym typeface="Wingdings"/>
-              </a:rPr>
-              <a:t>More db rows  more updates, more cleanup</a:t>
-            </a:r>
-          </a:p>
-          <a:p>
-            <a:r>
-              <a:rPr lang="en-US">
-                <a:sym typeface="Wingdings"/>
-              </a:rPr>
-              <a:t>Consolidated and consistent data services</a:t>
-            </a:r>
-          </a:p>
-          <a:p>
-            <a:pPr lvl="1"/>
-            <a:r>
-              <a:rPr lang="en-US">
-                <a:sym typeface="Wingdings"/>
-              </a:rPr>
-              <a:t>Opens up paths to optimization</a:t>
-            </a:r>
-          </a:p>
-          <a:p>
-            <a:endParaRPr lang="en-US">
-              <a:sym typeface="Wingdings"/>
-            </a:endParaRPr>
+              <a:t>Some Results</a:t>
+            </a:r>
           </a:p>
         </p:txBody>
       </p:sp>
@@ -14180,10 +13467,40 @@
           </a:p>
         </p:txBody>
       </p:sp>
+      <p:pic>
+        <p:nvPicPr>
+          <p:cNvPr id="6" name="Picture 5" descr="Screenshot 2016-03-01 15.14.03.png"/>
+          <p:cNvPicPr>
+            <a:picLocks noChangeAspect="1"/>
+          </p:cNvPicPr>
+          <p:nvPr/>
+        </p:nvPicPr>
+        <p:blipFill>
+          <a:blip r:embed="rId2">
+            <a:extLst>
+              <a:ext uri="{28A0092B-C50C-407E-A947-70E740481C1C}">
+                <a14:useLocalDpi xmlns:a14="http://schemas.microsoft.com/office/drawing/2010/main" val="0"/>
+              </a:ext>
+            </a:extLst>
+          </a:blip>
+          <a:stretch>
+            <a:fillRect/>
+          </a:stretch>
+        </p:blipFill>
+        <p:spPr>
+          <a:xfrm>
+            <a:off x="395536" y="2132856"/>
+            <a:ext cx="8317969" cy="4286939"/>
+          </a:xfrm>
+          <a:prstGeom prst="rect">
+            <a:avLst/>
+          </a:prstGeom>
+        </p:spPr>
+      </p:pic>
     </p:spTree>
     <p:extLst>
       <p:ext uri="{BB962C8B-B14F-4D97-AF65-F5344CB8AC3E}">
-        <p14:creationId xmlns:p14="http://schemas.microsoft.com/office/powerpoint/2010/main" val="2734598779"/>
+        <p14:creationId xmlns:p14="http://schemas.microsoft.com/office/powerpoint/2010/main" val="2776965077"/>
       </p:ext>
     </p:extLst>
   </p:cSld>
@@ -14219,331 +13536,13 @@
       </p:grpSpPr>
       <p:sp>
         <p:nvSpPr>
-          <p:cNvPr id="2" name="Title 1"/>
-          <p:cNvSpPr>
-            <a:spLocks noGrp="1"/>
-          </p:cNvSpPr>
-          <p:nvPr>
-            <p:ph type="title"/>
-          </p:nvPr>
-        </p:nvSpPr>
-        <p:spPr/>
-        <p:txBody>
-          <a:bodyPr/>
-          <a:lstStyle/>
-          <a:p>
-            <a:r>
-              <a:rPr lang="en-US"/>
-              <a:t>Current experiments</a:t>
-            </a:r>
-          </a:p>
-        </p:txBody>
-      </p:sp>
-      <p:sp>
-        <p:nvSpPr>
-          <p:cNvPr id="3" name="Content Placeholder 2"/>
-          <p:cNvSpPr>
-            <a:spLocks noGrp="1"/>
-          </p:cNvSpPr>
-          <p:nvPr>
-            <p:ph idx="1"/>
-          </p:nvPr>
-        </p:nvSpPr>
-        <p:spPr/>
-        <p:txBody>
-          <a:bodyPr>
-            <a:normAutofit fontScale="77500" lnSpcReduction="20000"/>
-          </a:bodyPr>
-          <a:lstStyle/>
-          <a:p>
-            <a:r>
-              <a:rPr lang="en-US">
-                <a:sym typeface="Wingdings"/>
-              </a:rPr>
-              <a:t>Execution tree fetching</a:t>
-            </a:r>
-          </a:p>
-          <a:p>
-            <a:pPr lvl="1"/>
-            <a:r>
-              <a:rPr lang="en-US">
-                <a:sym typeface="Wingdings"/>
-              </a:rPr>
-              <a:t>When fetching one element of the execution tree, always fetch the whole thing</a:t>
-            </a:r>
-          </a:p>
-          <a:p>
-            <a:pPr lvl="1"/>
-            <a:r>
-              <a:rPr lang="en-US">
-                <a:sym typeface="Wingdings"/>
-              </a:rPr>
-              <a:t>Roundtrip to db outweighs extra query time + data transfer</a:t>
-            </a:r>
-          </a:p>
-          <a:p>
-            <a:r>
-              <a:rPr lang="en-US">
-                <a:sym typeface="Wingdings"/>
-              </a:rPr>
-              <a:t>‘Counting’ executions</a:t>
-            </a:r>
-          </a:p>
-          <a:p>
-            <a:pPr lvl="1"/>
-            <a:r>
-              <a:rPr lang="en-US">
-                <a:sym typeface="Wingdings"/>
-              </a:rPr>
-              <a:t>Cleanup of tree: check if related data exists (vars, jobs, tasks, …)</a:t>
-            </a:r>
-          </a:p>
-          <a:p>
-            <a:pPr lvl="1"/>
-            <a:r>
-              <a:rPr lang="en-US">
-                <a:sym typeface="Wingdings"/>
-              </a:rPr>
-              <a:t>Keep a count on the execution itself. Only query if &gt; 0</a:t>
-            </a:r>
-          </a:p>
-          <a:p>
-            <a:pPr lvl="1"/>
-            <a:r>
-              <a:rPr lang="en-US">
-                <a:sym typeface="Wingdings"/>
-              </a:rPr>
-              <a:t>In v6 easy, as there is but one entry point when an execution is created/deleted</a:t>
-            </a:r>
-          </a:p>
-          <a:p>
-            <a:r>
-              <a:rPr lang="en-US">
-                <a:sym typeface="Wingdings"/>
-              </a:rPr>
-              <a:t>More areas yet uncharted</a:t>
-            </a:r>
-          </a:p>
-          <a:p>
-            <a:pPr lvl="1"/>
-            <a:r>
-              <a:rPr lang="en-US">
-                <a:sym typeface="Wingdings"/>
-              </a:rPr>
-              <a:t>eg async history</a:t>
-            </a:r>
-          </a:p>
-          <a:p>
-            <a:pPr lvl="1"/>
-            <a:endParaRPr lang="en-US">
-              <a:sym typeface="Wingdings"/>
-            </a:endParaRPr>
-          </a:p>
-          <a:p>
-            <a:endParaRPr lang="en-US">
-              <a:sym typeface="Wingdings"/>
-            </a:endParaRPr>
-          </a:p>
-          <a:p>
-            <a:endParaRPr lang="en-US">
-              <a:sym typeface="Wingdings"/>
-            </a:endParaRPr>
-          </a:p>
-        </p:txBody>
-      </p:sp>
-      <p:sp>
-        <p:nvSpPr>
-          <p:cNvPr id="5" name="Slide Number Placeholder 4"/>
-          <p:cNvSpPr>
-            <a:spLocks noGrp="1"/>
-          </p:cNvSpPr>
-          <p:nvPr>
-            <p:ph type="sldNum" sz="quarter" idx="4294967295"/>
-          </p:nvPr>
-        </p:nvSpPr>
-        <p:spPr>
-          <a:xfrm>
-            <a:off x="8715375" y="6383338"/>
-            <a:ext cx="428625" cy="365125"/>
-          </a:xfrm>
-        </p:spPr>
-        <p:txBody>
-          <a:bodyPr/>
-          <a:lstStyle/>
-          <a:p>
-            <a:fld id="{AF88E988-FB04-AB4E-BE5A-59F242AF7F7A}" type="slidenum">
-              <a:rPr lang="en-US" smtClean="0"/>
-              <a:pPr/>
-              <a:t>34</a:t>
-            </a:fld>
-            <a:endParaRPr lang="en-US" dirty="0"/>
-          </a:p>
-        </p:txBody>
-      </p:sp>
-    </p:spTree>
-    <p:extLst>
-      <p:ext uri="{BB962C8B-B14F-4D97-AF65-F5344CB8AC3E}">
-        <p14:creationId xmlns:p14="http://schemas.microsoft.com/office/powerpoint/2010/main" val="1264274431"/>
-      </p:ext>
-    </p:extLst>
-  </p:cSld>
-  <p:clrMapOvr>
-    <a:masterClrMapping/>
-  </p:clrMapOvr>
-  <p:timing>
-    <p:tnLst>
-      <p:par>
-        <p:cTn xmlns:p14="http://schemas.microsoft.com/office/powerpoint/2010/main" id="1" dur="indefinite" restart="never" nodeType="tmRoot"/>
-      </p:par>
-    </p:tnLst>
-  </p:timing>
-</p:sld>
-</file>
-
-<file path=ppt/slides/slide35.xml><?xml version="1.0" encoding="utf-8"?>
-<p:sld xmlns:a="http://schemas.openxmlformats.org/drawingml/2006/main" xmlns:r="http://schemas.openxmlformats.org/officeDocument/2006/relationships" xmlns:p="http://schemas.openxmlformats.org/presentationml/2006/main">
-  <p:cSld>
-    <p:spTree>
-      <p:nvGrpSpPr>
-        <p:cNvPr id="1" name=""/>
-        <p:cNvGrpSpPr/>
-        <p:nvPr/>
-      </p:nvGrpSpPr>
-      <p:grpSpPr>
-        <a:xfrm>
-          <a:off x="0" y="0"/>
-          <a:ext cx="0" cy="0"/>
-          <a:chOff x="0" y="0"/>
-          <a:chExt cx="0" cy="0"/>
-        </a:xfrm>
-      </p:grpSpPr>
-      <p:sp>
-        <p:nvSpPr>
-          <p:cNvPr id="2" name="Title 1"/>
-          <p:cNvSpPr>
-            <a:spLocks noGrp="1"/>
-          </p:cNvSpPr>
-          <p:nvPr>
-            <p:ph type="title"/>
-          </p:nvPr>
-        </p:nvSpPr>
-        <p:spPr/>
-        <p:txBody>
-          <a:bodyPr/>
-          <a:lstStyle/>
-          <a:p>
-            <a:r>
-              <a:rPr lang="en-US"/>
-              <a:t>Some Results</a:t>
-            </a:r>
-          </a:p>
-        </p:txBody>
-      </p:sp>
-      <p:sp>
-        <p:nvSpPr>
-          <p:cNvPr id="5" name="Slide Number Placeholder 4"/>
-          <p:cNvSpPr>
-            <a:spLocks noGrp="1"/>
-          </p:cNvSpPr>
-          <p:nvPr>
-            <p:ph type="sldNum" sz="quarter" idx="4294967295"/>
-          </p:nvPr>
-        </p:nvSpPr>
-        <p:spPr>
-          <a:xfrm>
-            <a:off x="8715375" y="6383338"/>
-            <a:ext cx="428625" cy="365125"/>
-          </a:xfrm>
-        </p:spPr>
-        <p:txBody>
-          <a:bodyPr/>
-          <a:lstStyle/>
-          <a:p>
-            <a:fld id="{AF88E988-FB04-AB4E-BE5A-59F242AF7F7A}" type="slidenum">
-              <a:rPr lang="en-US" smtClean="0"/>
-              <a:pPr/>
-              <a:t>35</a:t>
-            </a:fld>
-            <a:endParaRPr lang="en-US" dirty="0"/>
-          </a:p>
-        </p:txBody>
-      </p:sp>
-      <p:pic>
-        <p:nvPicPr>
-          <p:cNvPr id="6" name="Picture 5" descr="Screenshot 2016-03-01 15.14.03.png"/>
-          <p:cNvPicPr>
-            <a:picLocks noChangeAspect="1"/>
-          </p:cNvPicPr>
-          <p:nvPr/>
-        </p:nvPicPr>
-        <p:blipFill>
-          <a:blip r:embed="rId2">
-            <a:extLst>
-              <a:ext uri="{28A0092B-C50C-407E-A947-70E740481C1C}">
-                <a14:useLocalDpi xmlns:a14="http://schemas.microsoft.com/office/drawing/2010/main" val="0"/>
-              </a:ext>
-            </a:extLst>
-          </a:blip>
-          <a:stretch>
-            <a:fillRect/>
-          </a:stretch>
-        </p:blipFill>
-        <p:spPr>
-          <a:xfrm>
-            <a:off x="395536" y="2132856"/>
-            <a:ext cx="8317969" cy="4286939"/>
-          </a:xfrm>
-          <a:prstGeom prst="rect">
-            <a:avLst/>
-          </a:prstGeom>
-        </p:spPr>
-      </p:pic>
-    </p:spTree>
-    <p:extLst>
-      <p:ext uri="{BB962C8B-B14F-4D97-AF65-F5344CB8AC3E}">
-        <p14:creationId xmlns:p14="http://schemas.microsoft.com/office/powerpoint/2010/main" val="2776965077"/>
-      </p:ext>
-    </p:extLst>
-  </p:cSld>
-  <p:clrMapOvr>
-    <a:masterClrMapping/>
-  </p:clrMapOvr>
-  <p:timing>
-    <p:tnLst>
-      <p:par>
-        <p:cTn xmlns:p14="http://schemas.microsoft.com/office/powerpoint/2010/main" id="1" dur="indefinite" restart="never" nodeType="tmRoot"/>
-      </p:par>
-    </p:tnLst>
-  </p:timing>
-</p:sld>
-</file>
-
-<file path=ppt/slides/slide36.xml><?xml version="1.0" encoding="utf-8"?>
-<p:sld xmlns:a="http://schemas.openxmlformats.org/drawingml/2006/main" xmlns:r="http://schemas.openxmlformats.org/officeDocument/2006/relationships" xmlns:p="http://schemas.openxmlformats.org/presentationml/2006/main">
-  <p:cSld>
-    <p:spTree>
-      <p:nvGrpSpPr>
-        <p:cNvPr id="1" name=""/>
-        <p:cNvGrpSpPr/>
-        <p:nvPr/>
-      </p:nvGrpSpPr>
-      <p:grpSpPr>
-        <a:xfrm>
-          <a:off x="0" y="0"/>
-          <a:ext cx="0" cy="0"/>
-          <a:chOff x="0" y="0"/>
-          <a:chExt cx="0" cy="0"/>
-        </a:xfrm>
-      </p:grpSpPr>
-      <p:sp>
-        <p:nvSpPr>
           <p:cNvPr id="3" name="TextBox 2"/>
           <p:cNvSpPr txBox="1"/>
           <p:nvPr/>
         </p:nvSpPr>
         <p:spPr>
           <a:xfrm>
-            <a:off x="0" y="2564904"/>
+            <a:off x="0" y="1340768"/>
             <a:ext cx="9144000" cy="1446550"/>
           </a:xfrm>
           <a:prstGeom prst="rect">
@@ -14560,58 +13559,21 @@
             <a:pPr algn="ctr"/>
             <a:r>
               <a:rPr lang="en-US" sz="8800"/>
-              <a:t>DEMO</a:t>
-            </a:r>
-          </a:p>
-        </p:txBody>
-      </p:sp>
-    </p:spTree>
-    <p:extLst>
-      <p:ext uri="{BB962C8B-B14F-4D97-AF65-F5344CB8AC3E}">
-        <p14:creationId xmlns:p14="http://schemas.microsoft.com/office/powerpoint/2010/main" val="2661490101"/>
-      </p:ext>
-    </p:extLst>
-  </p:cSld>
-  <p:clrMapOvr>
-    <a:masterClrMapping/>
-  </p:clrMapOvr>
-  <p:timing>
-    <p:tnLst>
-      <p:par>
-        <p:cTn xmlns:p14="http://schemas.microsoft.com/office/powerpoint/2010/main" id="1" dur="indefinite" restart="never" nodeType="tmRoot"/>
-      </p:par>
-    </p:tnLst>
-  </p:timing>
-</p:sld>
-</file>
-
-<file path=ppt/slides/slide37.xml><?xml version="1.0" encoding="utf-8"?>
-<p:sld xmlns:a="http://schemas.openxmlformats.org/drawingml/2006/main" xmlns:r="http://schemas.openxmlformats.org/officeDocument/2006/relationships" xmlns:p="http://schemas.openxmlformats.org/presentationml/2006/main">
-  <p:cSld>
-    <p:spTree>
-      <p:nvGrpSpPr>
-        <p:cNvPr id="1" name=""/>
-        <p:cNvGrpSpPr/>
-        <p:nvPr/>
-      </p:nvGrpSpPr>
-      <p:grpSpPr>
-        <a:xfrm>
-          <a:off x="0" y="0"/>
-          <a:ext cx="0" cy="0"/>
-          <a:chOff x="0" y="0"/>
-          <a:chExt cx="0" cy="0"/>
-        </a:xfrm>
-      </p:grpSpPr>
-      <p:sp>
-        <p:nvSpPr>
-          <p:cNvPr id="3" name="TextBox 2"/>
+              <a:t>&lt;eof&gt;</a:t>
+            </a:r>
+          </a:p>
+        </p:txBody>
+      </p:sp>
+      <p:sp>
+        <p:nvSpPr>
+          <p:cNvPr id="4" name="TextBox 3"/>
           <p:cNvSpPr txBox="1"/>
           <p:nvPr/>
         </p:nvSpPr>
         <p:spPr>
           <a:xfrm>
-            <a:off x="0" y="2564904"/>
-            <a:ext cx="9144000" cy="1446550"/>
+            <a:off x="2123728" y="3861048"/>
+            <a:ext cx="5115565" cy="1477328"/>
           </a:xfrm>
           <a:prstGeom prst="rect">
             <a:avLst/>
@@ -14619,15 +13581,40 @@
           <a:noFill/>
         </p:spPr>
         <p:txBody>
-          <a:bodyPr wrap="square" rtlCol="0">
+          <a:bodyPr wrap="none" rtlCol="0">
             <a:spAutoFit/>
           </a:bodyPr>
           <a:lstStyle/>
           <a:p>
             <a:pPr algn="ctr"/>
             <a:r>
-              <a:rPr lang="en-US" sz="8800"/>
-              <a:t>&lt;eof&gt;</a:t>
+              <a:rPr lang="en-US" i="1"/>
+              <a:t>The programmer, like the poet, </a:t>
+            </a:r>
+          </a:p>
+          <a:p>
+            <a:pPr algn="ctr"/>
+            <a:r>
+              <a:rPr lang="en-US" i="1"/>
+              <a:t>works only slighty removed from pure thought-stuff.</a:t>
+            </a:r>
+          </a:p>
+          <a:p>
+            <a:pPr algn="ctr"/>
+            <a:r>
+              <a:rPr lang="en-US" i="1"/>
+              <a:t>He builds castles in the air.</a:t>
+            </a:r>
+          </a:p>
+          <a:p>
+            <a:pPr algn="ctr"/>
+            <a:endParaRPr lang="en-US" i="1"/>
+          </a:p>
+          <a:p>
+            <a:pPr algn="ctr"/>
+            <a:r>
+              <a:rPr lang="en-US" i="1"/>
+              <a:t>~ Fred Brooks</a:t>
             </a:r>
           </a:p>
         </p:txBody>
@@ -14727,7 +13714,7 @@
           <a:p>
             <a:r>
               <a:rPr lang="en-US" sz="2400"/>
-              <a:t>38 releases since</a:t>
+              <a:t>39 releases since</a:t>
             </a:r>
           </a:p>
           <a:p>
@@ -14774,6 +13761,78 @@
           <a:prstGeom prst="rect">
             <a:avLst/>
           </a:prstGeom>
+        </p:spPr>
+      </p:pic>
+      <p:pic>
+        <p:nvPicPr>
+          <p:cNvPr id="5" name="Picture 4" descr="Screenshot 2016-03-01 12.42.25.png"/>
+          <p:cNvPicPr>
+            <a:picLocks noChangeAspect="1"/>
+          </p:cNvPicPr>
+          <p:nvPr/>
+        </p:nvPicPr>
+        <p:blipFill>
+          <a:blip r:embed="rId4">
+            <a:extLst>
+              <a:ext uri="{28A0092B-C50C-407E-A947-70E740481C1C}">
+                <a14:useLocalDpi xmlns:a14="http://schemas.microsoft.com/office/drawing/2010/main" val="0"/>
+              </a:ext>
+            </a:extLst>
+          </a:blip>
+          <a:stretch>
+            <a:fillRect/>
+          </a:stretch>
+        </p:blipFill>
+        <p:spPr>
+          <a:xfrm>
+            <a:off x="-28352" y="5085184"/>
+            <a:ext cx="7264471" cy="1865777"/>
+          </a:xfrm>
+          <a:prstGeom prst="rect">
+            <a:avLst/>
+          </a:prstGeom>
+          <a:ln>
+            <a:solidFill>
+              <a:schemeClr val="tx1">
+                <a:alpha val="67000"/>
+              </a:schemeClr>
+            </a:solidFill>
+          </a:ln>
+        </p:spPr>
+      </p:pic>
+      <p:pic>
+        <p:nvPicPr>
+          <p:cNvPr id="6" name="Picture 5" descr="Screenshot 2016-03-01 12.39.00.png"/>
+          <p:cNvPicPr>
+            <a:picLocks noChangeAspect="1"/>
+          </p:cNvPicPr>
+          <p:nvPr/>
+        </p:nvPicPr>
+        <p:blipFill>
+          <a:blip r:embed="rId5">
+            <a:extLst>
+              <a:ext uri="{28A0092B-C50C-407E-A947-70E740481C1C}">
+                <a14:useLocalDpi xmlns:a14="http://schemas.microsoft.com/office/drawing/2010/main" val="0"/>
+              </a:ext>
+            </a:extLst>
+          </a:blip>
+          <a:stretch>
+            <a:fillRect/>
+          </a:stretch>
+        </p:blipFill>
+        <p:spPr>
+          <a:xfrm>
+            <a:off x="6262775" y="116632"/>
+            <a:ext cx="2881225" cy="1796668"/>
+          </a:xfrm>
+          <a:prstGeom prst="rect">
+            <a:avLst/>
+          </a:prstGeom>
+          <a:ln>
+            <a:solidFill>
+              <a:schemeClr val="tx1"/>
+            </a:solidFill>
+          </a:ln>
         </p:spPr>
       </p:pic>
     </p:spTree>
@@ -14832,7 +13891,6 @@
               <a:rPr lang="en-US"/>
               <a:t>Over the past years</a:t>
             </a:r>
-            <a:endParaRPr lang="en-US"/>
           </a:p>
         </p:txBody>
       </p:sp>
@@ -14989,7 +14047,6 @@
               <a:rPr lang="en-US"/>
               <a:t>Over the past years</a:t>
             </a:r>
-            <a:endParaRPr lang="en-US"/>
           </a:p>
         </p:txBody>
       </p:sp>
@@ -15064,7 +14121,7 @@
             <a:pPr lvl="1"/>
             <a:r>
               <a:rPr lang="en-US"/>
-              <a:t>Alfresco’s customers</a:t>
+              <a:t>Alfresco Activiti’s customers</a:t>
             </a:r>
           </a:p>
           <a:p>
@@ -15137,7 +14194,6 @@
               <a:rPr lang="en-US"/>
               <a:t>Things that make Activiti great</a:t>
             </a:r>
-            <a:endParaRPr lang="en-US"/>
           </a:p>
         </p:txBody>
       </p:sp>
@@ -15311,7 +14367,6 @@
               <a:rPr lang="en-US"/>
               <a:t>Software development is changing</a:t>
             </a:r>
-            <a:endParaRPr lang="en-US"/>
           </a:p>
         </p:txBody>
       </p:sp>
@@ -15517,7 +14572,6 @@
               <a:rPr lang="en-US"/>
               <a:t>The processes are changing</a:t>
             </a:r>
-            <a:endParaRPr lang="en-US"/>
           </a:p>
         </p:txBody>
       </p:sp>
